--- a/topic08/talk02/node-2020.pptx
+++ b/topic08/talk02/node-2020.pptx
@@ -5,7 +5,7 @@
     <p:sldMasterId id="2147483648" r:id="rId1"/>
   </p:sldMasterIdLst>
   <p:notesMasterIdLst>
-    <p:notesMasterId r:id="rId30"/>
+    <p:notesMasterId r:id="rId33"/>
   </p:notesMasterIdLst>
   <p:sldIdLst>
     <p:sldId id="256" r:id="rId2"/>
@@ -13,29 +13,32 @@
     <p:sldId id="292" r:id="rId4"/>
     <p:sldId id="273" r:id="rId5"/>
     <p:sldId id="299" r:id="rId6"/>
-    <p:sldId id="314" r:id="rId7"/>
-    <p:sldId id="308" r:id="rId8"/>
-    <p:sldId id="310" r:id="rId9"/>
-    <p:sldId id="306" r:id="rId10"/>
-    <p:sldId id="307" r:id="rId11"/>
-    <p:sldId id="311" r:id="rId12"/>
-    <p:sldId id="312" r:id="rId13"/>
-    <p:sldId id="313" r:id="rId14"/>
-    <p:sldId id="260" r:id="rId15"/>
-    <p:sldId id="263" r:id="rId16"/>
-    <p:sldId id="264" r:id="rId17"/>
-    <p:sldId id="301" r:id="rId18"/>
-    <p:sldId id="267" r:id="rId19"/>
-    <p:sldId id="271" r:id="rId20"/>
-    <p:sldId id="295" r:id="rId21"/>
-    <p:sldId id="269" r:id="rId22"/>
-    <p:sldId id="303" r:id="rId23"/>
-    <p:sldId id="272" r:id="rId24"/>
-    <p:sldId id="274" r:id="rId25"/>
-    <p:sldId id="300" r:id="rId26"/>
+    <p:sldId id="300" r:id="rId7"/>
+    <p:sldId id="314" r:id="rId8"/>
+    <p:sldId id="308" r:id="rId9"/>
+    <p:sldId id="310" r:id="rId10"/>
+    <p:sldId id="306" r:id="rId11"/>
+    <p:sldId id="307" r:id="rId12"/>
+    <p:sldId id="311" r:id="rId13"/>
+    <p:sldId id="312" r:id="rId14"/>
+    <p:sldId id="313" r:id="rId15"/>
+    <p:sldId id="260" r:id="rId16"/>
+    <p:sldId id="263" r:id="rId17"/>
+    <p:sldId id="264" r:id="rId18"/>
+    <p:sldId id="301" r:id="rId19"/>
+    <p:sldId id="267" r:id="rId20"/>
+    <p:sldId id="271" r:id="rId21"/>
+    <p:sldId id="295" r:id="rId22"/>
+    <p:sldId id="269" r:id="rId23"/>
+    <p:sldId id="303" r:id="rId24"/>
+    <p:sldId id="272" r:id="rId25"/>
+    <p:sldId id="274" r:id="rId26"/>
     <p:sldId id="276" r:id="rId27"/>
     <p:sldId id="278" r:id="rId28"/>
-    <p:sldId id="279" r:id="rId29"/>
+    <p:sldId id="281" r:id="rId29"/>
+    <p:sldId id="282" r:id="rId30"/>
+    <p:sldId id="283" r:id="rId31"/>
+    <p:sldId id="290" r:id="rId32"/>
   </p:sldIdLst>
   <p:sldSz cx="13439775" cy="7559675"/>
   <p:notesSz cx="7559675" cy="10691813"/>
@@ -372,7 +375,7 @@
           <a:p>
             <a:fld id="{0A882A87-1ED2-486D-BB61-3F2936C23B09}" type="datetimeFigureOut">
               <a:rPr lang="en-IE" smtClean="0"/>
-              <a:t>08/03/2022</a:t>
+              <a:t>15/03/2022</a:t>
             </a:fld>
             <a:endParaRPr lang="en-IE"/>
           </a:p>
@@ -724,6 +727,287 @@
 </p:notes>
 </file>
 
+<file path=ppt/notesSlides/notesSlide10.xml><?xml version="1.0" encoding="utf-8"?>
+<p:notes xmlns:a="http://schemas.openxmlformats.org/drawingml/2006/main" xmlns:r="http://schemas.openxmlformats.org/officeDocument/2006/relationships" xmlns:p="http://schemas.openxmlformats.org/presentationml/2006/main">
+  <p:cSld>
+    <p:spTree>
+      <p:nvGrpSpPr>
+        <p:cNvPr id="1" name=""/>
+        <p:cNvGrpSpPr/>
+        <p:nvPr/>
+      </p:nvGrpSpPr>
+      <p:grpSpPr>
+        <a:xfrm>
+          <a:off x="0" y="0"/>
+          <a:ext cx="0" cy="0"/>
+          <a:chOff x="0" y="0"/>
+          <a:chExt cx="0" cy="0"/>
+        </a:xfrm>
+      </p:grpSpPr>
+      <p:sp>
+        <p:nvSpPr>
+          <p:cNvPr id="2" name="Slide Image Placeholder 1"/>
+          <p:cNvSpPr>
+            <a:spLocks noGrp="1" noRot="1" noChangeAspect="1"/>
+          </p:cNvSpPr>
+          <p:nvPr>
+            <p:ph type="sldImg"/>
+          </p:nvPr>
+        </p:nvSpPr>
+        <p:spPr/>
+      </p:sp>
+      <p:sp>
+        <p:nvSpPr>
+          <p:cNvPr id="3" name="Notes Placeholder 2"/>
+          <p:cNvSpPr>
+            <a:spLocks noGrp="1"/>
+          </p:cNvSpPr>
+          <p:nvPr>
+            <p:ph type="body" idx="1"/>
+          </p:nvPr>
+        </p:nvSpPr>
+        <p:spPr/>
+        <p:txBody>
+          <a:bodyPr/>
+          <a:lstStyle/>
+          <a:p>
+            <a:pPr>
+              <a:lnSpc>
+                <a:spcPct val="100000"/>
+              </a:lnSpc>
+              <a:buFont typeface="Arial"/>
+              <a:buChar char="•"/>
+            </a:pPr>
+            <a:r>
+              <a:rPr lang="en-GB" sz="3200" dirty="0">
+                <a:solidFill>
+                  <a:srgbClr val="000000"/>
+                </a:solidFill>
+                <a:latin typeface="+mn-lt"/>
+                <a:ea typeface="DejaVu Sans"/>
+              </a:rPr>
+              <a:t>Web application framework for Node</a:t>
+            </a:r>
+            <a:r>
+              <a:rPr lang="en-GB" dirty="0"/>
+              <a:t> </a:t>
+            </a:r>
+          </a:p>
+          <a:p>
+            <a:pPr lvl="1">
+              <a:buFont typeface="Arial"/>
+              <a:buChar char="•"/>
+            </a:pPr>
+            <a:r>
+              <a:rPr lang="en-GB" sz="3200" dirty="0">
+                <a:solidFill>
+                  <a:srgbClr val="000000"/>
+                </a:solidFill>
+                <a:latin typeface="+mn-lt"/>
+                <a:ea typeface="DejaVu Sans"/>
+              </a:rPr>
+              <a:t>Built on the Connect middleware package</a:t>
+            </a:r>
+            <a:endParaRPr lang="en-GB" dirty="0"/>
+          </a:p>
+          <a:p>
+            <a:pPr lvl="1">
+              <a:buFont typeface="Arial"/>
+              <a:buChar char="•"/>
+            </a:pPr>
+            <a:r>
+              <a:rPr lang="en-GB" sz="3200" dirty="0">
+                <a:solidFill>
+                  <a:srgbClr val="000000"/>
+                </a:solidFill>
+                <a:latin typeface="+mn-lt"/>
+                <a:ea typeface="DejaVu Sans"/>
+              </a:rPr>
+              <a:t>It's popular because it‘s</a:t>
+            </a:r>
+          </a:p>
+          <a:p>
+            <a:pPr lvl="2">
+              <a:buFont typeface="Arial"/>
+              <a:buChar char="•"/>
+            </a:pPr>
+            <a:r>
+              <a:rPr lang="en-GB" sz="3200" dirty="0">
+                <a:solidFill>
+                  <a:srgbClr val="000000"/>
+                </a:solidFill>
+                <a:latin typeface="+mn-lt"/>
+                <a:ea typeface="DejaVu Sans"/>
+              </a:rPr>
+              <a:t>Minimalist,</a:t>
+            </a:r>
+            <a:endParaRPr lang="en-GB" dirty="0"/>
+          </a:p>
+          <a:p>
+            <a:pPr lvl="2">
+              <a:buFont typeface="Arial"/>
+              <a:buChar char="•"/>
+            </a:pPr>
+            <a:r>
+              <a:rPr lang="en-GB" sz="3200" dirty="0">
+                <a:solidFill>
+                  <a:srgbClr val="000000"/>
+                </a:solidFill>
+                <a:latin typeface="+mn-lt"/>
+                <a:ea typeface="DejaVu Sans"/>
+              </a:rPr>
+              <a:t>Fast </a:t>
+            </a:r>
+            <a:r>
+              <a:rPr lang="en-GB" dirty="0"/>
+              <a:t>	</a:t>
+            </a:r>
+          </a:p>
+          <a:p>
+            <a:pPr lvl="2">
+              <a:buFont typeface="Arial"/>
+              <a:buChar char="•"/>
+            </a:pPr>
+            <a:r>
+              <a:rPr lang="en-GB" sz="3200" dirty="0">
+                <a:solidFill>
+                  <a:srgbClr val="000000"/>
+                </a:solidFill>
+                <a:latin typeface="+mn-lt"/>
+                <a:ea typeface="DejaVu Sans"/>
+              </a:rPr>
+              <a:t>Simple</a:t>
+            </a:r>
+            <a:endParaRPr lang="en-GB" dirty="0"/>
+          </a:p>
+          <a:p>
+            <a:endParaRPr lang="en-IE" dirty="0"/>
+          </a:p>
+        </p:txBody>
+      </p:sp>
+      <p:sp>
+        <p:nvSpPr>
+          <p:cNvPr id="4" name="Slide Number Placeholder 3"/>
+          <p:cNvSpPr>
+            <a:spLocks noGrp="1"/>
+          </p:cNvSpPr>
+          <p:nvPr>
+            <p:ph type="sldNum" sz="quarter" idx="5"/>
+          </p:nvPr>
+        </p:nvSpPr>
+        <p:spPr/>
+        <p:txBody>
+          <a:bodyPr/>
+          <a:lstStyle/>
+          <a:p>
+            <a:fld id="{F0D6F189-F5D7-424A-8239-9221ED55AA00}" type="slidenum">
+              <a:rPr lang="en-IE" smtClean="0"/>
+              <a:t>28</a:t>
+            </a:fld>
+            <a:endParaRPr lang="en-IE"/>
+          </a:p>
+        </p:txBody>
+      </p:sp>
+    </p:spTree>
+    <p:extLst>
+      <p:ext uri="{BB962C8B-B14F-4D97-AF65-F5344CB8AC3E}">
+        <p14:creationId xmlns:p14="http://schemas.microsoft.com/office/powerpoint/2010/main" val="3644338548"/>
+      </p:ext>
+    </p:extLst>
+  </p:cSld>
+  <p:clrMapOvr>
+    <a:masterClrMapping/>
+  </p:clrMapOvr>
+</p:notes>
+</file>
+
+<file path=ppt/notesSlides/notesSlide11.xml><?xml version="1.0" encoding="utf-8"?>
+<p:notes xmlns:a="http://schemas.openxmlformats.org/drawingml/2006/main" xmlns:r="http://schemas.openxmlformats.org/officeDocument/2006/relationships" xmlns:p="http://schemas.openxmlformats.org/presentationml/2006/main">
+  <p:cSld>
+    <p:spTree>
+      <p:nvGrpSpPr>
+        <p:cNvPr id="1" name=""/>
+        <p:cNvGrpSpPr/>
+        <p:nvPr/>
+      </p:nvGrpSpPr>
+      <p:grpSpPr>
+        <a:xfrm>
+          <a:off x="0" y="0"/>
+          <a:ext cx="0" cy="0"/>
+          <a:chOff x="0" y="0"/>
+          <a:chExt cx="0" cy="0"/>
+        </a:xfrm>
+      </p:grpSpPr>
+      <p:sp>
+        <p:nvSpPr>
+          <p:cNvPr id="2" name="Slide Image Placeholder 1"/>
+          <p:cNvSpPr>
+            <a:spLocks noGrp="1" noRot="1" noChangeAspect="1"/>
+          </p:cNvSpPr>
+          <p:nvPr>
+            <p:ph type="sldImg"/>
+          </p:nvPr>
+        </p:nvSpPr>
+        <p:spPr/>
+      </p:sp>
+      <p:sp>
+        <p:nvSpPr>
+          <p:cNvPr id="3" name="Notes Placeholder 2"/>
+          <p:cNvSpPr>
+            <a:spLocks noGrp="1"/>
+          </p:cNvSpPr>
+          <p:nvPr>
+            <p:ph type="body" idx="1"/>
+          </p:nvPr>
+        </p:nvSpPr>
+        <p:spPr/>
+        <p:txBody>
+          <a:bodyPr/>
+          <a:lstStyle/>
+          <a:p>
+            <a:r>
+              <a:rPr lang="en-IE" dirty="0"/>
+              <a:t>DEMO!</a:t>
+            </a:r>
+          </a:p>
+        </p:txBody>
+      </p:sp>
+      <p:sp>
+        <p:nvSpPr>
+          <p:cNvPr id="4" name="Slide Number Placeholder 3"/>
+          <p:cNvSpPr>
+            <a:spLocks noGrp="1"/>
+          </p:cNvSpPr>
+          <p:nvPr>
+            <p:ph type="sldNum" sz="quarter" idx="5"/>
+          </p:nvPr>
+        </p:nvSpPr>
+        <p:spPr/>
+        <p:txBody>
+          <a:bodyPr/>
+          <a:lstStyle/>
+          <a:p>
+            <a:fld id="{0B0E7F9E-E769-4E57-83F1-54A11C11F942}" type="slidenum">
+              <a:rPr lang="en-US" smtClean="0"/>
+              <a:t>31</a:t>
+            </a:fld>
+            <a:endParaRPr lang="en-US"/>
+          </a:p>
+        </p:txBody>
+      </p:sp>
+    </p:spTree>
+    <p:extLst>
+      <p:ext uri="{BB962C8B-B14F-4D97-AF65-F5344CB8AC3E}">
+        <p14:creationId xmlns:p14="http://schemas.microsoft.com/office/powerpoint/2010/main" val="1603463418"/>
+      </p:ext>
+    </p:extLst>
+  </p:cSld>
+  <p:clrMapOvr>
+    <a:masterClrMapping/>
+  </p:clrMapOvr>
+</p:notes>
+</file>
+
 <file path=ppt/notesSlides/notesSlide2.xml><?xml version="1.0" encoding="utf-8"?>
 <p:notes xmlns:a="http://schemas.openxmlformats.org/drawingml/2006/main" xmlns:r="http://schemas.openxmlformats.org/officeDocument/2006/relationships" xmlns:p="http://schemas.openxmlformats.org/presentationml/2006/main">
   <p:cSld>
@@ -770,21 +1054,7 @@
           <a:p>
             <a:r>
               <a:rPr lang="en-IE" dirty="0"/>
-              <a:t>So input output is relatively slow. What I’m talking about here is reading/writing to a data store, any kind of access to resources over a network, even within your organisation. And I mean relative in relation to CPU operations. For example, referencing  L1 and L2 cache takes a couple of </a:t>
-            </a:r>
-            <a:r>
-              <a:rPr lang="en-IE" dirty="0" err="1"/>
-              <a:t>nano</a:t>
-            </a:r>
-            <a:r>
-              <a:rPr lang="en-IE" dirty="0"/>
-              <a:t> seconds (extremely fast). Accessing 4K from an SSD takes about 150,000 ns. However, sending a packet from the US to the Netherlands and back could take  150 million ns (.15 of a second).</a:t>
-            </a:r>
-          </a:p>
-          <a:p>
-            <a:r>
-              <a:rPr lang="en-IE" dirty="0"/>
-              <a:t>So IO operations can be detrimental to highly concurrent apps  yet we  do need them (for example, I’ll probably need to access a DB. </a:t>
+              <a:t>DEMO THIS BEFORE EXAMOPLES</a:t>
             </a:r>
           </a:p>
         </p:txBody>
@@ -806,7 +1076,7 @@
           <a:p>
             <a:fld id="{F0D6F189-F5D7-424A-8239-9221ED55AA00}" type="slidenum">
               <a:rPr lang="en-IE" smtClean="0"/>
-              <a:t>14</a:t>
+              <a:t>11</a:t>
             </a:fld>
             <a:endParaRPr lang="en-IE"/>
           </a:p>
@@ -815,7 +1085,7 @@
     </p:spTree>
     <p:extLst>
       <p:ext uri="{BB962C8B-B14F-4D97-AF65-F5344CB8AC3E}">
-        <p14:creationId xmlns:p14="http://schemas.microsoft.com/office/powerpoint/2010/main" val="2674373142"/>
+        <p14:creationId xmlns:p14="http://schemas.microsoft.com/office/powerpoint/2010/main" val="3110036000"/>
       </p:ext>
     </p:extLst>
   </p:cSld>
@@ -826,126 +1096,6 @@
 </file>
 
 <file path=ppt/notesSlides/notesSlide3.xml><?xml version="1.0" encoding="utf-8"?>
-<p:notes xmlns:a="http://schemas.openxmlformats.org/drawingml/2006/main" xmlns:r="http://schemas.openxmlformats.org/officeDocument/2006/relationships" xmlns:p="http://schemas.openxmlformats.org/presentationml/2006/main">
-  <p:cSld>
-    <p:spTree>
-      <p:nvGrpSpPr>
-        <p:cNvPr id="1" name=""/>
-        <p:cNvGrpSpPr/>
-        <p:nvPr/>
-      </p:nvGrpSpPr>
-      <p:grpSpPr>
-        <a:xfrm>
-          <a:off x="0" y="0"/>
-          <a:ext cx="0" cy="0"/>
-          <a:chOff x="0" y="0"/>
-          <a:chExt cx="0" cy="0"/>
-        </a:xfrm>
-      </p:grpSpPr>
-      <p:sp>
-        <p:nvSpPr>
-          <p:cNvPr id="2" name="Slide Image Placeholder 1"/>
-          <p:cNvSpPr>
-            <a:spLocks noGrp="1" noRot="1" noChangeAspect="1"/>
-          </p:cNvSpPr>
-          <p:nvPr>
-            <p:ph type="sldImg"/>
-          </p:nvPr>
-        </p:nvSpPr>
-        <p:spPr>
-          <a:xfrm>
-            <a:off x="573088" y="1336675"/>
-            <a:ext cx="6413500" cy="3608388"/>
-          </a:xfrm>
-        </p:spPr>
-      </p:sp>
-      <p:sp>
-        <p:nvSpPr>
-          <p:cNvPr id="3" name="Notes Placeholder 2"/>
-          <p:cNvSpPr>
-            <a:spLocks noGrp="1"/>
-          </p:cNvSpPr>
-          <p:nvPr>
-            <p:ph type="body" idx="1"/>
-          </p:nvPr>
-        </p:nvSpPr>
-        <p:spPr/>
-        <p:txBody>
-          <a:bodyPr/>
-          <a:lstStyle/>
-          <a:p>
-            <a:pPr marL="0" marR="0" lvl="0" indent="0" algn="l" defTabSz="914400" rtl="0" eaLnBrk="1" fontAlgn="auto" latinLnBrk="0" hangingPunct="1">
-              <a:lnSpc>
-                <a:spcPct val="100000"/>
-              </a:lnSpc>
-              <a:spcBef>
-                <a:spcPts val="0"/>
-              </a:spcBef>
-              <a:spcAft>
-                <a:spcPts val="0"/>
-              </a:spcAft>
-              <a:buClrTx/>
-              <a:buSzTx/>
-              <a:buFontTx/>
-              <a:buNone/>
-              <a:tabLst/>
-              <a:defRPr/>
-            </a:pPr>
-            <a:r>
-              <a:rPr lang="en-IE" dirty="0"/>
-              <a:t>A </a:t>
-            </a:r>
-            <a:r>
-              <a:rPr lang="en-IE" b="1" dirty="0" err="1"/>
-              <a:t>Callback</a:t>
-            </a:r>
-            <a:r>
-              <a:rPr lang="en-IE" dirty="0"/>
-              <a:t> is a function called at the completion of a given task. This prevents any blocking, and allows other code to be run in the meantime</a:t>
-            </a:r>
-          </a:p>
-          <a:p>
-            <a:endParaRPr lang="en-IE" dirty="0"/>
-          </a:p>
-        </p:txBody>
-      </p:sp>
-      <p:sp>
-        <p:nvSpPr>
-          <p:cNvPr id="4" name="Slide Number Placeholder 3"/>
-          <p:cNvSpPr>
-            <a:spLocks noGrp="1"/>
-          </p:cNvSpPr>
-          <p:nvPr>
-            <p:ph type="sldNum" sz="quarter" idx="5"/>
-          </p:nvPr>
-        </p:nvSpPr>
-        <p:spPr/>
-        <p:txBody>
-          <a:bodyPr/>
-          <a:lstStyle/>
-          <a:p>
-            <a:fld id="{F0D6F189-F5D7-424A-8239-9221ED55AA00}" type="slidenum">
-              <a:rPr lang="en-IE" smtClean="0"/>
-              <a:t>16</a:t>
-            </a:fld>
-            <a:endParaRPr lang="en-IE"/>
-          </a:p>
-        </p:txBody>
-      </p:sp>
-    </p:spTree>
-    <p:extLst>
-      <p:ext uri="{BB962C8B-B14F-4D97-AF65-F5344CB8AC3E}">
-        <p14:creationId xmlns:p14="http://schemas.microsoft.com/office/powerpoint/2010/main" val="2937817992"/>
-      </p:ext>
-    </p:extLst>
-  </p:cSld>
-  <p:clrMapOvr>
-    <a:masterClrMapping/>
-  </p:clrMapOvr>
-</p:notes>
-</file>
-
-<file path=ppt/notesSlides/notesSlide4.xml><?xml version="1.0" encoding="utf-8"?>
 <p:notes xmlns:a="http://schemas.openxmlformats.org/drawingml/2006/main" xmlns:r="http://schemas.openxmlformats.org/officeDocument/2006/relationships" xmlns:p="http://schemas.openxmlformats.org/presentationml/2006/main">
   <p:cSld>
     <p:spTree>
@@ -990,38 +1140,23 @@
           <a:lstStyle/>
           <a:p>
             <a:r>
-              <a:rPr lang="en-GB" b="0" i="0" dirty="0">
-                <a:solidFill>
-                  <a:srgbClr val="171717"/>
-                </a:solidFill>
-                <a:effectLst/>
-                <a:latin typeface="IBM Plex Sans"/>
-              </a:rPr>
-              <a:t>Lots of different “phases” in the event loop.  </a:t>
-            </a:r>
-          </a:p>
-          <a:p>
-            <a:r>
-              <a:rPr lang="en-GB" b="0" i="0" dirty="0" err="1">
-                <a:solidFill>
-                  <a:srgbClr val="171717"/>
-                </a:solidFill>
-                <a:effectLst/>
-                <a:latin typeface="IBM Plex Sans"/>
-              </a:rPr>
-              <a:t>Callback</a:t>
-            </a:r>
-            <a:r>
-              <a:rPr lang="en-GB" b="0" i="0" dirty="0">
-                <a:solidFill>
-                  <a:srgbClr val="171717"/>
-                </a:solidFill>
-                <a:effectLst/>
-                <a:latin typeface="IBM Plex Sans"/>
-              </a:rPr>
-              <a:t> executes during the poll phase after the I/O operation is complete.</a:t>
-            </a:r>
-            <a:endParaRPr lang="en-IE" dirty="0"/>
+              <a:rPr lang="en-IE" dirty="0"/>
+              <a:t>So input output is relatively slow. What I’m talking about here is reading/writing to a data store, any kind of access to resources over a network, even within your organisation. And I mean relative in relation to CPU operations. For example, referencing  L1 and L2 cache takes a couple of </a:t>
+            </a:r>
+            <a:r>
+              <a:rPr lang="en-IE" dirty="0" err="1"/>
+              <a:t>nano</a:t>
+            </a:r>
+            <a:r>
+              <a:rPr lang="en-IE" dirty="0"/>
+              <a:t> seconds (extremely fast). Accessing 4K from an SSD takes about 150,000 ns. However, sending a packet from the US to the Netherlands and back could take  150 million ns (.15 of a second).</a:t>
+            </a:r>
+          </a:p>
+          <a:p>
+            <a:r>
+              <a:rPr lang="en-IE" dirty="0"/>
+              <a:t>So IO operations can be detrimental to highly concurrent apps  yet we  do need them (for example, I’ll probably need to access a DB. </a:t>
+            </a:r>
           </a:p>
         </p:txBody>
       </p:sp>
@@ -1042,7 +1177,7 @@
           <a:p>
             <a:fld id="{F0D6F189-F5D7-424A-8239-9221ED55AA00}" type="slidenum">
               <a:rPr lang="en-IE" smtClean="0"/>
-              <a:t>17</a:t>
+              <a:t>15</a:t>
             </a:fld>
             <a:endParaRPr lang="en-IE"/>
           </a:p>
@@ -1051,7 +1186,127 @@
     </p:spTree>
     <p:extLst>
       <p:ext uri="{BB962C8B-B14F-4D97-AF65-F5344CB8AC3E}">
-        <p14:creationId xmlns:p14="http://schemas.microsoft.com/office/powerpoint/2010/main" val="1976517435"/>
+        <p14:creationId xmlns:p14="http://schemas.microsoft.com/office/powerpoint/2010/main" val="2674373142"/>
+      </p:ext>
+    </p:extLst>
+  </p:cSld>
+  <p:clrMapOvr>
+    <a:masterClrMapping/>
+  </p:clrMapOvr>
+</p:notes>
+</file>
+
+<file path=ppt/notesSlides/notesSlide4.xml><?xml version="1.0" encoding="utf-8"?>
+<p:notes xmlns:a="http://schemas.openxmlformats.org/drawingml/2006/main" xmlns:r="http://schemas.openxmlformats.org/officeDocument/2006/relationships" xmlns:p="http://schemas.openxmlformats.org/presentationml/2006/main">
+  <p:cSld>
+    <p:spTree>
+      <p:nvGrpSpPr>
+        <p:cNvPr id="1" name=""/>
+        <p:cNvGrpSpPr/>
+        <p:nvPr/>
+      </p:nvGrpSpPr>
+      <p:grpSpPr>
+        <a:xfrm>
+          <a:off x="0" y="0"/>
+          <a:ext cx="0" cy="0"/>
+          <a:chOff x="0" y="0"/>
+          <a:chExt cx="0" cy="0"/>
+        </a:xfrm>
+      </p:grpSpPr>
+      <p:sp>
+        <p:nvSpPr>
+          <p:cNvPr id="2" name="Slide Image Placeholder 1"/>
+          <p:cNvSpPr>
+            <a:spLocks noGrp="1" noRot="1" noChangeAspect="1"/>
+          </p:cNvSpPr>
+          <p:nvPr>
+            <p:ph type="sldImg"/>
+          </p:nvPr>
+        </p:nvSpPr>
+        <p:spPr>
+          <a:xfrm>
+            <a:off x="573088" y="1336675"/>
+            <a:ext cx="6413500" cy="3608388"/>
+          </a:xfrm>
+        </p:spPr>
+      </p:sp>
+      <p:sp>
+        <p:nvSpPr>
+          <p:cNvPr id="3" name="Notes Placeholder 2"/>
+          <p:cNvSpPr>
+            <a:spLocks noGrp="1"/>
+          </p:cNvSpPr>
+          <p:nvPr>
+            <p:ph type="body" idx="1"/>
+          </p:nvPr>
+        </p:nvSpPr>
+        <p:spPr/>
+        <p:txBody>
+          <a:bodyPr/>
+          <a:lstStyle/>
+          <a:p>
+            <a:pPr marL="0" marR="0" lvl="0" indent="0" algn="l" defTabSz="914400" rtl="0" eaLnBrk="1" fontAlgn="auto" latinLnBrk="0" hangingPunct="1">
+              <a:lnSpc>
+                <a:spcPct val="100000"/>
+              </a:lnSpc>
+              <a:spcBef>
+                <a:spcPts val="0"/>
+              </a:spcBef>
+              <a:spcAft>
+                <a:spcPts val="0"/>
+              </a:spcAft>
+              <a:buClrTx/>
+              <a:buSzTx/>
+              <a:buFontTx/>
+              <a:buNone/>
+              <a:tabLst/>
+              <a:defRPr/>
+            </a:pPr>
+            <a:r>
+              <a:rPr lang="en-IE" dirty="0"/>
+              <a:t>A </a:t>
+            </a:r>
+            <a:r>
+              <a:rPr lang="en-IE" b="1" dirty="0" err="1"/>
+              <a:t>Callback</a:t>
+            </a:r>
+            <a:r>
+              <a:rPr lang="en-IE" dirty="0"/>
+              <a:t> is a function called at the completion of a given task. This prevents any blocking, and allows other code to be run in the meantime</a:t>
+            </a:r>
+          </a:p>
+          <a:p>
+            <a:endParaRPr lang="en-IE" dirty="0"/>
+          </a:p>
+        </p:txBody>
+      </p:sp>
+      <p:sp>
+        <p:nvSpPr>
+          <p:cNvPr id="4" name="Slide Number Placeholder 3"/>
+          <p:cNvSpPr>
+            <a:spLocks noGrp="1"/>
+          </p:cNvSpPr>
+          <p:nvPr>
+            <p:ph type="sldNum" sz="quarter" idx="5"/>
+          </p:nvPr>
+        </p:nvSpPr>
+        <p:spPr/>
+        <p:txBody>
+          <a:bodyPr/>
+          <a:lstStyle/>
+          <a:p>
+            <a:fld id="{F0D6F189-F5D7-424A-8239-9221ED55AA00}" type="slidenum">
+              <a:rPr lang="en-IE" smtClean="0"/>
+              <a:t>17</a:t>
+            </a:fld>
+            <a:endParaRPr lang="en-IE"/>
+          </a:p>
+        </p:txBody>
+      </p:sp>
+    </p:spTree>
+    <p:extLst>
+      <p:ext uri="{BB962C8B-B14F-4D97-AF65-F5344CB8AC3E}">
+        <p14:creationId xmlns:p14="http://schemas.microsoft.com/office/powerpoint/2010/main" val="2937817992"/>
       </p:ext>
     </p:extLst>
   </p:cSld>
@@ -1106,25 +1361,38 @@
           <a:lstStyle/>
           <a:p>
             <a:r>
-              <a:rPr lang="en-IE" dirty="0"/>
-              <a:t>Most node applications are waiting for “events” to occur. The event loop waits for events to occur, and then triggers the associated </a:t>
-            </a:r>
-            <a:r>
-              <a:rPr lang="en-IE" dirty="0" err="1"/>
-              <a:t>callback</a:t>
-            </a:r>
-            <a:r>
-              <a:rPr lang="en-IE" dirty="0"/>
-              <a:t> function when that event is detected. Node has many built-in events, such as the request event. An instance of Server can emit request events. Here we associate/attach  a request listener </a:t>
-            </a:r>
-            <a:r>
-              <a:rPr lang="en-IE" dirty="0" err="1"/>
-              <a:t>whitch</a:t>
-            </a:r>
-            <a:r>
-              <a:rPr lang="en-IE" dirty="0"/>
-              <a:t> is called every time a request evet occurs. </a:t>
-            </a:r>
+              <a:rPr lang="en-GB" b="0" i="0" dirty="0">
+                <a:solidFill>
+                  <a:srgbClr val="171717"/>
+                </a:solidFill>
+                <a:effectLst/>
+                <a:latin typeface="IBM Plex Sans"/>
+              </a:rPr>
+              <a:t>Lots of different “phases” in the event loop.  </a:t>
+            </a:r>
+          </a:p>
+          <a:p>
+            <a:r>
+              <a:rPr lang="en-GB" b="0" i="0" dirty="0" err="1">
+                <a:solidFill>
+                  <a:srgbClr val="171717"/>
+                </a:solidFill>
+                <a:effectLst/>
+                <a:latin typeface="IBM Plex Sans"/>
+              </a:rPr>
+              <a:t>Callback</a:t>
+            </a:r>
+            <a:r>
+              <a:rPr lang="en-GB" b="0" i="0" dirty="0">
+                <a:solidFill>
+                  <a:srgbClr val="171717"/>
+                </a:solidFill>
+                <a:effectLst/>
+                <a:latin typeface="IBM Plex Sans"/>
+              </a:rPr>
+              <a:t> executes during the poll phase after the I/O operation is complete.</a:t>
+            </a:r>
+            <a:endParaRPr lang="en-IE" dirty="0"/>
           </a:p>
         </p:txBody>
       </p:sp>
@@ -1154,7 +1422,7 @@
     </p:spTree>
     <p:extLst>
       <p:ext uri="{BB962C8B-B14F-4D97-AF65-F5344CB8AC3E}">
-        <p14:creationId xmlns:p14="http://schemas.microsoft.com/office/powerpoint/2010/main" val="3219200209"/>
+        <p14:creationId xmlns:p14="http://schemas.microsoft.com/office/powerpoint/2010/main" val="1976517435"/>
       </p:ext>
     </p:extLst>
   </p:cSld>
@@ -1208,7 +1476,18 @@
           <a:bodyPr/>
           <a:lstStyle/>
           <a:p>
-            <a:endParaRPr lang="en-IE" dirty="0"/>
+            <a:r>
+              <a:rPr lang="en-IE" dirty="0"/>
+              <a:t>Most node applications are waiting for “events” to occur. The event loop waits for events to occur, and then triggers the associated </a:t>
+            </a:r>
+            <a:r>
+              <a:rPr lang="en-IE" dirty="0" err="1"/>
+              <a:t>callback</a:t>
+            </a:r>
+            <a:r>
+              <a:rPr lang="en-IE" dirty="0"/>
+              <a:t> function when that event is detected. Node has many built-in events, such as the request event. An instance of Server can emit request events. Here we associate/attach  a request listener which is called every time a request evet occurs. </a:t>
+            </a:r>
           </a:p>
         </p:txBody>
       </p:sp>
@@ -1227,9 +1506,9 @@
           <a:bodyPr/>
           <a:lstStyle/>
           <a:p>
-            <a:fld id="{90775F71-B2AF-4042-95B7-30C457E706E0}" type="slidenum">
+            <a:fld id="{F0D6F189-F5D7-424A-8239-9221ED55AA00}" type="slidenum">
               <a:rPr lang="en-IE" smtClean="0"/>
-              <a:t>23</a:t>
+              <a:t>19</a:t>
             </a:fld>
             <a:endParaRPr lang="en-IE"/>
           </a:p>
@@ -1238,7 +1517,7 @@
     </p:spTree>
     <p:extLst>
       <p:ext uri="{BB962C8B-B14F-4D97-AF65-F5344CB8AC3E}">
-        <p14:creationId xmlns:p14="http://schemas.microsoft.com/office/powerpoint/2010/main" val="2042652269"/>
+        <p14:creationId xmlns:p14="http://schemas.microsoft.com/office/powerpoint/2010/main" val="3219200209"/>
       </p:ext>
     </p:extLst>
   </p:cSld>
@@ -1292,51 +1571,6 @@
           <a:bodyPr/>
           <a:lstStyle/>
           <a:p>
-            <a:pPr algn="l"/>
-            <a:r>
-              <a:rPr lang="en-GB" b="0" i="0" dirty="0">
-                <a:solidFill>
-                  <a:srgbClr val="5F5F6F"/>
-                </a:solidFill>
-                <a:effectLst/>
-                <a:latin typeface="Nunito"/>
-              </a:rPr>
-              <a:t>For everyday use, modules allow us to compose bigger programs out of smaller pieces. </a:t>
-            </a:r>
-            <a:r>
-              <a:rPr lang="en-GB" b="0" i="0" u="none" strike="noStrike" dirty="0">
-                <a:solidFill>
-                  <a:srgbClr val="F16334"/>
-                </a:solidFill>
-                <a:effectLst/>
-                <a:latin typeface="Nunito"/>
-                <a:hlinkClick r:id="rId3"/>
-              </a:rPr>
-              <a:t>Modules</a:t>
-            </a:r>
-            <a:r>
-              <a:rPr lang="en-GB" b="0" i="0" dirty="0">
-                <a:solidFill>
-                  <a:srgbClr val="5F5F6F"/>
-                </a:solidFill>
-                <a:effectLst/>
-                <a:latin typeface="Nunito"/>
-              </a:rPr>
-              <a:t> become the basic building blocks of the larger piece of software that collectively, they define.</a:t>
-            </a:r>
-          </a:p>
-          <a:p>
-            <a:pPr algn="l"/>
-            <a:r>
-              <a:rPr lang="en-GB" b="0" i="0" dirty="0">
-                <a:solidFill>
-                  <a:srgbClr val="5F5F6F"/>
-                </a:solidFill>
-                <a:effectLst/>
-                <a:latin typeface="Nunito"/>
-              </a:rPr>
-              <a:t>Under the covers, the module keeps track of itself through an object named module. Inside each module, therefore, </a:t>
-            </a:r>
             <a:endParaRPr lang="en-IE" dirty="0"/>
           </a:p>
         </p:txBody>
@@ -1358,6 +1592,135 @@
           <a:p>
             <a:fld id="{90775F71-B2AF-4042-95B7-30C457E706E0}" type="slidenum">
               <a:rPr lang="en-IE" smtClean="0"/>
+              <a:t>24</a:t>
+            </a:fld>
+            <a:endParaRPr lang="en-IE"/>
+          </a:p>
+        </p:txBody>
+      </p:sp>
+    </p:spTree>
+    <p:extLst>
+      <p:ext uri="{BB962C8B-B14F-4D97-AF65-F5344CB8AC3E}">
+        <p14:creationId xmlns:p14="http://schemas.microsoft.com/office/powerpoint/2010/main" val="2042652269"/>
+      </p:ext>
+    </p:extLst>
+  </p:cSld>
+  <p:clrMapOvr>
+    <a:masterClrMapping/>
+  </p:clrMapOvr>
+</p:notes>
+</file>
+
+<file path=ppt/notesSlides/notesSlide8.xml><?xml version="1.0" encoding="utf-8"?>
+<p:notes xmlns:a="http://schemas.openxmlformats.org/drawingml/2006/main" xmlns:r="http://schemas.openxmlformats.org/officeDocument/2006/relationships" xmlns:p="http://schemas.openxmlformats.org/presentationml/2006/main">
+  <p:cSld>
+    <p:spTree>
+      <p:nvGrpSpPr>
+        <p:cNvPr id="1" name=""/>
+        <p:cNvGrpSpPr/>
+        <p:nvPr/>
+      </p:nvGrpSpPr>
+      <p:grpSpPr>
+        <a:xfrm>
+          <a:off x="0" y="0"/>
+          <a:ext cx="0" cy="0"/>
+          <a:chOff x="0" y="0"/>
+          <a:chExt cx="0" cy="0"/>
+        </a:xfrm>
+      </p:grpSpPr>
+      <p:sp>
+        <p:nvSpPr>
+          <p:cNvPr id="2" name="Slide Image Placeholder 1"/>
+          <p:cNvSpPr>
+            <a:spLocks noGrp="1" noRot="1" noChangeAspect="1"/>
+          </p:cNvSpPr>
+          <p:nvPr>
+            <p:ph type="sldImg"/>
+          </p:nvPr>
+        </p:nvSpPr>
+        <p:spPr/>
+      </p:sp>
+      <p:sp>
+        <p:nvSpPr>
+          <p:cNvPr id="3" name="Notes Placeholder 2"/>
+          <p:cNvSpPr>
+            <a:spLocks noGrp="1"/>
+          </p:cNvSpPr>
+          <p:nvPr>
+            <p:ph type="body" idx="1"/>
+          </p:nvPr>
+        </p:nvSpPr>
+        <p:spPr/>
+        <p:txBody>
+          <a:bodyPr/>
+          <a:lstStyle/>
+          <a:p>
+            <a:pPr algn="l"/>
+            <a:r>
+              <a:rPr lang="en-GB" b="0" i="0" dirty="0">
+                <a:solidFill>
+                  <a:srgbClr val="5F5F6F"/>
+                </a:solidFill>
+                <a:effectLst/>
+                <a:latin typeface="Nunito"/>
+              </a:rPr>
+              <a:t>For everyday use, modules allow us to compose bigger programs out of smaller pieces. </a:t>
+            </a:r>
+            <a:r>
+              <a:rPr lang="en-GB" b="0" i="0" u="none" strike="noStrike" dirty="0">
+                <a:solidFill>
+                  <a:srgbClr val="F16334"/>
+                </a:solidFill>
+                <a:effectLst/>
+                <a:latin typeface="Nunito"/>
+                <a:hlinkClick r:id="rId3"/>
+              </a:rPr>
+              <a:t>Modules</a:t>
+            </a:r>
+            <a:r>
+              <a:rPr lang="en-GB" b="0" i="0" dirty="0">
+                <a:solidFill>
+                  <a:srgbClr val="5F5F6F"/>
+                </a:solidFill>
+                <a:effectLst/>
+                <a:latin typeface="Nunito"/>
+              </a:rPr>
+              <a:t> become the basic building blocks of the larger piece of software that collectively, they define.</a:t>
+            </a:r>
+          </a:p>
+          <a:p>
+            <a:pPr algn="l"/>
+            <a:r>
+              <a:rPr lang="en-GB" b="0" i="0" dirty="0">
+                <a:solidFill>
+                  <a:srgbClr val="5F5F6F"/>
+                </a:solidFill>
+                <a:effectLst/>
+                <a:latin typeface="Nunito"/>
+              </a:rPr>
+              <a:t>Under the covers, the module keeps track of itself through an object named module. Inside each module, therefore, </a:t>
+            </a:r>
+            <a:endParaRPr lang="en-IE" dirty="0"/>
+          </a:p>
+        </p:txBody>
+      </p:sp>
+      <p:sp>
+        <p:nvSpPr>
+          <p:cNvPr id="4" name="Slide Number Placeholder 3"/>
+          <p:cNvSpPr>
+            <a:spLocks noGrp="1"/>
+          </p:cNvSpPr>
+          <p:nvPr>
+            <p:ph type="sldNum" sz="quarter" idx="5"/>
+          </p:nvPr>
+        </p:nvSpPr>
+        <p:spPr/>
+        <p:txBody>
+          <a:bodyPr/>
+          <a:lstStyle/>
+          <a:p>
+            <a:fld id="{90775F71-B2AF-4042-95B7-30C457E706E0}" type="slidenum">
+              <a:rPr lang="en-IE" smtClean="0"/>
               <a:t>26</a:t>
             </a:fld>
             <a:endParaRPr lang="en-IE"/>
@@ -1377,7 +1740,7 @@
 </p:notes>
 </file>
 
-<file path=ppt/notesSlides/notesSlide8.xml><?xml version="1.0" encoding="utf-8"?>
+<file path=ppt/notesSlides/notesSlide9.xml><?xml version="1.0" encoding="utf-8"?>
 <p:notes xmlns:a="http://schemas.openxmlformats.org/drawingml/2006/main" xmlns:r="http://schemas.openxmlformats.org/officeDocument/2006/relationships" xmlns:p="http://schemas.openxmlformats.org/presentationml/2006/main">
   <p:cSld>
     <p:spTree>
@@ -3571,7 +3934,7 @@
           <p:cNvPr id="10" name="Rectangle 9">
             <a:extLst>
               <a:ext uri="{FF2B5EF4-FFF2-40B4-BE49-F238E27FC236}">
-                <a16:creationId xmlns:a16="http://schemas.microsoft.com/office/drawing/2014/main" id="{81AEB8A9-B768-4E30-BA55-D919E6687343}"/>
+                <a16:creationId xmlns:a16="http://schemas.microsoft.com/office/drawing/2014/main" id="{1045B59B-615E-4718-A150-42DE5D03E1C8}"/>
               </a:ext>
               <a:ext uri="{C183D7F6-B498-43B3-948B-1728B52AA6E4}">
                 <adec:decorative xmlns:adec="http://schemas.microsoft.com/office/drawing/2017/decorative" val="1"/>
@@ -3591,14 +3954,14 @@
         </p:nvSpPr>
         <p:spPr>
           <a:xfrm>
-            <a:off x="-11024" y="-2"/>
-            <a:ext cx="4486467" cy="7559677"/>
+            <a:off x="0" y="0"/>
+            <a:ext cx="13439775" cy="7559675"/>
           </a:xfrm>
           <a:prstGeom prst="rect">
             <a:avLst/>
           </a:prstGeom>
           <a:solidFill>
-            <a:schemeClr val="accent1"/>
+            <a:srgbClr val="FFFFFF"/>
           </a:solidFill>
           <a:ln>
             <a:noFill/>
@@ -3624,37 +3987,71 @@
           <a:bodyPr rtlCol="0" anchor="ctr"/>
           <a:lstStyle/>
           <a:p>
-            <a:pPr marL="0" marR="0" lvl="0" indent="0" algn="ctr" defTabSz="914400" rtl="0" eaLnBrk="1" fontAlgn="auto" latinLnBrk="0" hangingPunct="1">
-              <a:lnSpc>
-                <a:spcPct val="100000"/>
-              </a:lnSpc>
-              <a:spcBef>
-                <a:spcPts val="0"/>
-              </a:spcBef>
-              <a:spcAft>
-                <a:spcPts val="0"/>
-              </a:spcAft>
-              <a:buClrTx/>
-              <a:buSzTx/>
-              <a:buFontTx/>
-              <a:buNone/>
-              <a:tabLst/>
-              <a:defRPr/>
-            </a:pPr>
-            <a:endParaRPr kumimoji="0" lang="en-US" sz="1800" b="0" i="0" u="none" strike="noStrike" kern="1200" cap="none" spc="0" normalizeH="0" baseline="0" noProof="0">
-              <a:ln>
-                <a:noFill/>
-              </a:ln>
-              <a:solidFill>
-                <a:prstClr val="white"/>
-              </a:solidFill>
-              <a:effectLst/>
-              <a:uLnTx/>
-              <a:uFillTx/>
-              <a:latin typeface="Calibri" panose="020F0502020204030204"/>
-              <a:ea typeface="+mn-ea"/>
-              <a:cs typeface="+mn-cs"/>
-            </a:endParaRPr>
+            <a:pPr algn="ctr"/>
+            <a:endParaRPr lang="en-US"/>
+          </a:p>
+        </p:txBody>
+      </p:sp>
+      <p:sp>
+        <p:nvSpPr>
+          <p:cNvPr id="12" name="Rectangle 11">
+            <a:extLst>
+              <a:ext uri="{FF2B5EF4-FFF2-40B4-BE49-F238E27FC236}">
+                <a16:creationId xmlns:a16="http://schemas.microsoft.com/office/drawing/2014/main" id="{D6CF29CD-38B8-4924-BA11-6D60517487EF}"/>
+              </a:ext>
+              <a:ext uri="{C183D7F6-B498-43B3-948B-1728B52AA6E4}">
+                <adec:decorative xmlns:adec="http://schemas.microsoft.com/office/drawing/2017/decorative" val="1"/>
+              </a:ext>
+            </a:extLst>
+          </p:cNvPr>
+          <p:cNvSpPr>
+            <a:spLocks noGrp="1" noRot="1" noChangeAspect="1" noMove="1" noResize="1" noEditPoints="1" noAdjustHandles="1" noChangeArrowheads="1" noChangeShapeType="1" noTextEdit="1"/>
+          </p:cNvSpPr>
+          <p:nvPr>
+            <p:extLst>
+              <p:ext uri="{386F3935-93C4-4BCD-93E2-E3B085C9AB24}">
+                <p16:designElem xmlns:p16="http://schemas.microsoft.com/office/powerpoint/2015/main" val="1"/>
+              </p:ext>
+            </p:extLst>
+          </p:nvPr>
+        </p:nvSpPr>
+        <p:spPr>
+          <a:xfrm>
+            <a:off x="0" y="0"/>
+            <a:ext cx="13439775" cy="2882756"/>
+          </a:xfrm>
+          <a:prstGeom prst="rect">
+            <a:avLst/>
+          </a:prstGeom>
+          <a:solidFill>
+            <a:srgbClr val="404040"/>
+          </a:solidFill>
+          <a:ln>
+            <a:noFill/>
+          </a:ln>
+        </p:spPr>
+        <p:style>
+          <a:lnRef idx="2">
+            <a:schemeClr val="accent1">
+              <a:shade val="50000"/>
+            </a:schemeClr>
+          </a:lnRef>
+          <a:fillRef idx="1">
+            <a:schemeClr val="accent1"/>
+          </a:fillRef>
+          <a:effectRef idx="0">
+            <a:schemeClr val="accent1"/>
+          </a:effectRef>
+          <a:fontRef idx="minor">
+            <a:schemeClr val="lt1"/>
+          </a:fontRef>
+        </p:style>
+        <p:txBody>
+          <a:bodyPr rtlCol="0" anchor="ctr"/>
+          <a:lstStyle/>
+          <a:p>
+            <a:pPr algn="ctr"/>
+            <a:endParaRPr lang="en-US"/>
           </a:p>
         </p:txBody>
       </p:sp>
@@ -3663,7 +4060,7 @@
           <p:cNvPr id="2" name="Title 1">
             <a:extLst>
               <a:ext uri="{FF2B5EF4-FFF2-40B4-BE49-F238E27FC236}">
-                <a16:creationId xmlns:a16="http://schemas.microsoft.com/office/drawing/2014/main" id="{2453347B-9355-4289-880B-AFCCE5FC7AA7}"/>
+                <a16:creationId xmlns:a16="http://schemas.microsoft.com/office/drawing/2014/main" id="{7B0942A2-BE3A-4A7F-A315-78944869D4A8}"/>
               </a:ext>
             </a:extLst>
           </p:cNvPr>
@@ -3676,149 +4073,28 @@
         </p:nvSpPr>
         <p:spPr>
           <a:xfrm>
-            <a:off x="709321" y="705569"/>
-            <a:ext cx="3413327" cy="6187553"/>
+            <a:off x="779369" y="403182"/>
+            <a:ext cx="11867182" cy="1330791"/>
           </a:xfrm>
         </p:spPr>
         <p:txBody>
-          <a:bodyPr anchor="ctr">
+          <a:bodyPr vert="horz" lIns="91440" tIns="45720" rIns="91440" bIns="45720" rtlCol="0" anchor="b">
             <a:normAutofit/>
           </a:bodyPr>
           <a:lstStyle/>
           <a:p>
-            <a:r>
-              <a:rPr lang="en-IE" dirty="0">
+            <a:pPr algn="ctr"/>
+            <a:r>
+              <a:rPr lang="en-US" sz="6000" kern="1200">
                 <a:solidFill>
                   <a:srgbClr val="FFFFFF"/>
                 </a:solidFill>
-              </a:rPr>
-              <a:t>Node.js and Babel</a:t>
-            </a:r>
-          </a:p>
-        </p:txBody>
-      </p:sp>
-      <p:sp>
-        <p:nvSpPr>
-          <p:cNvPr id="3" name="Text Placeholder 2">
-            <a:extLst>
-              <a:ext uri="{FF2B5EF4-FFF2-40B4-BE49-F238E27FC236}">
-                <a16:creationId xmlns:a16="http://schemas.microsoft.com/office/drawing/2014/main" id="{FEC8BCB1-40EC-4D44-8E1D-796184925BBF}"/>
-              </a:ext>
-            </a:extLst>
-          </p:cNvPr>
-          <p:cNvSpPr>
-            <a:spLocks noGrp="1"/>
-          </p:cNvSpPr>
-          <p:nvPr>
-            <p:ph type="body"/>
-          </p:nvPr>
-        </p:nvSpPr>
-        <p:spPr>
-          <a:xfrm>
-            <a:off x="5180814" y="705571"/>
-            <a:ext cx="7549639" cy="2739125"/>
-          </a:xfrm>
-        </p:spPr>
-        <p:txBody>
-          <a:bodyPr anchor="ctr">
-            <a:normAutofit/>
-          </a:bodyPr>
-          <a:lstStyle/>
-          <a:p>
-            <a:pPr>
-              <a:spcAft>
-                <a:spcPts val="600"/>
-              </a:spcAft>
-            </a:pPr>
-            <a:r>
-              <a:rPr lang="en-IE" sz="2000" dirty="0"/>
-              <a:t>We’re using ES6+ syntax for front end development</a:t>
-            </a:r>
-          </a:p>
-          <a:p>
-            <a:pPr lvl="1">
-              <a:spcAft>
-                <a:spcPts val="600"/>
-              </a:spcAft>
-            </a:pPr>
-            <a:r>
-              <a:rPr lang="en-IE" sz="2000" dirty="0"/>
-              <a:t>E.g. imports, spread operator, arrow functions, export default</a:t>
-            </a:r>
-          </a:p>
-          <a:p>
-            <a:pPr>
-              <a:spcAft>
-                <a:spcPts val="600"/>
-              </a:spcAft>
-            </a:pPr>
-            <a:r>
-              <a:rPr lang="en-IE" sz="2000" b="1" dirty="0"/>
-              <a:t>Node.js, as yet,  does not support all of the latest and greatest ES6+ features</a:t>
-            </a:r>
-          </a:p>
-          <a:p>
-            <a:pPr lvl="1">
-              <a:spcAft>
-                <a:spcPts val="600"/>
-              </a:spcAft>
-            </a:pPr>
-            <a:r>
-              <a:rPr lang="en-IE" sz="2000" dirty="0"/>
-              <a:t>We can use Babel to </a:t>
-            </a:r>
-            <a:r>
-              <a:rPr lang="en-IE" sz="2000" i="1" dirty="0"/>
-              <a:t>“</a:t>
-            </a:r>
-            <a:r>
-              <a:rPr lang="en-IE" sz="2000" i="1" dirty="0" err="1"/>
-              <a:t>Transpile</a:t>
-            </a:r>
-            <a:r>
-              <a:rPr lang="en-IE" sz="2000" i="1" dirty="0"/>
-              <a:t>” </a:t>
-            </a:r>
-            <a:r>
-              <a:rPr lang="en-IE" sz="2000" dirty="0"/>
-              <a:t>code from ES6+ to ES5 before we run it</a:t>
-            </a:r>
-          </a:p>
-          <a:p>
-            <a:pPr>
-              <a:spcAft>
-                <a:spcPts val="600"/>
-              </a:spcAft>
-            </a:pPr>
-            <a:r>
-              <a:rPr lang="en-IE" sz="2000" dirty="0"/>
-              <a:t>We will install as </a:t>
-            </a:r>
-            <a:r>
-              <a:rPr lang="en-IE" sz="2000" b="1" dirty="0"/>
-              <a:t>Development Dependency </a:t>
-            </a:r>
-            <a:r>
-              <a:rPr lang="en-IE" sz="2000" dirty="0"/>
-              <a:t>for our project</a:t>
-            </a:r>
-          </a:p>
-          <a:p>
-            <a:pPr>
-              <a:spcAft>
-                <a:spcPts val="600"/>
-              </a:spcAft>
-            </a:pPr>
-            <a:endParaRPr lang="en-IE" sz="2000" dirty="0"/>
-          </a:p>
-          <a:p>
-            <a:pPr marL="0" indent="0">
-              <a:spcAft>
-                <a:spcPts val="600"/>
-              </a:spcAft>
-              <a:buNone/>
-            </a:pPr>
-            <a:endParaRPr lang="en-IE" sz="2000" dirty="0"/>
+                <a:latin typeface="+mj-lt"/>
+                <a:ea typeface="+mj-ea"/>
+                <a:cs typeface="+mj-cs"/>
+              </a:rPr>
+              <a:t>Babel</a:t>
+            </a:r>
           </a:p>
         </p:txBody>
       </p:sp>
@@ -3827,7 +4103,7 @@
           <p:cNvPr id="5" name="Picture 4">
             <a:extLst>
               <a:ext uri="{FF2B5EF4-FFF2-40B4-BE49-F238E27FC236}">
-                <a16:creationId xmlns:a16="http://schemas.microsoft.com/office/drawing/2014/main" id="{318398D4-4778-4F7D-9289-19ED863E787F}"/>
+                <a16:creationId xmlns:a16="http://schemas.microsoft.com/office/drawing/2014/main" id="{2AB52773-7BDD-4DED-859F-80C0B1B3A484}"/>
               </a:ext>
             </a:extLst>
           </p:cNvPr>
@@ -3844,8 +4120,8 @@
         </p:blipFill>
         <p:spPr>
           <a:xfrm>
-            <a:off x="5130635" y="4572324"/>
-            <a:ext cx="7599818" cy="1196971"/>
+            <a:off x="2757295" y="3245046"/>
+            <a:ext cx="7936613" cy="3611159"/>
           </a:xfrm>
           <a:prstGeom prst="rect">
             <a:avLst/>
@@ -3855,7 +4131,7 @@
     </p:spTree>
     <p:extLst>
       <p:ext uri="{BB962C8B-B14F-4D97-AF65-F5344CB8AC3E}">
-        <p14:creationId xmlns:p14="http://schemas.microsoft.com/office/powerpoint/2010/main" val="827263056"/>
+        <p14:creationId xmlns:p14="http://schemas.microsoft.com/office/powerpoint/2010/main" val="3075116893"/>
       </p:ext>
     </p:extLst>
   </p:cSld>
@@ -3895,7 +4171,7 @@
           <p:cNvPr id="10" name="Rectangle 9">
             <a:extLst>
               <a:ext uri="{FF2B5EF4-FFF2-40B4-BE49-F238E27FC236}">
-                <a16:creationId xmlns:a16="http://schemas.microsoft.com/office/drawing/2014/main" id="{1045B59B-615E-4718-A150-42DE5D03E1C8}"/>
+                <a16:creationId xmlns:a16="http://schemas.microsoft.com/office/drawing/2014/main" id="{81AEB8A9-B768-4E30-BA55-D919E6687343}"/>
               </a:ext>
               <a:ext uri="{C183D7F6-B498-43B3-948B-1728B52AA6E4}">
                 <adec:decorative xmlns:adec="http://schemas.microsoft.com/office/drawing/2017/decorative" val="1"/>
@@ -3915,14 +4191,14 @@
         </p:nvSpPr>
         <p:spPr>
           <a:xfrm>
-            <a:off x="0" y="0"/>
-            <a:ext cx="13439775" cy="7559675"/>
+            <a:off x="-11024" y="-2"/>
+            <a:ext cx="4486467" cy="7559677"/>
           </a:xfrm>
           <a:prstGeom prst="rect">
             <a:avLst/>
           </a:prstGeom>
           <a:solidFill>
-            <a:srgbClr val="FFFFFF"/>
+            <a:schemeClr val="accent1"/>
           </a:solidFill>
           <a:ln>
             <a:noFill/>
@@ -3948,71 +4224,37 @@
           <a:bodyPr rtlCol="0" anchor="ctr"/>
           <a:lstStyle/>
           <a:p>
-            <a:pPr algn="ctr"/>
-            <a:endParaRPr lang="en-US"/>
-          </a:p>
-        </p:txBody>
-      </p:sp>
-      <p:sp>
-        <p:nvSpPr>
-          <p:cNvPr id="12" name="Rectangle 11">
-            <a:extLst>
-              <a:ext uri="{FF2B5EF4-FFF2-40B4-BE49-F238E27FC236}">
-                <a16:creationId xmlns:a16="http://schemas.microsoft.com/office/drawing/2014/main" id="{D6CF29CD-38B8-4924-BA11-6D60517487EF}"/>
-              </a:ext>
-              <a:ext uri="{C183D7F6-B498-43B3-948B-1728B52AA6E4}">
-                <adec:decorative xmlns:adec="http://schemas.microsoft.com/office/drawing/2017/decorative" val="1"/>
-              </a:ext>
-            </a:extLst>
-          </p:cNvPr>
-          <p:cNvSpPr>
-            <a:spLocks noGrp="1" noRot="1" noChangeAspect="1" noMove="1" noResize="1" noEditPoints="1" noAdjustHandles="1" noChangeArrowheads="1" noChangeShapeType="1" noTextEdit="1"/>
-          </p:cNvSpPr>
-          <p:nvPr>
-            <p:extLst>
-              <p:ext uri="{386F3935-93C4-4BCD-93E2-E3B085C9AB24}">
-                <p16:designElem xmlns:p16="http://schemas.microsoft.com/office/powerpoint/2015/main" val="1"/>
-              </p:ext>
-            </p:extLst>
-          </p:nvPr>
-        </p:nvSpPr>
-        <p:spPr>
-          <a:xfrm>
-            <a:off x="0" y="0"/>
-            <a:ext cx="13439775" cy="2882756"/>
-          </a:xfrm>
-          <a:prstGeom prst="rect">
-            <a:avLst/>
-          </a:prstGeom>
-          <a:solidFill>
-            <a:srgbClr val="404040"/>
-          </a:solidFill>
-          <a:ln>
-            <a:noFill/>
-          </a:ln>
-        </p:spPr>
-        <p:style>
-          <a:lnRef idx="2">
-            <a:schemeClr val="accent1">
-              <a:shade val="50000"/>
-            </a:schemeClr>
-          </a:lnRef>
-          <a:fillRef idx="1">
-            <a:schemeClr val="accent1"/>
-          </a:fillRef>
-          <a:effectRef idx="0">
-            <a:schemeClr val="accent1"/>
-          </a:effectRef>
-          <a:fontRef idx="minor">
-            <a:schemeClr val="lt1"/>
-          </a:fontRef>
-        </p:style>
-        <p:txBody>
-          <a:bodyPr rtlCol="0" anchor="ctr"/>
-          <a:lstStyle/>
-          <a:p>
-            <a:pPr algn="ctr"/>
-            <a:endParaRPr lang="en-US"/>
+            <a:pPr marL="0" marR="0" lvl="0" indent="0" algn="ctr" defTabSz="914400" rtl="0" eaLnBrk="1" fontAlgn="auto" latinLnBrk="0" hangingPunct="1">
+              <a:lnSpc>
+                <a:spcPct val="100000"/>
+              </a:lnSpc>
+              <a:spcBef>
+                <a:spcPts val="0"/>
+              </a:spcBef>
+              <a:spcAft>
+                <a:spcPts val="0"/>
+              </a:spcAft>
+              <a:buClrTx/>
+              <a:buSzTx/>
+              <a:buFontTx/>
+              <a:buNone/>
+              <a:tabLst/>
+              <a:defRPr/>
+            </a:pPr>
+            <a:endParaRPr kumimoji="0" lang="en-US" sz="1800" b="0" i="0" u="none" strike="noStrike" kern="1200" cap="none" spc="0" normalizeH="0" baseline="0" noProof="0">
+              <a:ln>
+                <a:noFill/>
+              </a:ln>
+              <a:solidFill>
+                <a:prstClr val="white"/>
+              </a:solidFill>
+              <a:effectLst/>
+              <a:uLnTx/>
+              <a:uFillTx/>
+              <a:latin typeface="Calibri" panose="020F0502020204030204"/>
+              <a:ea typeface="+mn-ea"/>
+              <a:cs typeface="+mn-cs"/>
+            </a:endParaRPr>
           </a:p>
         </p:txBody>
       </p:sp>
@@ -4021,7 +4263,7 @@
           <p:cNvPr id="2" name="Title 1">
             <a:extLst>
               <a:ext uri="{FF2B5EF4-FFF2-40B4-BE49-F238E27FC236}">
-                <a16:creationId xmlns:a16="http://schemas.microsoft.com/office/drawing/2014/main" id="{088781CD-2EEF-46EA-AAFF-F73E0E02E6EA}"/>
+                <a16:creationId xmlns:a16="http://schemas.microsoft.com/office/drawing/2014/main" id="{2453347B-9355-4289-880B-AFCCE5FC7AA7}"/>
               </a:ext>
             </a:extLst>
           </p:cNvPr>
@@ -4034,28 +4276,149 @@
         </p:nvSpPr>
         <p:spPr>
           <a:xfrm>
-            <a:off x="779369" y="403182"/>
-            <a:ext cx="11867182" cy="1330791"/>
+            <a:off x="709321" y="705569"/>
+            <a:ext cx="3413327" cy="6187553"/>
           </a:xfrm>
         </p:spPr>
         <p:txBody>
-          <a:bodyPr vert="horz" lIns="91440" tIns="45720" rIns="91440" bIns="45720" rtlCol="0" anchor="b">
+          <a:bodyPr anchor="ctr">
             <a:normAutofit/>
           </a:bodyPr>
           <a:lstStyle/>
           <a:p>
-            <a:pPr algn="ctr"/>
-            <a:r>
-              <a:rPr lang="en-US" sz="6000" kern="1200">
+            <a:r>
+              <a:rPr lang="en-IE" dirty="0">
                 <a:solidFill>
                   <a:srgbClr val="FFFFFF"/>
                 </a:solidFill>
-                <a:latin typeface="+mj-lt"/>
-                <a:ea typeface="+mj-ea"/>
-                <a:cs typeface="+mj-cs"/>
-              </a:rPr>
-              <a:t>Nodemon</a:t>
-            </a:r>
+              </a:rPr>
+              <a:t>Node.js and Babel</a:t>
+            </a:r>
+          </a:p>
+        </p:txBody>
+      </p:sp>
+      <p:sp>
+        <p:nvSpPr>
+          <p:cNvPr id="3" name="Text Placeholder 2">
+            <a:extLst>
+              <a:ext uri="{FF2B5EF4-FFF2-40B4-BE49-F238E27FC236}">
+                <a16:creationId xmlns:a16="http://schemas.microsoft.com/office/drawing/2014/main" id="{FEC8BCB1-40EC-4D44-8E1D-796184925BBF}"/>
+              </a:ext>
+            </a:extLst>
+          </p:cNvPr>
+          <p:cNvSpPr>
+            <a:spLocks noGrp="1"/>
+          </p:cNvSpPr>
+          <p:nvPr>
+            <p:ph type="body"/>
+          </p:nvPr>
+        </p:nvSpPr>
+        <p:spPr>
+          <a:xfrm>
+            <a:off x="5180814" y="705571"/>
+            <a:ext cx="7549639" cy="2739125"/>
+          </a:xfrm>
+        </p:spPr>
+        <p:txBody>
+          <a:bodyPr anchor="ctr">
+            <a:normAutofit/>
+          </a:bodyPr>
+          <a:lstStyle/>
+          <a:p>
+            <a:pPr>
+              <a:spcAft>
+                <a:spcPts val="600"/>
+              </a:spcAft>
+            </a:pPr>
+            <a:r>
+              <a:rPr lang="en-IE" sz="2000" dirty="0"/>
+              <a:t>We’re using ES6+ syntax for front end development</a:t>
+            </a:r>
+          </a:p>
+          <a:p>
+            <a:pPr lvl="1">
+              <a:spcAft>
+                <a:spcPts val="600"/>
+              </a:spcAft>
+            </a:pPr>
+            <a:r>
+              <a:rPr lang="en-IE" sz="2000" dirty="0"/>
+              <a:t>E.g. imports, spread operator, arrow functions, export default</a:t>
+            </a:r>
+          </a:p>
+          <a:p>
+            <a:pPr>
+              <a:spcAft>
+                <a:spcPts val="600"/>
+              </a:spcAft>
+            </a:pPr>
+            <a:r>
+              <a:rPr lang="en-IE" sz="2000" b="1" dirty="0"/>
+              <a:t>Node.js, as yet,  does not support all of the latest and greatest ES6+ features</a:t>
+            </a:r>
+          </a:p>
+          <a:p>
+            <a:pPr lvl="1">
+              <a:spcAft>
+                <a:spcPts val="600"/>
+              </a:spcAft>
+            </a:pPr>
+            <a:r>
+              <a:rPr lang="en-IE" sz="2000" dirty="0"/>
+              <a:t>We can use Babel to </a:t>
+            </a:r>
+            <a:r>
+              <a:rPr lang="en-IE" sz="2000" i="1" dirty="0"/>
+              <a:t>“</a:t>
+            </a:r>
+            <a:r>
+              <a:rPr lang="en-IE" sz="2000" i="1" dirty="0" err="1"/>
+              <a:t>Transpile</a:t>
+            </a:r>
+            <a:r>
+              <a:rPr lang="en-IE" sz="2000" i="1" dirty="0"/>
+              <a:t>” </a:t>
+            </a:r>
+            <a:r>
+              <a:rPr lang="en-IE" sz="2000" dirty="0"/>
+              <a:t>code from ES6+ to ES5 before we run it</a:t>
+            </a:r>
+          </a:p>
+          <a:p>
+            <a:pPr>
+              <a:spcAft>
+                <a:spcPts val="600"/>
+              </a:spcAft>
+            </a:pPr>
+            <a:r>
+              <a:rPr lang="en-IE" sz="2000" dirty="0"/>
+              <a:t>We will install as </a:t>
+            </a:r>
+            <a:r>
+              <a:rPr lang="en-IE" sz="2000" b="1" dirty="0"/>
+              <a:t>Development Dependency </a:t>
+            </a:r>
+            <a:r>
+              <a:rPr lang="en-IE" sz="2000" dirty="0"/>
+              <a:t>for our project</a:t>
+            </a:r>
+          </a:p>
+          <a:p>
+            <a:pPr>
+              <a:spcAft>
+                <a:spcPts val="600"/>
+              </a:spcAft>
+            </a:pPr>
+            <a:endParaRPr lang="en-IE" sz="2000" dirty="0"/>
+          </a:p>
+          <a:p>
+            <a:pPr marL="0" indent="0">
+              <a:spcAft>
+                <a:spcPts val="600"/>
+              </a:spcAft>
+              <a:buNone/>
+            </a:pPr>
+            <a:endParaRPr lang="en-IE" sz="2000" dirty="0"/>
           </a:p>
         </p:txBody>
       </p:sp>
@@ -4064,7 +4427,7 @@
           <p:cNvPr id="5" name="Picture 4">
             <a:extLst>
               <a:ext uri="{FF2B5EF4-FFF2-40B4-BE49-F238E27FC236}">
-                <a16:creationId xmlns:a16="http://schemas.microsoft.com/office/drawing/2014/main" id="{56A7D743-2FBE-445E-B848-54838FFE164B}"/>
+                <a16:creationId xmlns:a16="http://schemas.microsoft.com/office/drawing/2014/main" id="{318398D4-4778-4F7D-9289-19ED863E787F}"/>
               </a:ext>
             </a:extLst>
           </p:cNvPr>
@@ -4074,15 +4437,15 @@
           <p:nvPr/>
         </p:nvPicPr>
         <p:blipFill>
-          <a:blip r:embed="rId2"/>
+          <a:blip r:embed="rId3"/>
           <a:stretch>
             <a:fillRect/>
           </a:stretch>
         </p:blipFill>
         <p:spPr>
           <a:xfrm>
-            <a:off x="2924383" y="3245046"/>
-            <a:ext cx="7602438" cy="3611159"/>
+            <a:off x="5130635" y="4572324"/>
+            <a:ext cx="7599818" cy="1196971"/>
           </a:xfrm>
           <a:prstGeom prst="rect">
             <a:avLst/>
@@ -4092,7 +4455,7 @@
     </p:spTree>
     <p:extLst>
       <p:ext uri="{BB962C8B-B14F-4D97-AF65-F5344CB8AC3E}">
-        <p14:creationId xmlns:p14="http://schemas.microsoft.com/office/powerpoint/2010/main" val="1804543181"/>
+        <p14:creationId xmlns:p14="http://schemas.microsoft.com/office/powerpoint/2010/main" val="827263056"/>
       </p:ext>
     </p:extLst>
   </p:cSld>
@@ -4258,6 +4621,243 @@
           <p:cNvPr id="2" name="Title 1">
             <a:extLst>
               <a:ext uri="{FF2B5EF4-FFF2-40B4-BE49-F238E27FC236}">
+                <a16:creationId xmlns:a16="http://schemas.microsoft.com/office/drawing/2014/main" id="{088781CD-2EEF-46EA-AAFF-F73E0E02E6EA}"/>
+              </a:ext>
+            </a:extLst>
+          </p:cNvPr>
+          <p:cNvSpPr>
+            <a:spLocks noGrp="1"/>
+          </p:cNvSpPr>
+          <p:nvPr>
+            <p:ph type="title"/>
+          </p:nvPr>
+        </p:nvSpPr>
+        <p:spPr>
+          <a:xfrm>
+            <a:off x="779369" y="403182"/>
+            <a:ext cx="11867182" cy="1330791"/>
+          </a:xfrm>
+        </p:spPr>
+        <p:txBody>
+          <a:bodyPr vert="horz" lIns="91440" tIns="45720" rIns="91440" bIns="45720" rtlCol="0" anchor="b">
+            <a:normAutofit/>
+          </a:bodyPr>
+          <a:lstStyle/>
+          <a:p>
+            <a:pPr algn="ctr"/>
+            <a:r>
+              <a:rPr lang="en-US" sz="6000" kern="1200">
+                <a:solidFill>
+                  <a:srgbClr val="FFFFFF"/>
+                </a:solidFill>
+                <a:latin typeface="+mj-lt"/>
+                <a:ea typeface="+mj-ea"/>
+                <a:cs typeface="+mj-cs"/>
+              </a:rPr>
+              <a:t>Nodemon</a:t>
+            </a:r>
+          </a:p>
+        </p:txBody>
+      </p:sp>
+      <p:pic>
+        <p:nvPicPr>
+          <p:cNvPr id="5" name="Picture 4">
+            <a:extLst>
+              <a:ext uri="{FF2B5EF4-FFF2-40B4-BE49-F238E27FC236}">
+                <a16:creationId xmlns:a16="http://schemas.microsoft.com/office/drawing/2014/main" id="{56A7D743-2FBE-445E-B848-54838FFE164B}"/>
+              </a:ext>
+            </a:extLst>
+          </p:cNvPr>
+          <p:cNvPicPr>
+            <a:picLocks noChangeAspect="1"/>
+          </p:cNvPicPr>
+          <p:nvPr/>
+        </p:nvPicPr>
+        <p:blipFill>
+          <a:blip r:embed="rId2"/>
+          <a:stretch>
+            <a:fillRect/>
+          </a:stretch>
+        </p:blipFill>
+        <p:spPr>
+          <a:xfrm>
+            <a:off x="2924383" y="3245046"/>
+            <a:ext cx="7602438" cy="3611159"/>
+          </a:xfrm>
+          <a:prstGeom prst="rect">
+            <a:avLst/>
+          </a:prstGeom>
+        </p:spPr>
+      </p:pic>
+    </p:spTree>
+    <p:extLst>
+      <p:ext uri="{BB962C8B-B14F-4D97-AF65-F5344CB8AC3E}">
+        <p14:creationId xmlns:p14="http://schemas.microsoft.com/office/powerpoint/2010/main" val="1804543181"/>
+      </p:ext>
+    </p:extLst>
+  </p:cSld>
+  <p:clrMapOvr>
+    <a:masterClrMapping/>
+  </p:clrMapOvr>
+</p:sld>
+</file>
+
+<file path=ppt/slides/slide13.xml><?xml version="1.0" encoding="utf-8"?>
+<p:sld xmlns:a="http://schemas.openxmlformats.org/drawingml/2006/main" xmlns:r="http://schemas.openxmlformats.org/officeDocument/2006/relationships" xmlns:p="http://schemas.openxmlformats.org/presentationml/2006/main">
+  <p:cSld>
+    <p:bg>
+      <p:bgPr>
+        <a:solidFill>
+          <a:schemeClr val="bg1"/>
+        </a:solidFill>
+        <a:effectLst/>
+      </p:bgPr>
+    </p:bg>
+    <p:spTree>
+      <p:nvGrpSpPr>
+        <p:cNvPr id="1" name=""/>
+        <p:cNvGrpSpPr/>
+        <p:nvPr/>
+      </p:nvGrpSpPr>
+      <p:grpSpPr>
+        <a:xfrm>
+          <a:off x="0" y="0"/>
+          <a:ext cx="0" cy="0"/>
+          <a:chOff x="0" y="0"/>
+          <a:chExt cx="0" cy="0"/>
+        </a:xfrm>
+      </p:grpSpPr>
+      <p:sp>
+        <p:nvSpPr>
+          <p:cNvPr id="10" name="Rectangle 9">
+            <a:extLst>
+              <a:ext uri="{FF2B5EF4-FFF2-40B4-BE49-F238E27FC236}">
+                <a16:creationId xmlns:a16="http://schemas.microsoft.com/office/drawing/2014/main" id="{1045B59B-615E-4718-A150-42DE5D03E1C8}"/>
+              </a:ext>
+              <a:ext uri="{C183D7F6-B498-43B3-948B-1728B52AA6E4}">
+                <adec:decorative xmlns:adec="http://schemas.microsoft.com/office/drawing/2017/decorative" val="1"/>
+              </a:ext>
+            </a:extLst>
+          </p:cNvPr>
+          <p:cNvSpPr>
+            <a:spLocks noGrp="1" noRot="1" noChangeAspect="1" noMove="1" noResize="1" noEditPoints="1" noAdjustHandles="1" noChangeArrowheads="1" noChangeShapeType="1" noTextEdit="1"/>
+          </p:cNvSpPr>
+          <p:nvPr>
+            <p:extLst>
+              <p:ext uri="{386F3935-93C4-4BCD-93E2-E3B085C9AB24}">
+                <p16:designElem xmlns:p16="http://schemas.microsoft.com/office/powerpoint/2015/main" val="1"/>
+              </p:ext>
+            </p:extLst>
+          </p:nvPr>
+        </p:nvSpPr>
+        <p:spPr>
+          <a:xfrm>
+            <a:off x="0" y="0"/>
+            <a:ext cx="13439775" cy="7559675"/>
+          </a:xfrm>
+          <a:prstGeom prst="rect">
+            <a:avLst/>
+          </a:prstGeom>
+          <a:solidFill>
+            <a:srgbClr val="FFFFFF"/>
+          </a:solidFill>
+          <a:ln>
+            <a:noFill/>
+          </a:ln>
+        </p:spPr>
+        <p:style>
+          <a:lnRef idx="2">
+            <a:schemeClr val="accent1">
+              <a:shade val="50000"/>
+            </a:schemeClr>
+          </a:lnRef>
+          <a:fillRef idx="1">
+            <a:schemeClr val="accent1"/>
+          </a:fillRef>
+          <a:effectRef idx="0">
+            <a:schemeClr val="accent1"/>
+          </a:effectRef>
+          <a:fontRef idx="minor">
+            <a:schemeClr val="lt1"/>
+          </a:fontRef>
+        </p:style>
+        <p:txBody>
+          <a:bodyPr rtlCol="0" anchor="ctr"/>
+          <a:lstStyle/>
+          <a:p>
+            <a:pPr algn="ctr"/>
+            <a:endParaRPr lang="en-US"/>
+          </a:p>
+        </p:txBody>
+      </p:sp>
+      <p:sp>
+        <p:nvSpPr>
+          <p:cNvPr id="12" name="Rectangle 11">
+            <a:extLst>
+              <a:ext uri="{FF2B5EF4-FFF2-40B4-BE49-F238E27FC236}">
+                <a16:creationId xmlns:a16="http://schemas.microsoft.com/office/drawing/2014/main" id="{D6CF29CD-38B8-4924-BA11-6D60517487EF}"/>
+              </a:ext>
+              <a:ext uri="{C183D7F6-B498-43B3-948B-1728B52AA6E4}">
+                <adec:decorative xmlns:adec="http://schemas.microsoft.com/office/drawing/2017/decorative" val="1"/>
+              </a:ext>
+            </a:extLst>
+          </p:cNvPr>
+          <p:cNvSpPr>
+            <a:spLocks noGrp="1" noRot="1" noChangeAspect="1" noMove="1" noResize="1" noEditPoints="1" noAdjustHandles="1" noChangeArrowheads="1" noChangeShapeType="1" noTextEdit="1"/>
+          </p:cNvSpPr>
+          <p:nvPr>
+            <p:extLst>
+              <p:ext uri="{386F3935-93C4-4BCD-93E2-E3B085C9AB24}">
+                <p16:designElem xmlns:p16="http://schemas.microsoft.com/office/powerpoint/2015/main" val="1"/>
+              </p:ext>
+            </p:extLst>
+          </p:nvPr>
+        </p:nvSpPr>
+        <p:spPr>
+          <a:xfrm>
+            <a:off x="0" y="0"/>
+            <a:ext cx="13439775" cy="2882756"/>
+          </a:xfrm>
+          <a:prstGeom prst="rect">
+            <a:avLst/>
+          </a:prstGeom>
+          <a:solidFill>
+            <a:srgbClr val="404040"/>
+          </a:solidFill>
+          <a:ln>
+            <a:noFill/>
+          </a:ln>
+        </p:spPr>
+        <p:style>
+          <a:lnRef idx="2">
+            <a:schemeClr val="accent1">
+              <a:shade val="50000"/>
+            </a:schemeClr>
+          </a:lnRef>
+          <a:fillRef idx="1">
+            <a:schemeClr val="accent1"/>
+          </a:fillRef>
+          <a:effectRef idx="0">
+            <a:schemeClr val="accent1"/>
+          </a:effectRef>
+          <a:fontRef idx="minor">
+            <a:schemeClr val="lt1"/>
+          </a:fontRef>
+        </p:style>
+        <p:txBody>
+          <a:bodyPr rtlCol="0" anchor="ctr"/>
+          <a:lstStyle/>
+          <a:p>
+            <a:pPr algn="ctr"/>
+            <a:endParaRPr lang="en-US"/>
+          </a:p>
+        </p:txBody>
+      </p:sp>
+      <p:sp>
+        <p:nvSpPr>
+          <p:cNvPr id="2" name="Title 1">
+            <a:extLst>
+              <a:ext uri="{FF2B5EF4-FFF2-40B4-BE49-F238E27FC236}">
                 <a16:creationId xmlns:a16="http://schemas.microsoft.com/office/drawing/2014/main" id="{37EE3D0D-3AB2-429A-98C6-D8C671677817}"/>
               </a:ext>
             </a:extLst>
@@ -4339,7 +4939,7 @@
 </p:sld>
 </file>
 
-<file path=ppt/slides/slide13.xml><?xml version="1.0" encoding="utf-8"?>
+<file path=ppt/slides/slide14.xml><?xml version="1.0" encoding="utf-8"?>
 <p:sld xmlns:a="http://schemas.openxmlformats.org/drawingml/2006/main" xmlns:r="http://schemas.openxmlformats.org/officeDocument/2006/relationships" xmlns:p="http://schemas.openxmlformats.org/presentationml/2006/main">
   <p:cSld>
     <p:bg>
@@ -4543,7 +5143,7 @@
 </p:sld>
 </file>
 
-<file path=ppt/slides/slide14.xml><?xml version="1.0" encoding="utf-8"?>
+<file path=ppt/slides/slide15.xml><?xml version="1.0" encoding="utf-8"?>
 <p:sld xmlns:a="http://schemas.openxmlformats.org/drawingml/2006/main" xmlns:r="http://schemas.openxmlformats.org/officeDocument/2006/relationships" xmlns:p="http://schemas.openxmlformats.org/presentationml/2006/main">
   <p:cSld>
     <p:spTree>
@@ -4584,7 +5184,7 @@
               <a:rPr lang="en-IE" sz="4400" dirty="0">
                 <a:latin typeface="Arial"/>
               </a:rPr>
-              <a:t>What is Node.js: “Event-based”</a:t>
+              <a:t>Input/Output</a:t>
             </a:r>
             <a:endParaRPr dirty="0"/>
           </a:p>
@@ -5735,7 +6335,7 @@
 </p:sld>
 </file>
 
-<file path=ppt/slides/slide15.xml><?xml version="1.0" encoding="utf-8"?>
+<file path=ppt/slides/slide16.xml><?xml version="1.0" encoding="utf-8"?>
 <p:sld xmlns:a="http://schemas.openxmlformats.org/drawingml/2006/main" xmlns:r="http://schemas.openxmlformats.org/officeDocument/2006/relationships" xmlns:p="http://schemas.openxmlformats.org/presentationml/2006/main">
   <p:cSld>
     <p:spTree>
@@ -6233,7 +6833,7 @@
 </p:sld>
 </file>
 
-<file path=ppt/slides/slide16.xml><?xml version="1.0" encoding="utf-8"?>
+<file path=ppt/slides/slide17.xml><?xml version="1.0" encoding="utf-8"?>
 <p:sld xmlns:a="http://schemas.openxmlformats.org/drawingml/2006/main" xmlns:r="http://schemas.openxmlformats.org/officeDocument/2006/relationships" xmlns:p="http://schemas.openxmlformats.org/presentationml/2006/main">
   <p:cSld>
     <p:spTree>
@@ -6274,7 +6874,18 @@
               <a:rPr lang="en-IE" sz="4400" dirty="0">
                 <a:latin typeface="Arial"/>
               </a:rPr>
-              <a:t>Blocking/Non-blocking example: JS</a:t>
+              <a:t>Blocking/Non-blocking example:</a:t>
+            </a:r>
+            <a:br>
+              <a:rPr lang="en-IE" sz="4400" dirty="0">
+                <a:latin typeface="Arial"/>
+              </a:rPr>
+            </a:br>
+            <a:r>
+              <a:rPr lang="en-IE" sz="4400" dirty="0" err="1">
+                <a:latin typeface="Arial"/>
+              </a:rPr>
+              <a:t>Javascript</a:t>
             </a:r>
             <a:endParaRPr dirty="0"/>
           </a:p>
@@ -7845,7 +8456,7 @@
 </p:sld>
 </file>
 
-<file path=ppt/slides/slide17.xml><?xml version="1.0" encoding="utf-8"?>
+<file path=ppt/slides/slide18.xml><?xml version="1.0" encoding="utf-8"?>
 <p:sld xmlns:a="http://schemas.openxmlformats.org/drawingml/2006/main" xmlns:r="http://schemas.openxmlformats.org/officeDocument/2006/relationships" xmlns:p="http://schemas.openxmlformats.org/presentationml/2006/main">
   <p:cSld>
     <p:spTree>
@@ -8267,7 +8878,7 @@
 </p:sld>
 </file>
 
-<file path=ppt/slides/slide18.xml><?xml version="1.0" encoding="utf-8"?>
+<file path=ppt/slides/slide19.xml><?xml version="1.0" encoding="utf-8"?>
 <p:sld xmlns:a="http://schemas.openxmlformats.org/drawingml/2006/main" xmlns:r="http://schemas.openxmlformats.org/officeDocument/2006/relationships" xmlns:p="http://schemas.openxmlformats.org/presentationml/2006/main">
   <p:cSld>
     <p:spTree>
@@ -9331,202 +9942,6 @@
 </p:sld>
 </file>
 
-<file path=ppt/slides/slide19.xml><?xml version="1.0" encoding="utf-8"?>
-<p:sld xmlns:a="http://schemas.openxmlformats.org/drawingml/2006/main" xmlns:r="http://schemas.openxmlformats.org/officeDocument/2006/relationships" xmlns:p="http://schemas.openxmlformats.org/presentationml/2006/main">
-  <p:cSld>
-    <p:bg>
-      <p:bgPr>
-        <a:solidFill>
-          <a:schemeClr val="bg1"/>
-        </a:solidFill>
-        <a:effectLst/>
-      </p:bgPr>
-    </p:bg>
-    <p:spTree>
-      <p:nvGrpSpPr>
-        <p:cNvPr id="1" name=""/>
-        <p:cNvGrpSpPr/>
-        <p:nvPr/>
-      </p:nvGrpSpPr>
-      <p:grpSpPr>
-        <a:xfrm>
-          <a:off x="0" y="0"/>
-          <a:ext cx="0" cy="0"/>
-          <a:chOff x="0" y="0"/>
-          <a:chExt cx="0" cy="0"/>
-        </a:xfrm>
-      </p:grpSpPr>
-      <p:sp>
-        <p:nvSpPr>
-          <p:cNvPr id="75" name="Rectangle 74">
-            <a:extLst>
-              <a:ext uri="{FF2B5EF4-FFF2-40B4-BE49-F238E27FC236}">
-                <a16:creationId xmlns:a16="http://schemas.microsoft.com/office/drawing/2014/main" id="{E02F3C71-C981-4614-98EA-D6C494F8091E}"/>
-              </a:ext>
-            </a:extLst>
-          </p:cNvPr>
-          <p:cNvSpPr>
-            <a:spLocks noGrp="1" noRot="1" noChangeAspect="1" noMove="1" noResize="1" noEditPoints="1" noAdjustHandles="1" noChangeArrowheads="1" noChangeShapeType="1" noTextEdit="1"/>
-          </p:cNvSpPr>
-          <p:nvPr>
-            <p:extLst>
-              <p:ext uri="{386F3935-93C4-4BCD-93E2-E3B085C9AB24}">
-                <p16:designElem xmlns:p16="http://schemas.microsoft.com/office/powerpoint/2015/main" val="1"/>
-              </p:ext>
-            </p:extLst>
-          </p:nvPr>
-        </p:nvSpPr>
-        <p:spPr bwMode="ltGray">
-          <a:xfrm>
-            <a:off x="1958117" y="354038"/>
-            <a:ext cx="5931832" cy="6500067"/>
-          </a:xfrm>
-          <a:prstGeom prst="rect">
-            <a:avLst/>
-          </a:prstGeom>
-          <a:ln/>
-        </p:spPr>
-        <p:style>
-          <a:lnRef idx="2">
-            <a:schemeClr val="dk1"/>
-          </a:lnRef>
-          <a:fillRef idx="1">
-            <a:schemeClr val="lt1"/>
-          </a:fillRef>
-          <a:effectRef idx="0">
-            <a:schemeClr val="dk1"/>
-          </a:effectRef>
-          <a:fontRef idx="minor">
-            <a:schemeClr val="dk1"/>
-          </a:fontRef>
-        </p:style>
-        <p:txBody>
-          <a:bodyPr rtlCol="0" anchor="ctr"/>
-          <a:lstStyle/>
-          <a:p>
-            <a:pPr algn="ctr"/>
-            <a:endParaRPr lang="en-US"/>
-          </a:p>
-        </p:txBody>
-      </p:sp>
-      <p:pic>
-        <p:nvPicPr>
-          <p:cNvPr id="133" name="Picture 132"/>
-          <p:cNvPicPr/>
-          <p:nvPr/>
-        </p:nvPicPr>
-        <p:blipFill>
-          <a:blip r:embed="rId2"/>
-          <a:stretch>
-            <a:fillRect/>
-          </a:stretch>
-        </p:blipFill>
-        <p:spPr>
-          <a:xfrm>
-            <a:off x="2893620" y="3224689"/>
-            <a:ext cx="3342356" cy="1595974"/>
-          </a:xfrm>
-          <a:prstGeom prst="rect">
-            <a:avLst/>
-          </a:prstGeom>
-        </p:spPr>
-      </p:pic>
-      <p:sp>
-        <p:nvSpPr>
-          <p:cNvPr id="131" name="TextShape 1"/>
-          <p:cNvSpPr txBox="1"/>
-          <p:nvPr/>
-        </p:nvSpPr>
-        <p:spPr>
-          <a:xfrm>
-            <a:off x="2358824" y="705771"/>
-            <a:ext cx="5130423" cy="1482586"/>
-          </a:xfrm>
-          <a:prstGeom prst="rect">
-            <a:avLst/>
-          </a:prstGeom>
-        </p:spPr>
-        <p:txBody>
-          <a:bodyPr vert="horz" lIns="91440" tIns="45720" rIns="91440" bIns="45720" rtlCol="0" anchor="ctr">
-            <a:normAutofit/>
-          </a:bodyPr>
-          <a:lstStyle/>
-          <a:p>
-            <a:pPr>
-              <a:lnSpc>
-                <a:spcPct val="90000"/>
-              </a:lnSpc>
-              <a:spcBef>
-                <a:spcPct val="0"/>
-              </a:spcBef>
-              <a:spcAft>
-                <a:spcPts val="600"/>
-              </a:spcAft>
-            </a:pPr>
-            <a:r>
-              <a:rPr lang="en-US" sz="3600" dirty="0">
-                <a:latin typeface="+mj-lt"/>
-                <a:ea typeface="+mj-ea"/>
-                <a:cs typeface="+mj-cs"/>
-              </a:rPr>
-              <a:t>Emittin</a:t>
-            </a:r>
-            <a:r>
-              <a:rPr lang="en-US" sz="3800" dirty="0">
-                <a:latin typeface="+mj-lt"/>
-                <a:ea typeface="+mj-ea"/>
-                <a:cs typeface="+mj-cs"/>
-              </a:rPr>
-              <a:t>g Event in Node</a:t>
-            </a:r>
-          </a:p>
-        </p:txBody>
-      </p:sp>
-      <p:sp>
-        <p:nvSpPr>
-          <p:cNvPr id="132" name="TextShape 2"/>
-          <p:cNvSpPr txBox="1"/>
-          <p:nvPr/>
-        </p:nvSpPr>
-        <p:spPr>
-          <a:xfrm>
-            <a:off x="2457014" y="2188357"/>
-            <a:ext cx="5130423" cy="3998005"/>
-          </a:xfrm>
-          <a:prstGeom prst="rect">
-            <a:avLst/>
-          </a:prstGeom>
-        </p:spPr>
-        <p:txBody>
-          <a:bodyPr vert="horz" lIns="91440" tIns="45720" rIns="91440" bIns="45720" rtlCol="0" anchor="t">
-            <a:normAutofit/>
-          </a:bodyPr>
-          <a:lstStyle/>
-          <a:p>
-            <a:pPr>
-              <a:lnSpc>
-                <a:spcPct val="90000"/>
-              </a:lnSpc>
-              <a:spcAft>
-                <a:spcPts val="600"/>
-              </a:spcAft>
-              <a:buSzPct val="45000"/>
-            </a:pPr>
-            <a:r>
-              <a:rPr lang="en-US" sz="2300" dirty="0"/>
-              <a:t>Many objects can emit events in node. </a:t>
-            </a:r>
-          </a:p>
-        </p:txBody>
-      </p:sp>
-    </p:spTree>
-  </p:cSld>
-  <p:clrMapOvr>
-    <a:masterClrMapping/>
-  </p:clrMapOvr>
-</p:sld>
-</file>
-
 <file path=ppt/slides/slide2.xml><?xml version="1.0" encoding="utf-8"?>
 <p:sld xmlns:a="http://schemas.openxmlformats.org/drawingml/2006/main" xmlns:r="http://schemas.openxmlformats.org/officeDocument/2006/relationships" xmlns:p="http://schemas.openxmlformats.org/presentationml/2006/main">
   <p:cSld>
@@ -10302,6 +10717,202 @@
 <file path=ppt/slides/slide20.xml><?xml version="1.0" encoding="utf-8"?>
 <p:sld xmlns:a="http://schemas.openxmlformats.org/drawingml/2006/main" xmlns:r="http://schemas.openxmlformats.org/officeDocument/2006/relationships" xmlns:p="http://schemas.openxmlformats.org/presentationml/2006/main">
   <p:cSld>
+    <p:bg>
+      <p:bgPr>
+        <a:solidFill>
+          <a:schemeClr val="bg1"/>
+        </a:solidFill>
+        <a:effectLst/>
+      </p:bgPr>
+    </p:bg>
+    <p:spTree>
+      <p:nvGrpSpPr>
+        <p:cNvPr id="1" name=""/>
+        <p:cNvGrpSpPr/>
+        <p:nvPr/>
+      </p:nvGrpSpPr>
+      <p:grpSpPr>
+        <a:xfrm>
+          <a:off x="0" y="0"/>
+          <a:ext cx="0" cy="0"/>
+          <a:chOff x="0" y="0"/>
+          <a:chExt cx="0" cy="0"/>
+        </a:xfrm>
+      </p:grpSpPr>
+      <p:sp>
+        <p:nvSpPr>
+          <p:cNvPr id="75" name="Rectangle 74">
+            <a:extLst>
+              <a:ext uri="{FF2B5EF4-FFF2-40B4-BE49-F238E27FC236}">
+                <a16:creationId xmlns:a16="http://schemas.microsoft.com/office/drawing/2014/main" id="{E02F3C71-C981-4614-98EA-D6C494F8091E}"/>
+              </a:ext>
+            </a:extLst>
+          </p:cNvPr>
+          <p:cNvSpPr>
+            <a:spLocks noGrp="1" noRot="1" noChangeAspect="1" noMove="1" noResize="1" noEditPoints="1" noAdjustHandles="1" noChangeArrowheads="1" noChangeShapeType="1" noTextEdit="1"/>
+          </p:cNvSpPr>
+          <p:nvPr>
+            <p:extLst>
+              <p:ext uri="{386F3935-93C4-4BCD-93E2-E3B085C9AB24}">
+                <p16:designElem xmlns:p16="http://schemas.microsoft.com/office/powerpoint/2015/main" val="1"/>
+              </p:ext>
+            </p:extLst>
+          </p:nvPr>
+        </p:nvSpPr>
+        <p:spPr bwMode="ltGray">
+          <a:xfrm>
+            <a:off x="1958117" y="354038"/>
+            <a:ext cx="5931832" cy="6500067"/>
+          </a:xfrm>
+          <a:prstGeom prst="rect">
+            <a:avLst/>
+          </a:prstGeom>
+          <a:ln/>
+        </p:spPr>
+        <p:style>
+          <a:lnRef idx="2">
+            <a:schemeClr val="dk1"/>
+          </a:lnRef>
+          <a:fillRef idx="1">
+            <a:schemeClr val="lt1"/>
+          </a:fillRef>
+          <a:effectRef idx="0">
+            <a:schemeClr val="dk1"/>
+          </a:effectRef>
+          <a:fontRef idx="minor">
+            <a:schemeClr val="dk1"/>
+          </a:fontRef>
+        </p:style>
+        <p:txBody>
+          <a:bodyPr rtlCol="0" anchor="ctr"/>
+          <a:lstStyle/>
+          <a:p>
+            <a:pPr algn="ctr"/>
+            <a:endParaRPr lang="en-US"/>
+          </a:p>
+        </p:txBody>
+      </p:sp>
+      <p:pic>
+        <p:nvPicPr>
+          <p:cNvPr id="133" name="Picture 132"/>
+          <p:cNvPicPr/>
+          <p:nvPr/>
+        </p:nvPicPr>
+        <p:blipFill>
+          <a:blip r:embed="rId2"/>
+          <a:stretch>
+            <a:fillRect/>
+          </a:stretch>
+        </p:blipFill>
+        <p:spPr>
+          <a:xfrm>
+            <a:off x="2893620" y="3224689"/>
+            <a:ext cx="3342356" cy="1595974"/>
+          </a:xfrm>
+          <a:prstGeom prst="rect">
+            <a:avLst/>
+          </a:prstGeom>
+        </p:spPr>
+      </p:pic>
+      <p:sp>
+        <p:nvSpPr>
+          <p:cNvPr id="131" name="TextShape 1"/>
+          <p:cNvSpPr txBox="1"/>
+          <p:nvPr/>
+        </p:nvSpPr>
+        <p:spPr>
+          <a:xfrm>
+            <a:off x="2358824" y="705771"/>
+            <a:ext cx="5130423" cy="1482586"/>
+          </a:xfrm>
+          <a:prstGeom prst="rect">
+            <a:avLst/>
+          </a:prstGeom>
+        </p:spPr>
+        <p:txBody>
+          <a:bodyPr vert="horz" lIns="91440" tIns="45720" rIns="91440" bIns="45720" rtlCol="0" anchor="ctr">
+            <a:normAutofit/>
+          </a:bodyPr>
+          <a:lstStyle/>
+          <a:p>
+            <a:pPr>
+              <a:lnSpc>
+                <a:spcPct val="90000"/>
+              </a:lnSpc>
+              <a:spcBef>
+                <a:spcPct val="0"/>
+              </a:spcBef>
+              <a:spcAft>
+                <a:spcPts val="600"/>
+              </a:spcAft>
+            </a:pPr>
+            <a:r>
+              <a:rPr lang="en-US" sz="3600" dirty="0">
+                <a:latin typeface="+mj-lt"/>
+                <a:ea typeface="+mj-ea"/>
+                <a:cs typeface="+mj-cs"/>
+              </a:rPr>
+              <a:t>Emittin</a:t>
+            </a:r>
+            <a:r>
+              <a:rPr lang="en-US" sz="3800" dirty="0">
+                <a:latin typeface="+mj-lt"/>
+                <a:ea typeface="+mj-ea"/>
+                <a:cs typeface="+mj-cs"/>
+              </a:rPr>
+              <a:t>g Event in Node</a:t>
+            </a:r>
+          </a:p>
+        </p:txBody>
+      </p:sp>
+      <p:sp>
+        <p:nvSpPr>
+          <p:cNvPr id="132" name="TextShape 2"/>
+          <p:cNvSpPr txBox="1"/>
+          <p:nvPr/>
+        </p:nvSpPr>
+        <p:spPr>
+          <a:xfrm>
+            <a:off x="2457014" y="2188357"/>
+            <a:ext cx="5130423" cy="3998005"/>
+          </a:xfrm>
+          <a:prstGeom prst="rect">
+            <a:avLst/>
+          </a:prstGeom>
+        </p:spPr>
+        <p:txBody>
+          <a:bodyPr vert="horz" lIns="91440" tIns="45720" rIns="91440" bIns="45720" rtlCol="0" anchor="t">
+            <a:normAutofit/>
+          </a:bodyPr>
+          <a:lstStyle/>
+          <a:p>
+            <a:pPr>
+              <a:lnSpc>
+                <a:spcPct val="90000"/>
+              </a:lnSpc>
+              <a:spcAft>
+                <a:spcPts val="600"/>
+              </a:spcAft>
+              <a:buSzPct val="45000"/>
+            </a:pPr>
+            <a:r>
+              <a:rPr lang="en-US" sz="2300" dirty="0"/>
+              <a:t>Many objects can emit events in node. </a:t>
+            </a:r>
+          </a:p>
+        </p:txBody>
+      </p:sp>
+    </p:spTree>
+  </p:cSld>
+  <p:clrMapOvr>
+    <a:masterClrMapping/>
+  </p:clrMapOvr>
+</p:sld>
+</file>
+
+<file path=ppt/slides/slide21.xml><?xml version="1.0" encoding="utf-8"?>
+<p:sld xmlns:a="http://schemas.openxmlformats.org/drawingml/2006/main" xmlns:r="http://schemas.openxmlformats.org/officeDocument/2006/relationships" xmlns:p="http://schemas.openxmlformats.org/presentationml/2006/main">
+  <p:cSld>
     <p:spTree>
       <p:nvGrpSpPr>
         <p:cNvPr id="1" name=""/>
@@ -10624,7 +11235,7 @@
 </p:sld>
 </file>
 
-<file path=ppt/slides/slide21.xml><?xml version="1.0" encoding="utf-8"?>
+<file path=ppt/slides/slide22.xml><?xml version="1.0" encoding="utf-8"?>
 <p:sld xmlns:a="http://schemas.openxmlformats.org/drawingml/2006/main" xmlns:r="http://schemas.openxmlformats.org/officeDocument/2006/relationships" xmlns:p="http://schemas.openxmlformats.org/presentationml/2006/main">
   <p:cSld>
     <p:spTree>
@@ -10745,7 +11356,7 @@
 </p:sld>
 </file>
 
-<file path=ppt/slides/slide22.xml><?xml version="1.0" encoding="utf-8"?>
+<file path=ppt/slides/slide23.xml><?xml version="1.0" encoding="utf-8"?>
 <p:sld xmlns:a="http://schemas.openxmlformats.org/drawingml/2006/main" xmlns:r="http://schemas.openxmlformats.org/officeDocument/2006/relationships" xmlns:p="http://schemas.openxmlformats.org/presentationml/2006/main">
   <p:cSld>
     <p:spTree>
@@ -11674,7 +12285,7 @@
 </p:sld>
 </file>
 
-<file path=ppt/slides/slide23.xml><?xml version="1.0" encoding="utf-8"?>
+<file path=ppt/slides/slide24.xml><?xml version="1.0" encoding="utf-8"?>
 <p:sld xmlns:a="http://schemas.openxmlformats.org/drawingml/2006/main" xmlns:r="http://schemas.openxmlformats.org/officeDocument/2006/relationships" xmlns:p="http://schemas.openxmlformats.org/presentationml/2006/main">
   <p:cSld>
     <p:bg>
@@ -12081,7 +12692,7 @@
 </p:sld>
 </file>
 
-<file path=ppt/slides/slide24.xml><?xml version="1.0" encoding="utf-8"?>
+<file path=ppt/slides/slide25.xml><?xml version="1.0" encoding="utf-8"?>
 <p:sld xmlns:a="http://schemas.openxmlformats.org/drawingml/2006/main" xmlns:r="http://schemas.openxmlformats.org/officeDocument/2006/relationships" xmlns:p="http://schemas.openxmlformats.org/presentationml/2006/main">
   <p:cSld>
     <p:bg>
@@ -12411,275 +13022,6 @@
         </p:txBody>
       </p:sp>
     </p:spTree>
-  </p:cSld>
-  <p:clrMapOvr>
-    <a:masterClrMapping/>
-  </p:clrMapOvr>
-</p:sld>
-</file>
-
-<file path=ppt/slides/slide25.xml><?xml version="1.0" encoding="utf-8"?>
-<p:sld xmlns:a="http://schemas.openxmlformats.org/drawingml/2006/main" xmlns:r="http://schemas.openxmlformats.org/officeDocument/2006/relationships" xmlns:p="http://schemas.openxmlformats.org/presentationml/2006/main">
-  <p:cSld>
-    <p:spTree>
-      <p:nvGrpSpPr>
-        <p:cNvPr id="1" name=""/>
-        <p:cNvGrpSpPr/>
-        <p:nvPr/>
-      </p:nvGrpSpPr>
-      <p:grpSpPr>
-        <a:xfrm>
-          <a:off x="0" y="0"/>
-          <a:ext cx="0" cy="0"/>
-          <a:chOff x="0" y="0"/>
-          <a:chExt cx="0" cy="0"/>
-        </a:xfrm>
-      </p:grpSpPr>
-      <p:sp>
-        <p:nvSpPr>
-          <p:cNvPr id="2" name="Title 1"/>
-          <p:cNvSpPr>
-            <a:spLocks noGrp="1"/>
-          </p:cNvSpPr>
-          <p:nvPr>
-            <p:ph type="title"/>
-          </p:nvPr>
-        </p:nvSpPr>
-        <p:spPr>
-          <a:xfrm>
-            <a:off x="2372731" y="696552"/>
-            <a:ext cx="8694312" cy="1461149"/>
-          </a:xfrm>
-        </p:spPr>
-        <p:txBody>
-          <a:bodyPr>
-            <a:normAutofit/>
-          </a:bodyPr>
-          <a:lstStyle/>
-          <a:p>
-            <a:r>
-              <a:rPr lang="en-IE"/>
-              <a:t>NPM Common Commands</a:t>
-            </a:r>
-          </a:p>
-        </p:txBody>
-      </p:sp>
-      <p:sp>
-        <p:nvSpPr>
-          <p:cNvPr id="3" name="Text Placeholder 2"/>
-          <p:cNvSpPr>
-            <a:spLocks noGrp="1"/>
-          </p:cNvSpPr>
-          <p:nvPr>
-            <p:ph type="body"/>
-          </p:nvPr>
-        </p:nvSpPr>
-        <p:spPr>
-          <a:xfrm>
-            <a:off x="2358443" y="2260799"/>
-            <a:ext cx="8694312" cy="4267789"/>
-          </a:xfrm>
-        </p:spPr>
-        <p:txBody>
-          <a:bodyPr>
-            <a:normAutofit/>
-          </a:bodyPr>
-          <a:lstStyle/>
-          <a:p>
-            <a:pPr marL="342900" indent="-342900">
-              <a:spcAft>
-                <a:spcPts val="600"/>
-              </a:spcAft>
-              <a:buFont typeface="Arial" panose="020B0604020202020204" pitchFamily="34" charset="0"/>
-              <a:buChar char="•"/>
-            </a:pPr>
-            <a:r>
-              <a:rPr lang="en-IE" sz="2301" b="1" dirty="0" err="1"/>
-              <a:t>npm</a:t>
-            </a:r>
-            <a:r>
-              <a:rPr lang="en-IE" sz="2301" b="1" dirty="0"/>
-              <a:t> </a:t>
-            </a:r>
-            <a:r>
-              <a:rPr lang="en-IE" sz="2301" b="1" dirty="0" err="1"/>
-              <a:t>init</a:t>
-            </a:r>
-            <a:r>
-              <a:rPr lang="en-IE" sz="2301" b="1" dirty="0"/>
-              <a:t> </a:t>
-            </a:r>
-            <a:br>
-              <a:rPr lang="en-IE" sz="2301" b="1" dirty="0"/>
-            </a:br>
-            <a:r>
-              <a:rPr lang="en-IE" sz="2301" b="1" dirty="0"/>
-              <a:t>	</a:t>
-            </a:r>
-            <a:r>
-              <a:rPr lang="en-IE" sz="2301" i="1" dirty="0"/>
-              <a:t>initialize a </a:t>
-            </a:r>
-            <a:r>
-              <a:rPr lang="en-IE" sz="2301" i="1" dirty="0" err="1"/>
-              <a:t>package.json</a:t>
-            </a:r>
-            <a:r>
-              <a:rPr lang="en-IE" sz="2301" i="1" dirty="0"/>
-              <a:t> file</a:t>
-            </a:r>
-          </a:p>
-          <a:p>
-            <a:pPr marL="342900" indent="-342900">
-              <a:spcAft>
-                <a:spcPts val="600"/>
-              </a:spcAft>
-              <a:buFont typeface="Arial" panose="020B0604020202020204" pitchFamily="34" charset="0"/>
-              <a:buChar char="•"/>
-            </a:pPr>
-            <a:r>
-              <a:rPr lang="en-IE" sz="2301" b="1" dirty="0" err="1"/>
-              <a:t>npm</a:t>
-            </a:r>
-            <a:r>
-              <a:rPr lang="en-IE" sz="2301" b="1" dirty="0"/>
-              <a:t> install &lt;package name&gt; -g </a:t>
-            </a:r>
-            <a:br>
-              <a:rPr lang="en-IE" sz="2301" b="1" dirty="0"/>
-            </a:br>
-            <a:r>
-              <a:rPr lang="en-IE" sz="2301" b="1" dirty="0"/>
-              <a:t>	</a:t>
-            </a:r>
-            <a:r>
-              <a:rPr lang="en-IE" sz="2301" i="1" dirty="0"/>
-              <a:t>install a package, if –g option is given package will be installed globally,</a:t>
-            </a:r>
-          </a:p>
-          <a:p>
-            <a:pPr marL="342900" indent="-342900">
-              <a:spcAft>
-                <a:spcPts val="600"/>
-              </a:spcAft>
-              <a:buFont typeface="Arial" panose="020B0604020202020204" pitchFamily="34" charset="0"/>
-              <a:buChar char="•"/>
-            </a:pPr>
-            <a:r>
-              <a:rPr lang="en-IE" sz="2301" b="1" i="1" dirty="0"/>
-              <a:t>--save </a:t>
-            </a:r>
-            <a:r>
-              <a:rPr lang="en-IE" sz="2301" i="1" dirty="0"/>
-              <a:t>and </a:t>
-            </a:r>
-            <a:r>
-              <a:rPr lang="en-IE" sz="2301" b="1" i="1" dirty="0"/>
-              <a:t>--save-dev </a:t>
-            </a:r>
-          </a:p>
-          <a:p>
-            <a:pPr>
-              <a:spcAft>
-                <a:spcPts val="600"/>
-              </a:spcAft>
-            </a:pPr>
-            <a:r>
-              <a:rPr lang="en-IE" sz="2301" i="1" dirty="0"/>
-              <a:t>	add package to your dependencies</a:t>
-            </a:r>
-          </a:p>
-          <a:p>
-            <a:pPr marL="342900" indent="-342900">
-              <a:spcAft>
-                <a:spcPts val="600"/>
-              </a:spcAft>
-              <a:buFont typeface="Arial" panose="020B0604020202020204" pitchFamily="34" charset="0"/>
-              <a:buChar char="•"/>
-            </a:pPr>
-            <a:r>
-              <a:rPr lang="en-IE" sz="2301" b="1" dirty="0" err="1"/>
-              <a:t>npm</a:t>
-            </a:r>
-            <a:r>
-              <a:rPr lang="en-IE" sz="2301" b="1" dirty="0"/>
-              <a:t> install </a:t>
-            </a:r>
-            <a:br>
-              <a:rPr lang="en-IE" sz="2301" b="1" dirty="0"/>
-            </a:br>
-            <a:r>
-              <a:rPr lang="en-IE" sz="2301" b="1" dirty="0"/>
-              <a:t>	</a:t>
-            </a:r>
-            <a:r>
-              <a:rPr lang="en-IE" sz="2301" i="1" dirty="0"/>
-              <a:t>install packages listed in </a:t>
-            </a:r>
-            <a:r>
-              <a:rPr lang="en-IE" sz="2301" i="1" dirty="0" err="1"/>
-              <a:t>package.json</a:t>
-            </a:r>
-            <a:endParaRPr lang="en-IE" sz="2301" i="1" dirty="0"/>
-          </a:p>
-          <a:p>
-            <a:pPr marL="342900" indent="-342900">
-              <a:spcAft>
-                <a:spcPts val="600"/>
-              </a:spcAft>
-              <a:buFont typeface="Arial" panose="020B0604020202020204" pitchFamily="34" charset="0"/>
-              <a:buChar char="•"/>
-            </a:pPr>
-            <a:r>
-              <a:rPr lang="en-IE" sz="2301" b="1" dirty="0" err="1"/>
-              <a:t>npm</a:t>
-            </a:r>
-            <a:r>
-              <a:rPr lang="en-IE" sz="2301" b="1" dirty="0"/>
-              <a:t> ls –g </a:t>
-            </a:r>
-            <a:br>
-              <a:rPr lang="en-IE" sz="2301" b="1" dirty="0"/>
-            </a:br>
-            <a:r>
-              <a:rPr lang="en-IE" sz="2301" b="1" dirty="0"/>
-              <a:t>	</a:t>
-            </a:r>
-            <a:r>
-              <a:rPr lang="en-IE" sz="2301" i="1" dirty="0"/>
-              <a:t>list local packages (without –g) or global packages (with –g)</a:t>
-            </a:r>
-          </a:p>
-          <a:p>
-            <a:pPr marL="342900" indent="-342900">
-              <a:spcAft>
-                <a:spcPts val="600"/>
-              </a:spcAft>
-              <a:buFont typeface="Arial" panose="020B0604020202020204" pitchFamily="34" charset="0"/>
-              <a:buChar char="•"/>
-            </a:pPr>
-            <a:r>
-              <a:rPr lang="en-IE" sz="2301" b="1" dirty="0" err="1"/>
-              <a:t>npm</a:t>
-            </a:r>
-            <a:r>
-              <a:rPr lang="en-IE" sz="2301" b="1" dirty="0"/>
-              <a:t> update &lt;package name&gt; </a:t>
-            </a:r>
-            <a:r>
-              <a:rPr lang="en-IE" sz="2301" i="1" dirty="0"/>
-              <a:t>update a package</a:t>
-            </a:r>
-            <a:endParaRPr lang="en-IE" sz="2301" dirty="0"/>
-          </a:p>
-        </p:txBody>
-      </p:sp>
-    </p:spTree>
-    <p:extLst>
-      <p:ext uri="{BB962C8B-B14F-4D97-AF65-F5344CB8AC3E}">
-        <p14:creationId xmlns:p14="http://schemas.microsoft.com/office/powerpoint/2010/main" val="3728842937"/>
-      </p:ext>
-    </p:extLst>
   </p:cSld>
   <p:clrMapOvr>
     <a:masterClrMapping/>
@@ -13715,29 +14057,41 @@
       </p:grpSpPr>
       <p:sp>
         <p:nvSpPr>
-          <p:cNvPr id="152" name="TextShape 1"/>
-          <p:cNvSpPr txBox="1"/>
+          <p:cNvPr id="156" name="CustomShape 1"/>
+          <p:cNvSpPr/>
           <p:nvPr/>
         </p:nvSpPr>
         <p:spPr>
           <a:xfrm>
-            <a:off x="2183694" y="301412"/>
-            <a:ext cx="9071402" cy="1262127"/>
+            <a:off x="2183695" y="302852"/>
+            <a:ext cx="9069962" cy="1258167"/>
           </a:xfrm>
           <a:prstGeom prst="rect">
             <a:avLst/>
           </a:prstGeom>
+          <a:noFill/>
+          <a:ln>
+            <a:noFill/>
+          </a:ln>
         </p:spPr>
         <p:txBody>
-          <a:bodyPr lIns="0" tIns="0" rIns="0" bIns="0" anchor="ctr"/>
+          <a:bodyPr lIns="89997" tIns="44999" rIns="89997" bIns="44999" anchor="ctr"/>
           <a:lstStyle/>
           <a:p>
-            <a:pPr algn="ctr"/>
+            <a:pPr algn="ctr">
+              <a:lnSpc>
+                <a:spcPct val="100000"/>
+              </a:lnSpc>
+            </a:pPr>
             <a:r>
               <a:rPr lang="en-IE" sz="4400">
-                <a:latin typeface="Arial"/>
-              </a:rPr>
-              <a:t>The import search </a:t>
+                <a:solidFill>
+                  <a:srgbClr val="000000"/>
+                </a:solidFill>
+                <a:latin typeface="Calibri"/>
+                <a:ea typeface="DejaVu Sans"/>
+              </a:rPr>
+              <a:t>What is Express?</a:t>
             </a:r>
             <a:endParaRPr/>
           </a:p>
@@ -13745,126 +14099,47 @@
       </p:sp>
       <p:sp>
         <p:nvSpPr>
-          <p:cNvPr id="153" name="TextShape 2"/>
-          <p:cNvSpPr txBox="1"/>
+          <p:cNvPr id="157" name="CustomShape 2"/>
+          <p:cNvSpPr/>
           <p:nvPr/>
         </p:nvSpPr>
         <p:spPr>
           <a:xfrm>
-            <a:off x="2472013" y="1703192"/>
-            <a:ext cx="9071402" cy="4384325"/>
+            <a:off x="2183334" y="1763694"/>
+            <a:ext cx="9336355" cy="4987669"/>
           </a:xfrm>
           <a:prstGeom prst="rect">
             <a:avLst/>
           </a:prstGeom>
+          <a:noFill/>
+          <a:ln>
+            <a:noFill/>
+          </a:ln>
         </p:spPr>
         <p:txBody>
-          <a:bodyPr lIns="0" tIns="0" rIns="0" bIns="0"/>
+          <a:bodyPr lIns="89997" tIns="44999" rIns="89997" bIns="44999"/>
           <a:lstStyle/>
           <a:p>
-            <a:pPr marL="457203" indent="-457203">
-              <a:buSzPct val="45000"/>
-              <a:buFont typeface="Arial" panose="020B0604020202020204" pitchFamily="34" charset="0"/>
+            <a:pPr>
+              <a:lnSpc>
+                <a:spcPct val="100000"/>
+              </a:lnSpc>
+              <a:buFont typeface="Arial"/>
               <a:buChar char="•"/>
             </a:pPr>
-            <a:r>
-              <a:rPr lang="en-IE" sz="3200" dirty="0">
-                <a:latin typeface="Arial"/>
-              </a:rPr>
-              <a:t>Import searches for modules based on path specified:</a:t>
-            </a:r>
-          </a:p>
-          <a:p>
-            <a:pPr marL="457203" indent="-457203">
-              <a:buSzPct val="45000"/>
-              <a:buFont typeface="Arial" panose="020B0604020202020204" pitchFamily="34" charset="0"/>
-              <a:buChar char="•"/>
-            </a:pPr>
-            <a:endParaRPr lang="en-IE" sz="3200" dirty="0">
-              <a:latin typeface="Arial"/>
-            </a:endParaRPr>
-          </a:p>
-          <a:p>
-            <a:pPr marL="457203" indent="-457203">
-              <a:buSzPct val="45000"/>
-              <a:buFont typeface="Arial" panose="020B0604020202020204" pitchFamily="34" charset="0"/>
-              <a:buChar char="•"/>
-            </a:pPr>
-            <a:endParaRPr dirty="0"/>
-          </a:p>
-          <a:p>
-            <a:pPr>
-              <a:buSzPct val="45000"/>
-            </a:pPr>
-            <a:endParaRPr dirty="0"/>
-          </a:p>
-          <a:p>
-            <a:pPr marL="457203" indent="-457203">
-              <a:buSzPct val="45000"/>
-              <a:buFont typeface="Arial" panose="020B0604020202020204" pitchFamily="34" charset="0"/>
-              <a:buChar char="•"/>
-            </a:pPr>
-            <a:r>
-              <a:rPr lang="en-IE" sz="3200" dirty="0">
-                <a:latin typeface="Arial"/>
-              </a:rPr>
-              <a:t>Just providing the module name will search in </a:t>
-            </a:r>
-            <a:r>
-              <a:rPr lang="en-IE" sz="3200" b="1" dirty="0" err="1">
-                <a:latin typeface="Arial"/>
-              </a:rPr>
-              <a:t>node_modules</a:t>
-            </a:r>
-            <a:r>
-              <a:rPr lang="en-IE" sz="3200" dirty="0">
-                <a:latin typeface="Arial"/>
-              </a:rPr>
-              <a:t> folder</a:t>
-            </a:r>
-            <a:endParaRPr dirty="0"/>
-          </a:p>
-          <a:p>
-            <a:pPr lvl="1">
-              <a:buSzPct val="75000"/>
-            </a:pPr>
-            <a:r>
-              <a:rPr lang="en-IE" sz="2800" dirty="0">
-                <a:latin typeface="Arial"/>
-              </a:rPr>
-              <a:t>	</a:t>
-            </a:r>
             <a:endParaRPr dirty="0"/>
           </a:p>
         </p:txBody>
       </p:sp>
       <p:pic>
         <p:nvPicPr>
-          <p:cNvPr id="2" name="Picture 1"/>
-          <p:cNvPicPr>
-            <a:picLocks noChangeAspect="1"/>
-          </p:cNvPicPr>
-          <p:nvPr/>
-        </p:nvPicPr>
-        <p:blipFill>
-          <a:blip r:embed="rId2"/>
-          <a:stretch>
-            <a:fillRect/>
-          </a:stretch>
-        </p:blipFill>
-        <p:spPr>
-          <a:xfrm>
-            <a:off x="4711257" y="2620538"/>
-            <a:ext cx="5251313" cy="1091498"/>
-          </a:xfrm>
-          <a:prstGeom prst="rect">
-            <a:avLst/>
-          </a:prstGeom>
-        </p:spPr>
-      </p:pic>
-      <p:pic>
-        <p:nvPicPr>
-          <p:cNvPr id="3" name="Picture 2"/>
+          <p:cNvPr id="2" name="Picture 1">
+            <a:extLst>
+              <a:ext uri="{FF2B5EF4-FFF2-40B4-BE49-F238E27FC236}">
+                <a16:creationId xmlns:a16="http://schemas.microsoft.com/office/drawing/2014/main" id="{3BB09C29-2842-4825-AE55-7A5A34486658}"/>
+              </a:ext>
+            </a:extLst>
+          </p:cNvPr>
           <p:cNvPicPr>
             <a:picLocks noChangeAspect="1"/>
           </p:cNvPicPr>
@@ -13878,8 +14153,8 @@
         </p:blipFill>
         <p:spPr>
           <a:xfrm>
-            <a:off x="4527154" y="4939135"/>
-            <a:ext cx="4035745" cy="547220"/>
+            <a:off x="176" y="109812"/>
+            <a:ext cx="13439422" cy="7340050"/>
           </a:xfrm>
           <a:prstGeom prst="rect">
             <a:avLst/>
@@ -13896,23 +14171,23 @@
       <p:par>
         <p:cTn id="1" dur="indefinite" restart="never" nodeType="tmRoot">
           <p:childTnLst>
-            <p:seq concurrent="1" nextAc="seek">
-              <p:cTn id="2" dur="indefinite" nodeType="mainSeq">
+            <p:seq>
+              <p:cTn id="2" nodeType="mainSeq">
                 <p:childTnLst>
                   <p:par>
-                    <p:cTn id="3" fill="hold">
+                    <p:cTn id="3" fill="freeze">
                       <p:stCondLst>
                         <p:cond delay="indefinite"/>
                       </p:stCondLst>
                       <p:childTnLst>
                         <p:par>
-                          <p:cTn id="4" fill="hold">
+                          <p:cTn id="4" fill="freeze">
                             <p:stCondLst>
                               <p:cond delay="0"/>
                             </p:stCondLst>
                             <p:childTnLst>
                               <p:par>
-                                <p:cTn id="5" presetID="10" presetClass="entr" presetSubtype="0" fill="hold" nodeType="clickEffect">
+                                <p:cTn id="5" presetID="10" presetClass="entr" fill="hold" nodeType="clickEffect">
                                   <p:stCondLst>
                                     <p:cond delay="0"/>
                                   </p:stCondLst>
@@ -13925,9 +14200,9 @@
                                           </p:stCondLst>
                                         </p:cTn>
                                         <p:tgtEl>
-                                          <p:spTgt spid="153">
+                                          <p:spTgt spid="157">
                                             <p:txEl>
-                                              <p:pRg st="4" end="4"/>
+                                              <p:pRg st="0" end="0"/>
                                             </p:txEl>
                                           </p:spTgt>
                                         </p:tgtEl>
@@ -13940,49 +14215,14 @@
                                       </p:to>
                                     </p:set>
                                     <p:animEffect transition="in" filter="fade">
-                                      <p:cBhvr>
+                                      <p:cBhvr additive="repl">
                                         <p:cTn id="7" dur="500"/>
                                         <p:tgtEl>
-                                          <p:spTgt spid="153">
+                                          <p:spTgt spid="157">
                                             <p:txEl>
-                                              <p:pRg st="4" end="4"/>
+                                              <p:pRg st="0" end="0"/>
                                             </p:txEl>
                                           </p:spTgt>
-                                        </p:tgtEl>
-                                      </p:cBhvr>
-                                    </p:animEffect>
-                                  </p:childTnLst>
-                                </p:cTn>
-                              </p:par>
-                              <p:par>
-                                <p:cTn id="8" presetID="10" presetClass="entr" presetSubtype="0" fill="hold" nodeType="withEffect">
-                                  <p:stCondLst>
-                                    <p:cond delay="0"/>
-                                  </p:stCondLst>
-                                  <p:childTnLst>
-                                    <p:set>
-                                      <p:cBhvr>
-                                        <p:cTn id="9" dur="1" fill="hold">
-                                          <p:stCondLst>
-                                            <p:cond delay="0"/>
-                                          </p:stCondLst>
-                                        </p:cTn>
-                                        <p:tgtEl>
-                                          <p:spTgt spid="3"/>
-                                        </p:tgtEl>
-                                        <p:attrNameLst>
-                                          <p:attrName>style.visibility</p:attrName>
-                                        </p:attrNameLst>
-                                      </p:cBhvr>
-                                      <p:to>
-                                        <p:strVal val="visible"/>
-                                      </p:to>
-                                    </p:set>
-                                    <p:animEffect transition="in" filter="fade">
-                                      <p:cBhvr>
-                                        <p:cTn id="10" dur="500"/>
-                                        <p:tgtEl>
-                                          <p:spTgt spid="3"/>
                                         </p:tgtEl>
                                       </p:cBhvr>
                                     </p:animEffect>
@@ -14017,6 +14257,232 @@
       </p:par>
     </p:tnLst>
   </p:timing>
+</p:sld>
+</file>
+
+<file path=ppt/slides/slide29.xml><?xml version="1.0" encoding="utf-8"?>
+<p:sld xmlns:a="http://schemas.openxmlformats.org/drawingml/2006/main" xmlns:r="http://schemas.openxmlformats.org/officeDocument/2006/relationships" xmlns:p="http://schemas.openxmlformats.org/presentationml/2006/main">
+  <p:cSld>
+    <p:spTree>
+      <p:nvGrpSpPr>
+        <p:cNvPr id="1" name=""/>
+        <p:cNvGrpSpPr/>
+        <p:nvPr/>
+      </p:nvGrpSpPr>
+      <p:grpSpPr>
+        <a:xfrm>
+          <a:off x="0" y="0"/>
+          <a:ext cx="0" cy="0"/>
+          <a:chOff x="0" y="0"/>
+          <a:chExt cx="0" cy="0"/>
+        </a:xfrm>
+      </p:grpSpPr>
+      <p:sp>
+        <p:nvSpPr>
+          <p:cNvPr id="158" name="CustomShape 1"/>
+          <p:cNvSpPr/>
+          <p:nvPr/>
+        </p:nvSpPr>
+        <p:spPr>
+          <a:xfrm>
+            <a:off x="2183335" y="302852"/>
+            <a:ext cx="9070321" cy="1258167"/>
+          </a:xfrm>
+          <a:prstGeom prst="rect">
+            <a:avLst/>
+          </a:prstGeom>
+          <a:noFill/>
+          <a:ln>
+            <a:noFill/>
+          </a:ln>
+        </p:spPr>
+        <p:txBody>
+          <a:bodyPr lIns="89997" tIns="44999" rIns="89997" bIns="44999" anchor="ctr"/>
+          <a:lstStyle/>
+          <a:p>
+            <a:pPr algn="ctr">
+              <a:lnSpc>
+                <a:spcPct val="100000"/>
+              </a:lnSpc>
+            </a:pPr>
+            <a:r>
+              <a:rPr lang="en-IE" sz="4400">
+                <a:solidFill>
+                  <a:srgbClr val="000000"/>
+                </a:solidFill>
+                <a:latin typeface="Calibri"/>
+                <a:ea typeface="DejaVu Sans"/>
+              </a:rPr>
+              <a:t>What Express Gives Us...</a:t>
+            </a:r>
+            <a:endParaRPr/>
+          </a:p>
+        </p:txBody>
+      </p:sp>
+      <p:sp>
+        <p:nvSpPr>
+          <p:cNvPr id="159" name="CustomShape 2"/>
+          <p:cNvSpPr/>
+          <p:nvPr/>
+        </p:nvSpPr>
+        <p:spPr>
+          <a:xfrm>
+            <a:off x="1623176" y="1744854"/>
+            <a:ext cx="9070321" cy="4987669"/>
+          </a:xfrm>
+          <a:prstGeom prst="rect">
+            <a:avLst/>
+          </a:prstGeom>
+          <a:noFill/>
+          <a:ln>
+            <a:noFill/>
+          </a:ln>
+        </p:spPr>
+        <p:txBody>
+          <a:bodyPr lIns="89997" tIns="44999" rIns="89997" bIns="44999"/>
+          <a:lstStyle/>
+          <a:p>
+            <a:pPr>
+              <a:lnSpc>
+                <a:spcPct val="100000"/>
+              </a:lnSpc>
+              <a:buFont typeface="Arial"/>
+              <a:buChar char="•"/>
+            </a:pPr>
+            <a:r>
+              <a:rPr lang="en-IE" sz="3200" dirty="0">
+                <a:solidFill>
+                  <a:srgbClr val="000000"/>
+                </a:solidFill>
+                <a:latin typeface="Calibri"/>
+                <a:ea typeface="DejaVu Sans"/>
+              </a:rPr>
+              <a:t>Parses arguments and headers</a:t>
+            </a:r>
+            <a:endParaRPr dirty="0"/>
+          </a:p>
+          <a:p>
+            <a:pPr>
+              <a:lnSpc>
+                <a:spcPct val="100000"/>
+              </a:lnSpc>
+              <a:buFont typeface="Arial"/>
+              <a:buChar char="•"/>
+            </a:pPr>
+            <a:r>
+              <a:rPr lang="en-IE" sz="3200" dirty="0">
+                <a:solidFill>
+                  <a:srgbClr val="000000"/>
+                </a:solidFill>
+                <a:latin typeface="Calibri"/>
+                <a:ea typeface="DejaVu Sans"/>
+              </a:rPr>
+              <a:t>Easy Routing</a:t>
+            </a:r>
+            <a:endParaRPr lang="en-IE" dirty="0"/>
+          </a:p>
+          <a:p>
+            <a:pPr lvl="1">
+              <a:buFont typeface="Arial"/>
+              <a:buChar char="•"/>
+            </a:pPr>
+            <a:r>
+              <a:rPr lang="en-IE" sz="3200" dirty="0">
+                <a:solidFill>
+                  <a:srgbClr val="000000"/>
+                </a:solidFill>
+                <a:latin typeface="Calibri"/>
+                <a:ea typeface="DejaVu Sans"/>
+              </a:rPr>
+              <a:t>Route a URL to a </a:t>
+            </a:r>
+            <a:r>
+              <a:rPr lang="en-IE" sz="3200" dirty="0" err="1">
+                <a:solidFill>
+                  <a:srgbClr val="000000"/>
+                </a:solidFill>
+                <a:latin typeface="Calibri"/>
+                <a:ea typeface="DejaVu Sans"/>
+              </a:rPr>
+              <a:t>callback</a:t>
+            </a:r>
+            <a:r>
+              <a:rPr lang="en-IE" sz="3200" dirty="0">
+                <a:solidFill>
+                  <a:srgbClr val="000000"/>
+                </a:solidFill>
+                <a:latin typeface="Calibri"/>
+                <a:ea typeface="DejaVu Sans"/>
+              </a:rPr>
+              <a:t> function</a:t>
+            </a:r>
+            <a:endParaRPr dirty="0"/>
+          </a:p>
+          <a:p>
+            <a:pPr>
+              <a:lnSpc>
+                <a:spcPct val="100000"/>
+              </a:lnSpc>
+              <a:buFont typeface="Arial"/>
+              <a:buChar char="•"/>
+            </a:pPr>
+            <a:r>
+              <a:rPr lang="en-IE" sz="3200" dirty="0">
+                <a:solidFill>
+                  <a:srgbClr val="000000"/>
+                </a:solidFill>
+                <a:latin typeface="Calibri"/>
+                <a:ea typeface="DejaVu Sans"/>
+              </a:rPr>
+              <a:t>Sessions</a:t>
+            </a:r>
+            <a:endParaRPr dirty="0"/>
+          </a:p>
+          <a:p>
+            <a:pPr>
+              <a:lnSpc>
+                <a:spcPct val="100000"/>
+              </a:lnSpc>
+              <a:buFont typeface="Arial"/>
+              <a:buChar char="•"/>
+            </a:pPr>
+            <a:r>
+              <a:rPr lang="en-IE" sz="3200" dirty="0">
+                <a:solidFill>
+                  <a:srgbClr val="000000"/>
+                </a:solidFill>
+                <a:latin typeface="Calibri"/>
+                <a:ea typeface="DejaVu Sans"/>
+              </a:rPr>
+              <a:t>File Uploads</a:t>
+            </a:r>
+          </a:p>
+          <a:p>
+            <a:pPr>
+              <a:lnSpc>
+                <a:spcPct val="100000"/>
+              </a:lnSpc>
+              <a:buFont typeface="Arial"/>
+              <a:buChar char="•"/>
+            </a:pPr>
+            <a:r>
+              <a:rPr lang="en-IE" sz="3200" dirty="0">
+                <a:solidFill>
+                  <a:srgbClr val="000000"/>
+                </a:solidFill>
+                <a:latin typeface="Calibri"/>
+              </a:rPr>
+              <a:t>Middleware…</a:t>
+            </a:r>
+            <a:endParaRPr dirty="0"/>
+          </a:p>
+        </p:txBody>
+      </p:sp>
+    </p:spTree>
+  </p:cSld>
+  <p:clrMapOvr>
+    <a:masterClrMapping/>
+  </p:clrMapOvr>
 </p:sld>
 </file>
 
@@ -14649,6 +15115,1812 @@
 </p:sld>
 </file>
 
+<file path=ppt/slides/slide30.xml><?xml version="1.0" encoding="utf-8"?>
+<p:sld xmlns:a="http://schemas.openxmlformats.org/drawingml/2006/main" xmlns:r="http://schemas.openxmlformats.org/officeDocument/2006/relationships" xmlns:p="http://schemas.openxmlformats.org/presentationml/2006/main">
+  <p:cSld>
+    <p:spTree>
+      <p:nvGrpSpPr>
+        <p:cNvPr id="1" name=""/>
+        <p:cNvGrpSpPr/>
+        <p:nvPr/>
+      </p:nvGrpSpPr>
+      <p:grpSpPr>
+        <a:xfrm>
+          <a:off x="0" y="0"/>
+          <a:ext cx="0" cy="0"/>
+          <a:chOff x="0" y="0"/>
+          <a:chExt cx="0" cy="0"/>
+        </a:xfrm>
+      </p:grpSpPr>
+      <p:pic>
+        <p:nvPicPr>
+          <p:cNvPr id="6" name="Picture 5">
+            <a:extLst>
+              <a:ext uri="{FF2B5EF4-FFF2-40B4-BE49-F238E27FC236}">
+                <a16:creationId xmlns:a16="http://schemas.microsoft.com/office/drawing/2014/main" id="{1AEB2BE8-FFD4-4831-93E7-B3701AB03974}"/>
+              </a:ext>
+            </a:extLst>
+          </p:cNvPr>
+          <p:cNvPicPr>
+            <a:picLocks noChangeAspect="1"/>
+          </p:cNvPicPr>
+          <p:nvPr/>
+        </p:nvPicPr>
+        <p:blipFill>
+          <a:blip r:embed="rId2"/>
+          <a:stretch>
+            <a:fillRect/>
+          </a:stretch>
+        </p:blipFill>
+        <p:spPr>
+          <a:xfrm>
+            <a:off x="509639" y="1511521"/>
+            <a:ext cx="7896018" cy="3571781"/>
+          </a:xfrm>
+          <a:prstGeom prst="rect">
+            <a:avLst/>
+          </a:prstGeom>
+        </p:spPr>
+      </p:pic>
+      <p:sp>
+        <p:nvSpPr>
+          <p:cNvPr id="160" name="CustomShape 1"/>
+          <p:cNvSpPr/>
+          <p:nvPr/>
+        </p:nvSpPr>
+        <p:spPr>
+          <a:xfrm>
+            <a:off x="2183695" y="302492"/>
+            <a:ext cx="9069962" cy="1258527"/>
+          </a:xfrm>
+          <a:prstGeom prst="rect">
+            <a:avLst/>
+          </a:prstGeom>
+          <a:noFill/>
+          <a:ln>
+            <a:noFill/>
+          </a:ln>
+        </p:spPr>
+        <p:txBody>
+          <a:bodyPr lIns="89997" tIns="44999" rIns="89997" bIns="44999" anchor="ctr"/>
+          <a:lstStyle/>
+          <a:p>
+            <a:pPr algn="ctr">
+              <a:lnSpc>
+                <a:spcPct val="100000"/>
+              </a:lnSpc>
+            </a:pPr>
+            <a:r>
+              <a:rPr lang="en-IE" sz="4400">
+                <a:solidFill>
+                  <a:srgbClr val="000000"/>
+                </a:solidFill>
+                <a:latin typeface="Calibri"/>
+                <a:ea typeface="DejaVu Sans"/>
+              </a:rPr>
+              <a:t>Simple Express App (index.js)</a:t>
+            </a:r>
+            <a:endParaRPr/>
+          </a:p>
+        </p:txBody>
+      </p:sp>
+      <p:sp>
+        <p:nvSpPr>
+          <p:cNvPr id="162" name="CustomShape 3"/>
+          <p:cNvSpPr/>
+          <p:nvPr/>
+        </p:nvSpPr>
+        <p:spPr>
+          <a:xfrm>
+            <a:off x="9676718" y="1511520"/>
+            <a:ext cx="3153877" cy="400669"/>
+          </a:xfrm>
+          <a:prstGeom prst="rect">
+            <a:avLst/>
+          </a:prstGeom>
+          <a:noFill/>
+          <a:ln>
+            <a:noFill/>
+          </a:ln>
+        </p:spPr>
+        <p:txBody>
+          <a:bodyPr lIns="89997" tIns="44999" rIns="89997" bIns="44999"/>
+          <a:lstStyle/>
+          <a:p>
+            <a:pPr>
+              <a:lnSpc>
+                <a:spcPct val="100000"/>
+              </a:lnSpc>
+            </a:pPr>
+            <a:r>
+              <a:rPr lang="en-IE" sz="1990" dirty="0">
+                <a:solidFill>
+                  <a:srgbClr val="00B050"/>
+                </a:solidFill>
+                <a:latin typeface="Calibri"/>
+                <a:ea typeface="DejaVu Sans"/>
+              </a:rPr>
+              <a:t>Loads Express module</a:t>
+            </a:r>
+            <a:endParaRPr dirty="0"/>
+          </a:p>
+        </p:txBody>
+      </p:sp>
+      <p:sp>
+        <p:nvSpPr>
+          <p:cNvPr id="163" name="CustomShape 4"/>
+          <p:cNvSpPr/>
+          <p:nvPr/>
+        </p:nvSpPr>
+        <p:spPr>
+          <a:xfrm>
+            <a:off x="9676717" y="2390695"/>
+            <a:ext cx="2854365" cy="703062"/>
+          </a:xfrm>
+          <a:prstGeom prst="rect">
+            <a:avLst/>
+          </a:prstGeom>
+          <a:noFill/>
+          <a:ln>
+            <a:noFill/>
+          </a:ln>
+        </p:spPr>
+        <p:txBody>
+          <a:bodyPr lIns="89997" tIns="44999" rIns="89997" bIns="44999"/>
+          <a:lstStyle/>
+          <a:p>
+            <a:pPr>
+              <a:lnSpc>
+                <a:spcPct val="100000"/>
+              </a:lnSpc>
+            </a:pPr>
+            <a:r>
+              <a:rPr lang="en-IE" sz="1990" dirty="0">
+                <a:solidFill>
+                  <a:srgbClr val="00B050"/>
+                </a:solidFill>
+                <a:latin typeface="Calibri"/>
+                <a:ea typeface="DejaVu Sans"/>
+              </a:rPr>
+              <a:t>Instantiates Express server</a:t>
+            </a:r>
+            <a:endParaRPr dirty="0"/>
+          </a:p>
+        </p:txBody>
+      </p:sp>
+      <p:sp>
+        <p:nvSpPr>
+          <p:cNvPr id="164" name="CustomShape 5"/>
+          <p:cNvSpPr/>
+          <p:nvPr/>
+        </p:nvSpPr>
+        <p:spPr>
+          <a:xfrm>
+            <a:off x="9676717" y="3428666"/>
+            <a:ext cx="2854365" cy="702342"/>
+          </a:xfrm>
+          <a:prstGeom prst="rect">
+            <a:avLst/>
+          </a:prstGeom>
+          <a:noFill/>
+          <a:ln>
+            <a:noFill/>
+          </a:ln>
+        </p:spPr>
+        <p:txBody>
+          <a:bodyPr lIns="89997" tIns="44999" rIns="89997" bIns="44999"/>
+          <a:lstStyle/>
+          <a:p>
+            <a:pPr>
+              <a:lnSpc>
+                <a:spcPct val="100000"/>
+              </a:lnSpc>
+            </a:pPr>
+            <a:r>
+              <a:rPr lang="en-IE" sz="1990" dirty="0">
+                <a:solidFill>
+                  <a:srgbClr val="00B050"/>
+                </a:solidFill>
+                <a:latin typeface="Calibri"/>
+                <a:ea typeface="DejaVu Sans"/>
+              </a:rPr>
+              <a:t>Define static content for HTTP GET</a:t>
+            </a:r>
+            <a:endParaRPr dirty="0"/>
+          </a:p>
+        </p:txBody>
+      </p:sp>
+      <p:sp>
+        <p:nvSpPr>
+          <p:cNvPr id="165" name="CustomShape 6"/>
+          <p:cNvSpPr/>
+          <p:nvPr/>
+        </p:nvSpPr>
+        <p:spPr>
+          <a:xfrm>
+            <a:off x="8744882" y="4009314"/>
+            <a:ext cx="2854725" cy="1307126"/>
+          </a:xfrm>
+          <a:prstGeom prst="rect">
+            <a:avLst/>
+          </a:prstGeom>
+          <a:noFill/>
+          <a:ln>
+            <a:noFill/>
+          </a:ln>
+        </p:spPr>
+      </p:sp>
+      <p:cxnSp>
+        <p:nvCxnSpPr>
+          <p:cNvPr id="4" name="Straight Arrow Connector 3">
+            <a:extLst>
+              <a:ext uri="{FF2B5EF4-FFF2-40B4-BE49-F238E27FC236}">
+                <a16:creationId xmlns:a16="http://schemas.microsoft.com/office/drawing/2014/main" id="{F373C1F8-1F8C-4500-A31F-0AB741205A01}"/>
+              </a:ext>
+            </a:extLst>
+          </p:cNvPr>
+          <p:cNvCxnSpPr/>
+          <p:nvPr/>
+        </p:nvCxnSpPr>
+        <p:spPr>
+          <a:xfrm flipH="1">
+            <a:off x="5206354" y="1647624"/>
+            <a:ext cx="3896395" cy="263603"/>
+          </a:xfrm>
+          <a:prstGeom prst="straightConnector1">
+            <a:avLst/>
+          </a:prstGeom>
+          <a:ln>
+            <a:tailEnd type="triangle"/>
+          </a:ln>
+        </p:spPr>
+        <p:style>
+          <a:lnRef idx="2">
+            <a:schemeClr val="accent2"/>
+          </a:lnRef>
+          <a:fillRef idx="0">
+            <a:schemeClr val="accent2"/>
+          </a:fillRef>
+          <a:effectRef idx="1">
+            <a:schemeClr val="accent2"/>
+          </a:effectRef>
+          <a:fontRef idx="minor">
+            <a:schemeClr val="tx1"/>
+          </a:fontRef>
+        </p:style>
+      </p:cxnSp>
+      <p:cxnSp>
+        <p:nvCxnSpPr>
+          <p:cNvPr id="10" name="Straight Arrow Connector 9">
+            <a:extLst>
+              <a:ext uri="{FF2B5EF4-FFF2-40B4-BE49-F238E27FC236}">
+                <a16:creationId xmlns:a16="http://schemas.microsoft.com/office/drawing/2014/main" id="{3423CBE8-AAA7-4433-8633-AB84999365EE}"/>
+              </a:ext>
+            </a:extLst>
+          </p:cNvPr>
+          <p:cNvCxnSpPr>
+            <a:cxnSpLocks/>
+          </p:cNvCxnSpPr>
+          <p:nvPr/>
+        </p:nvCxnSpPr>
+        <p:spPr>
+          <a:xfrm flipH="1">
+            <a:off x="4588533" y="2563182"/>
+            <a:ext cx="4683089" cy="0"/>
+          </a:xfrm>
+          <a:prstGeom prst="straightConnector1">
+            <a:avLst/>
+          </a:prstGeom>
+          <a:ln>
+            <a:tailEnd type="triangle"/>
+          </a:ln>
+        </p:spPr>
+        <p:style>
+          <a:lnRef idx="2">
+            <a:schemeClr val="accent2"/>
+          </a:lnRef>
+          <a:fillRef idx="0">
+            <a:schemeClr val="accent2"/>
+          </a:fillRef>
+          <a:effectRef idx="1">
+            <a:schemeClr val="accent2"/>
+          </a:effectRef>
+          <a:fontRef idx="minor">
+            <a:schemeClr val="tx1"/>
+          </a:fontRef>
+        </p:style>
+      </p:cxnSp>
+      <p:cxnSp>
+        <p:nvCxnSpPr>
+          <p:cNvPr id="13" name="Straight Arrow Connector 12">
+            <a:extLst>
+              <a:ext uri="{FF2B5EF4-FFF2-40B4-BE49-F238E27FC236}">
+                <a16:creationId xmlns:a16="http://schemas.microsoft.com/office/drawing/2014/main" id="{1E705DD9-7414-451F-8951-1609E3482107}"/>
+              </a:ext>
+            </a:extLst>
+          </p:cNvPr>
+          <p:cNvCxnSpPr>
+            <a:cxnSpLocks/>
+          </p:cNvCxnSpPr>
+          <p:nvPr/>
+        </p:nvCxnSpPr>
+        <p:spPr>
+          <a:xfrm flipH="1" flipV="1">
+            <a:off x="5684136" y="3297411"/>
+            <a:ext cx="3904634" cy="482427"/>
+          </a:xfrm>
+          <a:prstGeom prst="straightConnector1">
+            <a:avLst/>
+          </a:prstGeom>
+          <a:ln>
+            <a:tailEnd type="triangle"/>
+          </a:ln>
+        </p:spPr>
+        <p:style>
+          <a:lnRef idx="2">
+            <a:schemeClr val="accent2"/>
+          </a:lnRef>
+          <a:fillRef idx="0">
+            <a:schemeClr val="accent2"/>
+          </a:fillRef>
+          <a:effectRef idx="1">
+            <a:schemeClr val="accent2"/>
+          </a:effectRef>
+          <a:fontRef idx="minor">
+            <a:schemeClr val="tx1"/>
+          </a:fontRef>
+        </p:style>
+      </p:cxnSp>
+    </p:spTree>
+  </p:cSld>
+  <p:clrMapOvr>
+    <a:masterClrMapping/>
+  </p:clrMapOvr>
+  <p:timing>
+    <p:tnLst>
+      <p:par>
+        <p:cTn id="1" dur="indefinite" restart="never" nodeType="tmRoot">
+          <p:childTnLst>
+            <p:seq>
+              <p:cTn id="2" nodeType="mainSeq">
+                <p:childTnLst>
+                  <p:par>
+                    <p:cTn id="3" fill="freeze">
+                      <p:stCondLst>
+                        <p:cond delay="indefinite"/>
+                      </p:stCondLst>
+                      <p:childTnLst>
+                        <p:par>
+                          <p:cTn id="4" fill="freeze">
+                            <p:stCondLst>
+                              <p:cond delay="0"/>
+                            </p:stCondLst>
+                            <p:childTnLst>
+                              <p:par>
+                                <p:cTn id="5" presetID="10" presetClass="entr" fill="hold" nodeType="clickEffect">
+                                  <p:stCondLst>
+                                    <p:cond delay="0"/>
+                                  </p:stCondLst>
+                                  <p:childTnLst>
+                                    <p:set>
+                                      <p:cBhvr>
+                                        <p:cTn id="6" dur="1" fill="hold">
+                                          <p:stCondLst>
+                                            <p:cond delay="0"/>
+                                          </p:stCondLst>
+                                        </p:cTn>
+                                        <p:tgtEl>
+                                          <p:spTgt spid="162"/>
+                                        </p:tgtEl>
+                                        <p:attrNameLst>
+                                          <p:attrName>style.visibility</p:attrName>
+                                        </p:attrNameLst>
+                                      </p:cBhvr>
+                                      <p:to>
+                                        <p:strVal val="visible"/>
+                                      </p:to>
+                                    </p:set>
+                                    <p:animEffect transition="in" filter="fade">
+                                      <p:cBhvr additive="repl">
+                                        <p:cTn id="7" dur="500"/>
+                                        <p:tgtEl>
+                                          <p:spTgt spid="162"/>
+                                        </p:tgtEl>
+                                      </p:cBhvr>
+                                    </p:animEffect>
+                                  </p:childTnLst>
+                                </p:cTn>
+                              </p:par>
+                              <p:par>
+                                <p:cTn id="8" presetID="10" presetClass="entr" presetSubtype="0" fill="hold" nodeType="withEffect">
+                                  <p:stCondLst>
+                                    <p:cond delay="0"/>
+                                  </p:stCondLst>
+                                  <p:childTnLst>
+                                    <p:set>
+                                      <p:cBhvr>
+                                        <p:cTn id="9" dur="1" fill="hold">
+                                          <p:stCondLst>
+                                            <p:cond delay="0"/>
+                                          </p:stCondLst>
+                                        </p:cTn>
+                                        <p:tgtEl>
+                                          <p:spTgt spid="4"/>
+                                        </p:tgtEl>
+                                        <p:attrNameLst>
+                                          <p:attrName>style.visibility</p:attrName>
+                                        </p:attrNameLst>
+                                      </p:cBhvr>
+                                      <p:to>
+                                        <p:strVal val="visible"/>
+                                      </p:to>
+                                    </p:set>
+                                    <p:animEffect transition="in" filter="fade">
+                                      <p:cBhvr>
+                                        <p:cTn id="10" dur="500"/>
+                                        <p:tgtEl>
+                                          <p:spTgt spid="4"/>
+                                        </p:tgtEl>
+                                      </p:cBhvr>
+                                    </p:animEffect>
+                                  </p:childTnLst>
+                                </p:cTn>
+                              </p:par>
+                            </p:childTnLst>
+                          </p:cTn>
+                        </p:par>
+                      </p:childTnLst>
+                    </p:cTn>
+                  </p:par>
+                  <p:par>
+                    <p:cTn id="11" fill="hold">
+                      <p:stCondLst>
+                        <p:cond delay="indefinite"/>
+                      </p:stCondLst>
+                      <p:childTnLst>
+                        <p:par>
+                          <p:cTn id="12" fill="hold">
+                            <p:stCondLst>
+                              <p:cond delay="0"/>
+                            </p:stCondLst>
+                            <p:childTnLst>
+                              <p:par>
+                                <p:cTn id="13" presetID="10" presetClass="entr" fill="hold" nodeType="clickEffect">
+                                  <p:stCondLst>
+                                    <p:cond delay="0"/>
+                                  </p:stCondLst>
+                                  <p:childTnLst>
+                                    <p:set>
+                                      <p:cBhvr>
+                                        <p:cTn id="14" dur="1" fill="hold">
+                                          <p:stCondLst>
+                                            <p:cond delay="0"/>
+                                          </p:stCondLst>
+                                        </p:cTn>
+                                        <p:tgtEl>
+                                          <p:spTgt spid="163"/>
+                                        </p:tgtEl>
+                                        <p:attrNameLst>
+                                          <p:attrName>style.visibility</p:attrName>
+                                        </p:attrNameLst>
+                                      </p:cBhvr>
+                                      <p:to>
+                                        <p:strVal val="visible"/>
+                                      </p:to>
+                                    </p:set>
+                                    <p:animEffect transition="in" filter="fade">
+                                      <p:cBhvr additive="repl">
+                                        <p:cTn id="15" dur="500"/>
+                                        <p:tgtEl>
+                                          <p:spTgt spid="163"/>
+                                        </p:tgtEl>
+                                      </p:cBhvr>
+                                    </p:animEffect>
+                                  </p:childTnLst>
+                                </p:cTn>
+                              </p:par>
+                              <p:par>
+                                <p:cTn id="16" presetID="10" presetClass="entr" presetSubtype="0" fill="hold" nodeType="withEffect">
+                                  <p:stCondLst>
+                                    <p:cond delay="0"/>
+                                  </p:stCondLst>
+                                  <p:childTnLst>
+                                    <p:set>
+                                      <p:cBhvr>
+                                        <p:cTn id="17" dur="1" fill="hold">
+                                          <p:stCondLst>
+                                            <p:cond delay="0"/>
+                                          </p:stCondLst>
+                                        </p:cTn>
+                                        <p:tgtEl>
+                                          <p:spTgt spid="10"/>
+                                        </p:tgtEl>
+                                        <p:attrNameLst>
+                                          <p:attrName>style.visibility</p:attrName>
+                                        </p:attrNameLst>
+                                      </p:cBhvr>
+                                      <p:to>
+                                        <p:strVal val="visible"/>
+                                      </p:to>
+                                    </p:set>
+                                    <p:animEffect transition="in" filter="fade">
+                                      <p:cBhvr>
+                                        <p:cTn id="18" dur="500"/>
+                                        <p:tgtEl>
+                                          <p:spTgt spid="10"/>
+                                        </p:tgtEl>
+                                      </p:cBhvr>
+                                    </p:animEffect>
+                                  </p:childTnLst>
+                                </p:cTn>
+                              </p:par>
+                            </p:childTnLst>
+                          </p:cTn>
+                        </p:par>
+                      </p:childTnLst>
+                    </p:cTn>
+                  </p:par>
+                  <p:par>
+                    <p:cTn id="19" fill="hold">
+                      <p:stCondLst>
+                        <p:cond delay="indefinite"/>
+                      </p:stCondLst>
+                      <p:childTnLst>
+                        <p:par>
+                          <p:cTn id="20" fill="hold">
+                            <p:stCondLst>
+                              <p:cond delay="0"/>
+                            </p:stCondLst>
+                            <p:childTnLst>
+                              <p:par>
+                                <p:cTn id="21" presetID="10" presetClass="entr" fill="hold" nodeType="clickEffect">
+                                  <p:stCondLst>
+                                    <p:cond delay="0"/>
+                                  </p:stCondLst>
+                                  <p:childTnLst>
+                                    <p:set>
+                                      <p:cBhvr>
+                                        <p:cTn id="22" dur="1" fill="hold">
+                                          <p:stCondLst>
+                                            <p:cond delay="0"/>
+                                          </p:stCondLst>
+                                        </p:cTn>
+                                        <p:tgtEl>
+                                          <p:spTgt spid="164"/>
+                                        </p:tgtEl>
+                                        <p:attrNameLst>
+                                          <p:attrName>style.visibility</p:attrName>
+                                        </p:attrNameLst>
+                                      </p:cBhvr>
+                                      <p:to>
+                                        <p:strVal val="visible"/>
+                                      </p:to>
+                                    </p:set>
+                                    <p:animEffect transition="in" filter="fade">
+                                      <p:cBhvr additive="repl">
+                                        <p:cTn id="23" dur="500"/>
+                                        <p:tgtEl>
+                                          <p:spTgt spid="164"/>
+                                        </p:tgtEl>
+                                      </p:cBhvr>
+                                    </p:animEffect>
+                                  </p:childTnLst>
+                                </p:cTn>
+                              </p:par>
+                              <p:par>
+                                <p:cTn id="24" presetID="10" presetClass="entr" presetSubtype="0" fill="hold" nodeType="withEffect">
+                                  <p:stCondLst>
+                                    <p:cond delay="0"/>
+                                  </p:stCondLst>
+                                  <p:childTnLst>
+                                    <p:set>
+                                      <p:cBhvr>
+                                        <p:cTn id="25" dur="1" fill="hold">
+                                          <p:stCondLst>
+                                            <p:cond delay="0"/>
+                                          </p:stCondLst>
+                                        </p:cTn>
+                                        <p:tgtEl>
+                                          <p:spTgt spid="13"/>
+                                        </p:tgtEl>
+                                        <p:attrNameLst>
+                                          <p:attrName>style.visibility</p:attrName>
+                                        </p:attrNameLst>
+                                      </p:cBhvr>
+                                      <p:to>
+                                        <p:strVal val="visible"/>
+                                      </p:to>
+                                    </p:set>
+                                    <p:animEffect transition="in" filter="fade">
+                                      <p:cBhvr>
+                                        <p:cTn id="26" dur="500"/>
+                                        <p:tgtEl>
+                                          <p:spTgt spid="13"/>
+                                        </p:tgtEl>
+                                      </p:cBhvr>
+                                    </p:animEffect>
+                                  </p:childTnLst>
+                                </p:cTn>
+                              </p:par>
+                            </p:childTnLst>
+                          </p:cTn>
+                        </p:par>
+                      </p:childTnLst>
+                    </p:cTn>
+                  </p:par>
+                  <p:par>
+                    <p:cTn id="27" fill="hold">
+                      <p:stCondLst>
+                        <p:cond delay="indefinite"/>
+                      </p:stCondLst>
+                      <p:childTnLst>
+                        <p:par>
+                          <p:cTn id="28" fill="hold">
+                            <p:stCondLst>
+                              <p:cond delay="0"/>
+                            </p:stCondLst>
+                            <p:childTnLst>
+                              <p:par>
+                                <p:cTn id="29" presetID="10" presetClass="entr" fill="hold" nodeType="clickEffect">
+                                  <p:stCondLst>
+                                    <p:cond delay="0"/>
+                                  </p:stCondLst>
+                                  <p:childTnLst>
+                                    <p:set>
+                                      <p:cBhvr>
+                                        <p:cTn id="30" dur="1" fill="hold">
+                                          <p:stCondLst>
+                                            <p:cond delay="0"/>
+                                          </p:stCondLst>
+                                        </p:cTn>
+                                        <p:tgtEl>
+                                          <p:spTgt spid="165"/>
+                                        </p:tgtEl>
+                                        <p:attrNameLst>
+                                          <p:attrName>style.visibility</p:attrName>
+                                        </p:attrNameLst>
+                                      </p:cBhvr>
+                                      <p:to>
+                                        <p:strVal val="visible"/>
+                                      </p:to>
+                                    </p:set>
+                                    <p:animEffect transition="in" filter="fade">
+                                      <p:cBhvr additive="repl">
+                                        <p:cTn id="31" dur="500"/>
+                                        <p:tgtEl>
+                                          <p:spTgt spid="165"/>
+                                        </p:tgtEl>
+                                      </p:cBhvr>
+                                    </p:animEffect>
+                                  </p:childTnLst>
+                                </p:cTn>
+                              </p:par>
+                            </p:childTnLst>
+                          </p:cTn>
+                        </p:par>
+                      </p:childTnLst>
+                    </p:cTn>
+                  </p:par>
+                </p:childTnLst>
+              </p:cTn>
+              <p:prevCondLst>
+                <p:cond evt="onPrev" delay="0">
+                  <p:tgtEl>
+                    <p:sldTgt/>
+                  </p:tgtEl>
+                </p:cond>
+              </p:prevCondLst>
+              <p:nextCondLst>
+                <p:cond evt="onNext" delay="0">
+                  <p:tgtEl>
+                    <p:sldTgt/>
+                  </p:tgtEl>
+                </p:cond>
+              </p:nextCondLst>
+            </p:seq>
+          </p:childTnLst>
+        </p:cTn>
+      </p:par>
+    </p:tnLst>
+  </p:timing>
+</p:sld>
+</file>
+
+<file path=ppt/slides/slide31.xml><?xml version="1.0" encoding="utf-8"?>
+<p:sld xmlns:a="http://schemas.openxmlformats.org/drawingml/2006/main" xmlns:r="http://schemas.openxmlformats.org/officeDocument/2006/relationships" xmlns:p="http://schemas.openxmlformats.org/presentationml/2006/main">
+  <p:cSld>
+    <p:spTree>
+      <p:nvGrpSpPr>
+        <p:cNvPr id="1" name=""/>
+        <p:cNvGrpSpPr/>
+        <p:nvPr/>
+      </p:nvGrpSpPr>
+      <p:grpSpPr>
+        <a:xfrm>
+          <a:off x="0" y="0"/>
+          <a:ext cx="0" cy="0"/>
+          <a:chOff x="0" y="0"/>
+          <a:chExt cx="0" cy="0"/>
+        </a:xfrm>
+      </p:grpSpPr>
+      <p:sp>
+        <p:nvSpPr>
+          <p:cNvPr id="171" name="CustomShape 1"/>
+          <p:cNvSpPr/>
+          <p:nvPr/>
+        </p:nvSpPr>
+        <p:spPr>
+          <a:xfrm>
+            <a:off x="2183695" y="302852"/>
+            <a:ext cx="9069962" cy="1258167"/>
+          </a:xfrm>
+          <a:prstGeom prst="rect">
+            <a:avLst/>
+          </a:prstGeom>
+          <a:noFill/>
+          <a:ln>
+            <a:noFill/>
+          </a:ln>
+        </p:spPr>
+        <p:txBody>
+          <a:bodyPr lIns="89997" tIns="44999" rIns="89997" bIns="44999" anchor="ctr"/>
+          <a:lstStyle/>
+          <a:p>
+            <a:pPr algn="ctr">
+              <a:lnSpc>
+                <a:spcPct val="100000"/>
+              </a:lnSpc>
+            </a:pPr>
+            <a:r>
+              <a:rPr lang="en-IE" sz="4400">
+                <a:solidFill>
+                  <a:srgbClr val="000000"/>
+                </a:solidFill>
+                <a:latin typeface="Calibri"/>
+                <a:ea typeface="DejaVu Sans"/>
+              </a:rPr>
+              <a:t>Routing Examples</a:t>
+            </a:r>
+            <a:endParaRPr/>
+          </a:p>
+        </p:txBody>
+      </p:sp>
+      <p:sp>
+        <p:nvSpPr>
+          <p:cNvPr id="172" name="CustomShape 2"/>
+          <p:cNvSpPr/>
+          <p:nvPr/>
+        </p:nvSpPr>
+        <p:spPr>
+          <a:xfrm>
+            <a:off x="2414348" y="5606380"/>
+            <a:ext cx="9069962" cy="3526467"/>
+          </a:xfrm>
+          <a:prstGeom prst="rect">
+            <a:avLst/>
+          </a:prstGeom>
+          <a:noFill/>
+          <a:ln>
+            <a:noFill/>
+          </a:ln>
+        </p:spPr>
+        <p:txBody>
+          <a:bodyPr lIns="89997" tIns="44999" rIns="89997" bIns="44999"/>
+          <a:lstStyle/>
+          <a:p>
+            <a:pPr>
+              <a:lnSpc>
+                <a:spcPct val="100000"/>
+              </a:lnSpc>
+            </a:pPr>
+            <a:r>
+              <a:rPr lang="en-IE" sz="1500" dirty="0">
+                <a:solidFill>
+                  <a:srgbClr val="808080"/>
+                </a:solidFill>
+                <a:latin typeface="Courier New"/>
+                <a:ea typeface="DejaVu Sans"/>
+              </a:rPr>
+              <a:t>// Other Route examples</a:t>
+            </a:r>
+            <a:endParaRPr dirty="0"/>
+          </a:p>
+          <a:p>
+            <a:pPr>
+              <a:lnSpc>
+                <a:spcPct val="100000"/>
+              </a:lnSpc>
+            </a:pPr>
+            <a:r>
+              <a:rPr lang="en-IE" sz="1500" dirty="0" err="1">
+                <a:solidFill>
+                  <a:srgbClr val="000000"/>
+                </a:solidFill>
+                <a:latin typeface="Courier New"/>
+                <a:ea typeface="DejaVu Sans"/>
+              </a:rPr>
+              <a:t>app.post</a:t>
+            </a:r>
+            <a:r>
+              <a:rPr lang="en-IE" sz="1500" dirty="0">
+                <a:solidFill>
+                  <a:srgbClr val="000000"/>
+                </a:solidFill>
+                <a:latin typeface="Courier New"/>
+                <a:ea typeface="DejaVu Sans"/>
+              </a:rPr>
+              <a:t>(‘/contacts’, </a:t>
+            </a:r>
+            <a:r>
+              <a:rPr lang="en-IE" sz="1500" dirty="0" err="1">
+                <a:solidFill>
+                  <a:srgbClr val="000000"/>
+                </a:solidFill>
+                <a:latin typeface="Courier New"/>
+                <a:ea typeface="DejaVu Sans"/>
+              </a:rPr>
+              <a:t>createContact</a:t>
+            </a:r>
+            <a:r>
+              <a:rPr lang="en-IE" sz="1500" dirty="0">
+                <a:solidFill>
+                  <a:srgbClr val="000000"/>
+                </a:solidFill>
+                <a:latin typeface="Courier New"/>
+                <a:ea typeface="DejaVu Sans"/>
+              </a:rPr>
+              <a:t>);</a:t>
+            </a:r>
+            <a:endParaRPr dirty="0"/>
+          </a:p>
+          <a:p>
+            <a:pPr>
+              <a:lnSpc>
+                <a:spcPct val="100000"/>
+              </a:lnSpc>
+            </a:pPr>
+            <a:r>
+              <a:rPr lang="en-IE" sz="1500" dirty="0" err="1">
+                <a:solidFill>
+                  <a:srgbClr val="000000"/>
+                </a:solidFill>
+                <a:latin typeface="Courier New"/>
+                <a:ea typeface="DejaVu Sans"/>
+              </a:rPr>
+              <a:t>app.get</a:t>
+            </a:r>
+            <a:r>
+              <a:rPr lang="en-IE" sz="1500" dirty="0">
+                <a:solidFill>
+                  <a:srgbClr val="000000"/>
+                </a:solidFill>
+                <a:latin typeface="Courier New"/>
+                <a:ea typeface="DejaVu Sans"/>
+              </a:rPr>
+              <a:t>(‘/contacts/:id’, </a:t>
+            </a:r>
+            <a:r>
+              <a:rPr lang="en-IE" sz="1500" dirty="0" err="1">
+                <a:solidFill>
+                  <a:srgbClr val="000000"/>
+                </a:solidFill>
+                <a:latin typeface="Courier New"/>
+                <a:ea typeface="DejaVu Sans"/>
+              </a:rPr>
+              <a:t>contactsRouter</a:t>
+            </a:r>
+            <a:r>
+              <a:rPr lang="en-IE" sz="1500" dirty="0">
+                <a:solidFill>
+                  <a:srgbClr val="000000"/>
+                </a:solidFill>
+                <a:latin typeface="Courier New"/>
+                <a:ea typeface="DejaVu Sans"/>
+              </a:rPr>
+              <a:t>);</a:t>
+            </a:r>
+            <a:endParaRPr dirty="0"/>
+          </a:p>
+          <a:p>
+            <a:pPr>
+              <a:lnSpc>
+                <a:spcPct val="100000"/>
+              </a:lnSpc>
+            </a:pPr>
+            <a:endParaRPr lang="en-IE" dirty="0"/>
+          </a:p>
+          <a:p>
+            <a:pPr>
+              <a:lnSpc>
+                <a:spcPct val="100000"/>
+              </a:lnSpc>
+            </a:pPr>
+            <a:r>
+              <a:rPr lang="en-IE" dirty="0">
+                <a:solidFill>
+                  <a:srgbClr val="808080"/>
+                </a:solidFill>
+                <a:latin typeface="Courier New"/>
+              </a:rPr>
+              <a:t>//Catch-all</a:t>
+            </a:r>
+            <a:endParaRPr lang="en-IE" dirty="0"/>
+          </a:p>
+          <a:p>
+            <a:pPr>
+              <a:lnSpc>
+                <a:spcPct val="100000"/>
+              </a:lnSpc>
+            </a:pPr>
+            <a:r>
+              <a:rPr lang="en-IE" dirty="0" err="1">
+                <a:solidFill>
+                  <a:srgbClr val="000000"/>
+                </a:solidFill>
+                <a:latin typeface="Courier New"/>
+              </a:rPr>
+              <a:t>app.all</a:t>
+            </a:r>
+            <a:r>
+              <a:rPr lang="en-IE" dirty="0">
+                <a:solidFill>
+                  <a:srgbClr val="000000"/>
+                </a:solidFill>
+                <a:latin typeface="Courier New"/>
+              </a:rPr>
+              <a:t>(‘/private(/*)?', </a:t>
+            </a:r>
+            <a:r>
+              <a:rPr lang="en-IE" dirty="0" err="1">
+                <a:solidFill>
+                  <a:srgbClr val="000000"/>
+                </a:solidFill>
+                <a:latin typeface="Courier New"/>
+              </a:rPr>
+              <a:t>requiresLogin</a:t>
+            </a:r>
+            <a:r>
+              <a:rPr lang="en-IE" dirty="0">
+                <a:solidFill>
+                  <a:srgbClr val="000000"/>
+                </a:solidFill>
+                <a:latin typeface="Courier New"/>
+              </a:rPr>
+              <a:t>);</a:t>
+            </a:r>
+            <a:endParaRPr lang="en-IE" dirty="0"/>
+          </a:p>
+          <a:p>
+            <a:pPr>
+              <a:lnSpc>
+                <a:spcPct val="100000"/>
+              </a:lnSpc>
+            </a:pPr>
+            <a:endParaRPr dirty="0"/>
+          </a:p>
+        </p:txBody>
+      </p:sp>
+      <p:sp>
+        <p:nvSpPr>
+          <p:cNvPr id="173" name="CustomShape 3"/>
+          <p:cNvSpPr/>
+          <p:nvPr/>
+        </p:nvSpPr>
+        <p:spPr>
+          <a:xfrm>
+            <a:off x="2183694" y="1209487"/>
+            <a:ext cx="8398580" cy="703062"/>
+          </a:xfrm>
+          <a:prstGeom prst="rect">
+            <a:avLst/>
+          </a:prstGeom>
+          <a:noFill/>
+          <a:ln>
+            <a:noFill/>
+          </a:ln>
+        </p:spPr>
+        <p:txBody>
+          <a:bodyPr lIns="89997" tIns="44999" rIns="89997" bIns="44999"/>
+          <a:lstStyle/>
+          <a:p>
+            <a:pPr>
+              <a:lnSpc>
+                <a:spcPct val="100000"/>
+              </a:lnSpc>
+            </a:pPr>
+            <a:r>
+              <a:rPr lang="en-IE" sz="1990" dirty="0">
+                <a:solidFill>
+                  <a:srgbClr val="000000"/>
+                </a:solidFill>
+                <a:latin typeface="Calibri"/>
+                <a:ea typeface="DejaVu Sans"/>
+              </a:rPr>
+              <a:t>Syntax follows the pattern:</a:t>
+            </a:r>
+            <a:endParaRPr dirty="0"/>
+          </a:p>
+          <a:p>
+            <a:pPr>
+              <a:lnSpc>
+                <a:spcPct val="100000"/>
+              </a:lnSpc>
+            </a:pPr>
+            <a:r>
+              <a:rPr lang="en-IE" sz="1990" dirty="0">
+                <a:solidFill>
+                  <a:srgbClr val="000000"/>
+                </a:solidFill>
+                <a:latin typeface="Calibri"/>
+                <a:ea typeface="DejaVu Sans"/>
+              </a:rPr>
+              <a:t>	</a:t>
+            </a:r>
+            <a:r>
+              <a:rPr lang="en-IE" sz="1990" b="1" dirty="0">
+                <a:solidFill>
+                  <a:srgbClr val="000000"/>
+                </a:solidFill>
+                <a:latin typeface="Calibri"/>
+                <a:ea typeface="DejaVu Sans"/>
+              </a:rPr>
+              <a:t>App.[verb](path, (</a:t>
+            </a:r>
+            <a:r>
+              <a:rPr lang="en-IE" sz="1990" b="1" dirty="0" err="1">
+                <a:solidFill>
+                  <a:srgbClr val="000000"/>
+                </a:solidFill>
+                <a:latin typeface="Calibri"/>
+                <a:ea typeface="DejaVu Sans"/>
+              </a:rPr>
+              <a:t>req,res</a:t>
+            </a:r>
+            <a:r>
+              <a:rPr lang="en-IE" sz="1990" b="1" dirty="0">
+                <a:solidFill>
+                  <a:srgbClr val="000000"/>
+                </a:solidFill>
+                <a:latin typeface="Calibri"/>
+                <a:ea typeface="DejaVu Sans"/>
+              </a:rPr>
+              <a:t>)=&gt;{});</a:t>
+            </a:r>
+            <a:endParaRPr b="1" dirty="0"/>
+          </a:p>
+        </p:txBody>
+      </p:sp>
+      <p:sp>
+        <p:nvSpPr>
+          <p:cNvPr id="174" name="CustomShape 4"/>
+          <p:cNvSpPr/>
+          <p:nvPr/>
+        </p:nvSpPr>
+        <p:spPr>
+          <a:xfrm>
+            <a:off x="8542195" y="6911494"/>
+            <a:ext cx="4450204" cy="702342"/>
+          </a:xfrm>
+          <a:prstGeom prst="rect">
+            <a:avLst/>
+          </a:prstGeom>
+          <a:noFill/>
+          <a:ln>
+            <a:noFill/>
+          </a:ln>
+        </p:spPr>
+        <p:txBody>
+          <a:bodyPr lIns="89997" tIns="44999" rIns="89997" bIns="44999"/>
+          <a:lstStyle/>
+          <a:p>
+            <a:pPr>
+              <a:lnSpc>
+                <a:spcPct val="100000"/>
+              </a:lnSpc>
+            </a:pPr>
+            <a:r>
+              <a:rPr lang="en-IE" sz="1990" dirty="0">
+                <a:solidFill>
+                  <a:srgbClr val="00B050"/>
+                </a:solidFill>
+                <a:latin typeface="Calibri"/>
+                <a:ea typeface="DejaVu Sans"/>
+              </a:rPr>
+              <a:t>Catch-all – works for all HTTP verbs</a:t>
+            </a:r>
+            <a:endParaRPr dirty="0"/>
+          </a:p>
+        </p:txBody>
+      </p:sp>
+      <p:sp>
+        <p:nvSpPr>
+          <p:cNvPr id="176" name="CustomShape 6"/>
+          <p:cNvSpPr/>
+          <p:nvPr/>
+        </p:nvSpPr>
+        <p:spPr>
+          <a:xfrm>
+            <a:off x="8542195" y="5456232"/>
+            <a:ext cx="4450204" cy="400669"/>
+          </a:xfrm>
+          <a:prstGeom prst="rect">
+            <a:avLst/>
+          </a:prstGeom>
+          <a:noFill/>
+          <a:ln>
+            <a:noFill/>
+          </a:ln>
+        </p:spPr>
+        <p:txBody>
+          <a:bodyPr lIns="89997" tIns="44999" rIns="89997" bIns="44999"/>
+          <a:lstStyle/>
+          <a:p>
+            <a:pPr>
+              <a:lnSpc>
+                <a:spcPct val="100000"/>
+              </a:lnSpc>
+            </a:pPr>
+            <a:r>
+              <a:rPr lang="en-IE" sz="1990" dirty="0">
+                <a:solidFill>
+                  <a:srgbClr val="00B050"/>
+                </a:solidFill>
+                <a:latin typeface="Calibri"/>
+                <a:ea typeface="DejaVu Sans"/>
+              </a:rPr>
+              <a:t>HTTP POST request</a:t>
+            </a:r>
+            <a:endParaRPr dirty="0"/>
+          </a:p>
+        </p:txBody>
+      </p:sp>
+      <p:sp>
+        <p:nvSpPr>
+          <p:cNvPr id="177" name="CustomShape 7"/>
+          <p:cNvSpPr/>
+          <p:nvPr/>
+        </p:nvSpPr>
+        <p:spPr>
+          <a:xfrm>
+            <a:off x="8542195" y="6007049"/>
+            <a:ext cx="4450204" cy="400669"/>
+          </a:xfrm>
+          <a:prstGeom prst="rect">
+            <a:avLst/>
+          </a:prstGeom>
+          <a:noFill/>
+          <a:ln>
+            <a:noFill/>
+          </a:ln>
+        </p:spPr>
+        <p:txBody>
+          <a:bodyPr lIns="89997" tIns="44999" rIns="89997" bIns="44999"/>
+          <a:lstStyle/>
+          <a:p>
+            <a:pPr>
+              <a:lnSpc>
+                <a:spcPct val="100000"/>
+              </a:lnSpc>
+            </a:pPr>
+            <a:r>
+              <a:rPr lang="en-IE" sz="1990" dirty="0" err="1">
+                <a:solidFill>
+                  <a:srgbClr val="00B050"/>
+                </a:solidFill>
+                <a:latin typeface="Calibri"/>
+                <a:ea typeface="DejaVu Sans"/>
+              </a:rPr>
+              <a:t>Parametised</a:t>
+            </a:r>
+            <a:r>
+              <a:rPr lang="en-IE" sz="1990" dirty="0">
+                <a:solidFill>
+                  <a:srgbClr val="00B050"/>
+                </a:solidFill>
+                <a:latin typeface="Calibri"/>
+                <a:ea typeface="DejaVu Sans"/>
+              </a:rPr>
+              <a:t> URL. Accepts :app route argument</a:t>
+            </a:r>
+            <a:endParaRPr dirty="0"/>
+          </a:p>
+        </p:txBody>
+      </p:sp>
+      <p:pic>
+        <p:nvPicPr>
+          <p:cNvPr id="2" name="Picture 1">
+            <a:extLst>
+              <a:ext uri="{FF2B5EF4-FFF2-40B4-BE49-F238E27FC236}">
+                <a16:creationId xmlns:a16="http://schemas.microsoft.com/office/drawing/2014/main" id="{CC30028D-338C-4D7F-83C3-9193DEB032FA}"/>
+              </a:ext>
+            </a:extLst>
+          </p:cNvPr>
+          <p:cNvPicPr>
+            <a:picLocks noChangeAspect="1"/>
+          </p:cNvPicPr>
+          <p:nvPr/>
+        </p:nvPicPr>
+        <p:blipFill>
+          <a:blip r:embed="rId3"/>
+          <a:stretch>
+            <a:fillRect/>
+          </a:stretch>
+        </p:blipFill>
+        <p:spPr>
+          <a:xfrm>
+            <a:off x="2183694" y="2297614"/>
+            <a:ext cx="8583603" cy="2572171"/>
+          </a:xfrm>
+          <a:prstGeom prst="rect">
+            <a:avLst/>
+          </a:prstGeom>
+        </p:spPr>
+      </p:pic>
+      <p:sp>
+        <p:nvSpPr>
+          <p:cNvPr id="3" name="Rectangle 1">
+            <a:extLst>
+              <a:ext uri="{FF2B5EF4-FFF2-40B4-BE49-F238E27FC236}">
+                <a16:creationId xmlns:a16="http://schemas.microsoft.com/office/drawing/2014/main" id="{D03FB82F-AFC8-40FB-8F70-15AC15EF60C6}"/>
+              </a:ext>
+            </a:extLst>
+          </p:cNvPr>
+          <p:cNvSpPr>
+            <a:spLocks noChangeArrowheads="1"/>
+          </p:cNvSpPr>
+          <p:nvPr/>
+        </p:nvSpPr>
+        <p:spPr bwMode="auto">
+          <a:xfrm>
+            <a:off x="-24535" y="159507"/>
+            <a:ext cx="320601" cy="138371"/>
+          </a:xfrm>
+          <a:prstGeom prst="rect">
+            <a:avLst/>
+          </a:prstGeom>
+          <a:solidFill>
+            <a:srgbClr val="EFF0F1"/>
+          </a:solidFill>
+          <a:ln>
+            <a:noFill/>
+          </a:ln>
+          <a:effectLst/>
+          <a:extLst>
+            <a:ext uri="{91240B29-F687-4F45-9708-019B960494DF}">
+              <a14:hiddenLine xmlns:a14="http://schemas.microsoft.com/office/drawing/2010/main" w="9525">
+                <a:solidFill>
+                  <a:schemeClr val="tx1"/>
+                </a:solidFill>
+                <a:miter lim="800000"/>
+                <a:headEnd/>
+                <a:tailEnd/>
+              </a14:hiddenLine>
+            </a:ext>
+            <a:ext uri="{AF507438-7753-43E0-B8FC-AC1667EBCBE1}">
+              <a14:hiddenEffects xmlns:a14="http://schemas.microsoft.com/office/drawing/2010/main">
+                <a:effectLst>
+                  <a:outerShdw dist="35921" dir="2700000" algn="ctr" rotWithShape="0">
+                    <a:schemeClr val="bg2"/>
+                  </a:outerShdw>
+                </a:effectLst>
+              </a14:hiddenEffects>
+            </a:ext>
+          </a:extLst>
+        </p:spPr>
+        <p:txBody>
+          <a:bodyPr vert="horz" wrap="none" lIns="0" tIns="0" rIns="0" bIns="0" numCol="1" anchor="ctr" anchorCtr="0" compatLnSpc="1">
+            <a:prstTxWarp prst="textNoShape">
+              <a:avLst/>
+            </a:prstTxWarp>
+            <a:spAutoFit/>
+          </a:bodyPr>
+          <a:lstStyle/>
+          <a:p>
+            <a:pPr defTabSz="914406" eaLnBrk="0" fontAlgn="base" hangingPunct="0">
+              <a:spcBef>
+                <a:spcPct val="0"/>
+              </a:spcBef>
+              <a:spcAft>
+                <a:spcPct val="0"/>
+              </a:spcAft>
+            </a:pPr>
+            <a:r>
+              <a:rPr lang="en-US" altLang="en-US" sz="899">
+                <a:solidFill>
+                  <a:srgbClr val="242729"/>
+                </a:solidFill>
+                <a:latin typeface="Consolas" panose="020B0609020204030204" pitchFamily="49" charset="0"/>
+              </a:rPr>
+              <a:t>(/*)?</a:t>
+            </a:r>
+            <a:endParaRPr lang="en-US" altLang="en-US">
+              <a:latin typeface="Arial" panose="020B0604020202020204" pitchFamily="34" charset="0"/>
+            </a:endParaRPr>
+          </a:p>
+        </p:txBody>
+      </p:sp>
+      <p:cxnSp>
+        <p:nvCxnSpPr>
+          <p:cNvPr id="11" name="Straight Arrow Connector 10">
+            <a:extLst>
+              <a:ext uri="{FF2B5EF4-FFF2-40B4-BE49-F238E27FC236}">
+                <a16:creationId xmlns:a16="http://schemas.microsoft.com/office/drawing/2014/main" id="{438D03CE-D1AB-466D-94C7-6556DBB46F99}"/>
+              </a:ext>
+            </a:extLst>
+          </p:cNvPr>
+          <p:cNvCxnSpPr>
+            <a:cxnSpLocks/>
+            <a:stCxn id="176" idx="1"/>
+          </p:cNvCxnSpPr>
+          <p:nvPr/>
+        </p:nvCxnSpPr>
+        <p:spPr>
+          <a:xfrm flipH="1">
+            <a:off x="6695176" y="5656567"/>
+            <a:ext cx="1847020" cy="341309"/>
+          </a:xfrm>
+          <a:prstGeom prst="straightConnector1">
+            <a:avLst/>
+          </a:prstGeom>
+          <a:ln>
+            <a:tailEnd type="triangle"/>
+          </a:ln>
+        </p:spPr>
+        <p:style>
+          <a:lnRef idx="2">
+            <a:schemeClr val="accent2"/>
+          </a:lnRef>
+          <a:fillRef idx="0">
+            <a:schemeClr val="accent2"/>
+          </a:fillRef>
+          <a:effectRef idx="1">
+            <a:schemeClr val="accent2"/>
+          </a:effectRef>
+          <a:fontRef idx="minor">
+            <a:schemeClr val="tx1"/>
+          </a:fontRef>
+        </p:style>
+      </p:cxnSp>
+      <p:cxnSp>
+        <p:nvCxnSpPr>
+          <p:cNvPr id="13" name="Straight Arrow Connector 12">
+            <a:extLst>
+              <a:ext uri="{FF2B5EF4-FFF2-40B4-BE49-F238E27FC236}">
+                <a16:creationId xmlns:a16="http://schemas.microsoft.com/office/drawing/2014/main" id="{608507FE-4D24-4084-97D9-83CB7513E339}"/>
+              </a:ext>
+            </a:extLst>
+          </p:cNvPr>
+          <p:cNvCxnSpPr>
+            <a:cxnSpLocks/>
+          </p:cNvCxnSpPr>
+          <p:nvPr/>
+        </p:nvCxnSpPr>
+        <p:spPr>
+          <a:xfrm flipH="1" flipV="1">
+            <a:off x="6718675" y="6291710"/>
+            <a:ext cx="1823520" cy="58478"/>
+          </a:xfrm>
+          <a:prstGeom prst="straightConnector1">
+            <a:avLst/>
+          </a:prstGeom>
+          <a:ln>
+            <a:tailEnd type="triangle"/>
+          </a:ln>
+        </p:spPr>
+        <p:style>
+          <a:lnRef idx="2">
+            <a:schemeClr val="accent2"/>
+          </a:lnRef>
+          <a:fillRef idx="0">
+            <a:schemeClr val="accent2"/>
+          </a:fillRef>
+          <a:effectRef idx="1">
+            <a:schemeClr val="accent2"/>
+          </a:effectRef>
+          <a:fontRef idx="minor">
+            <a:schemeClr val="tx1"/>
+          </a:fontRef>
+        </p:style>
+      </p:cxnSp>
+      <p:cxnSp>
+        <p:nvCxnSpPr>
+          <p:cNvPr id="15" name="Straight Arrow Connector 14">
+            <a:extLst>
+              <a:ext uri="{FF2B5EF4-FFF2-40B4-BE49-F238E27FC236}">
+                <a16:creationId xmlns:a16="http://schemas.microsoft.com/office/drawing/2014/main" id="{78DDA3BE-6056-42F2-A793-E7CB74C32476}"/>
+              </a:ext>
+            </a:extLst>
+          </p:cNvPr>
+          <p:cNvCxnSpPr>
+            <a:cxnSpLocks/>
+          </p:cNvCxnSpPr>
+          <p:nvPr/>
+        </p:nvCxnSpPr>
+        <p:spPr>
+          <a:xfrm flipH="1" flipV="1">
+            <a:off x="8023621" y="7036211"/>
+            <a:ext cx="518576" cy="86128"/>
+          </a:xfrm>
+          <a:prstGeom prst="straightConnector1">
+            <a:avLst/>
+          </a:prstGeom>
+          <a:ln>
+            <a:tailEnd type="triangle"/>
+          </a:ln>
+        </p:spPr>
+        <p:style>
+          <a:lnRef idx="2">
+            <a:schemeClr val="accent2"/>
+          </a:lnRef>
+          <a:fillRef idx="0">
+            <a:schemeClr val="accent2"/>
+          </a:fillRef>
+          <a:effectRef idx="1">
+            <a:schemeClr val="accent2"/>
+          </a:effectRef>
+          <a:fontRef idx="minor">
+            <a:schemeClr val="tx1"/>
+          </a:fontRef>
+        </p:style>
+      </p:cxnSp>
+    </p:spTree>
+  </p:cSld>
+  <p:clrMapOvr>
+    <a:masterClrMapping/>
+  </p:clrMapOvr>
+  <p:timing>
+    <p:tnLst>
+      <p:par>
+        <p:cTn id="1" dur="indefinite" restart="never" nodeType="tmRoot">
+          <p:childTnLst>
+            <p:seq>
+              <p:cTn id="2" dur="indefinite" nodeType="mainSeq">
+                <p:childTnLst>
+                  <p:par>
+                    <p:cTn id="3" fill="hold">
+                      <p:stCondLst>
+                        <p:cond delay="indefinite"/>
+                      </p:stCondLst>
+                      <p:childTnLst>
+                        <p:par>
+                          <p:cTn id="4" fill="hold">
+                            <p:stCondLst>
+                              <p:cond delay="0"/>
+                            </p:stCondLst>
+                            <p:childTnLst>
+                              <p:par>
+                                <p:cTn id="5" presetID="10" presetClass="entr" presetSubtype="0" fill="hold" grpId="0" nodeType="clickEffect">
+                                  <p:stCondLst>
+                                    <p:cond delay="0"/>
+                                  </p:stCondLst>
+                                  <p:childTnLst>
+                                    <p:set>
+                                      <p:cBhvr>
+                                        <p:cTn id="6" dur="1" fill="hold">
+                                          <p:stCondLst>
+                                            <p:cond delay="0"/>
+                                          </p:stCondLst>
+                                        </p:cTn>
+                                        <p:tgtEl>
+                                          <p:spTgt spid="172"/>
+                                        </p:tgtEl>
+                                        <p:attrNameLst>
+                                          <p:attrName>style.visibility</p:attrName>
+                                        </p:attrNameLst>
+                                      </p:cBhvr>
+                                      <p:to>
+                                        <p:strVal val="visible"/>
+                                      </p:to>
+                                    </p:set>
+                                    <p:animEffect transition="in" filter="fade">
+                                      <p:cBhvr>
+                                        <p:cTn id="7" dur="500"/>
+                                        <p:tgtEl>
+                                          <p:spTgt spid="172"/>
+                                        </p:tgtEl>
+                                      </p:cBhvr>
+                                    </p:animEffect>
+                                  </p:childTnLst>
+                                </p:cTn>
+                              </p:par>
+                            </p:childTnLst>
+                          </p:cTn>
+                        </p:par>
+                      </p:childTnLst>
+                    </p:cTn>
+                  </p:par>
+                  <p:par>
+                    <p:cTn id="8" fill="hold">
+                      <p:stCondLst>
+                        <p:cond delay="indefinite"/>
+                      </p:stCondLst>
+                      <p:childTnLst>
+                        <p:par>
+                          <p:cTn id="9" fill="hold">
+                            <p:stCondLst>
+                              <p:cond delay="0"/>
+                            </p:stCondLst>
+                            <p:childTnLst>
+                              <p:par>
+                                <p:cTn id="10" presetID="10" presetClass="entr" fill="hold" nodeType="clickEffect">
+                                  <p:stCondLst>
+                                    <p:cond delay="0"/>
+                                  </p:stCondLst>
+                                  <p:childTnLst>
+                                    <p:set>
+                                      <p:cBhvr>
+                                        <p:cTn id="11" dur="1" fill="hold">
+                                          <p:stCondLst>
+                                            <p:cond delay="0"/>
+                                          </p:stCondLst>
+                                        </p:cTn>
+                                        <p:tgtEl>
+                                          <p:spTgt spid="176"/>
+                                        </p:tgtEl>
+                                        <p:attrNameLst>
+                                          <p:attrName>style.visibility</p:attrName>
+                                        </p:attrNameLst>
+                                      </p:cBhvr>
+                                      <p:to>
+                                        <p:strVal val="visible"/>
+                                      </p:to>
+                                    </p:set>
+                                    <p:animEffect transition="in" filter="fade">
+                                      <p:cBhvr additive="repl">
+                                        <p:cTn id="12" dur="500"/>
+                                        <p:tgtEl>
+                                          <p:spTgt spid="176"/>
+                                        </p:tgtEl>
+                                      </p:cBhvr>
+                                    </p:animEffect>
+                                  </p:childTnLst>
+                                </p:cTn>
+                              </p:par>
+                              <p:par>
+                                <p:cTn id="13" presetID="10" presetClass="entr" presetSubtype="0" fill="hold" nodeType="withEffect">
+                                  <p:stCondLst>
+                                    <p:cond delay="0"/>
+                                  </p:stCondLst>
+                                  <p:childTnLst>
+                                    <p:set>
+                                      <p:cBhvr>
+                                        <p:cTn id="14" dur="1" fill="hold">
+                                          <p:stCondLst>
+                                            <p:cond delay="0"/>
+                                          </p:stCondLst>
+                                        </p:cTn>
+                                        <p:tgtEl>
+                                          <p:spTgt spid="11"/>
+                                        </p:tgtEl>
+                                        <p:attrNameLst>
+                                          <p:attrName>style.visibility</p:attrName>
+                                        </p:attrNameLst>
+                                      </p:cBhvr>
+                                      <p:to>
+                                        <p:strVal val="visible"/>
+                                      </p:to>
+                                    </p:set>
+                                    <p:animEffect transition="in" filter="fade">
+                                      <p:cBhvr>
+                                        <p:cTn id="15" dur="500"/>
+                                        <p:tgtEl>
+                                          <p:spTgt spid="11"/>
+                                        </p:tgtEl>
+                                      </p:cBhvr>
+                                    </p:animEffect>
+                                  </p:childTnLst>
+                                </p:cTn>
+                              </p:par>
+                            </p:childTnLst>
+                          </p:cTn>
+                        </p:par>
+                      </p:childTnLst>
+                    </p:cTn>
+                  </p:par>
+                  <p:par>
+                    <p:cTn id="16" fill="hold">
+                      <p:stCondLst>
+                        <p:cond delay="indefinite"/>
+                      </p:stCondLst>
+                      <p:childTnLst>
+                        <p:par>
+                          <p:cTn id="17" fill="hold">
+                            <p:stCondLst>
+                              <p:cond delay="0"/>
+                            </p:stCondLst>
+                            <p:childTnLst>
+                              <p:par>
+                                <p:cTn id="18" presetID="10" presetClass="entr" fill="hold" nodeType="clickEffect">
+                                  <p:stCondLst>
+                                    <p:cond delay="0"/>
+                                  </p:stCondLst>
+                                  <p:childTnLst>
+                                    <p:set>
+                                      <p:cBhvr>
+                                        <p:cTn id="19" dur="1" fill="hold">
+                                          <p:stCondLst>
+                                            <p:cond delay="0"/>
+                                          </p:stCondLst>
+                                        </p:cTn>
+                                        <p:tgtEl>
+                                          <p:spTgt spid="177"/>
+                                        </p:tgtEl>
+                                        <p:attrNameLst>
+                                          <p:attrName>style.visibility</p:attrName>
+                                        </p:attrNameLst>
+                                      </p:cBhvr>
+                                      <p:to>
+                                        <p:strVal val="visible"/>
+                                      </p:to>
+                                    </p:set>
+                                    <p:animEffect transition="in" filter="fade">
+                                      <p:cBhvr additive="repl">
+                                        <p:cTn id="20" dur="500"/>
+                                        <p:tgtEl>
+                                          <p:spTgt spid="177"/>
+                                        </p:tgtEl>
+                                      </p:cBhvr>
+                                    </p:animEffect>
+                                  </p:childTnLst>
+                                </p:cTn>
+                              </p:par>
+                              <p:par>
+                                <p:cTn id="21" presetID="10" presetClass="entr" presetSubtype="0" fill="hold" nodeType="withEffect">
+                                  <p:stCondLst>
+                                    <p:cond delay="0"/>
+                                  </p:stCondLst>
+                                  <p:childTnLst>
+                                    <p:set>
+                                      <p:cBhvr>
+                                        <p:cTn id="22" dur="1" fill="hold">
+                                          <p:stCondLst>
+                                            <p:cond delay="0"/>
+                                          </p:stCondLst>
+                                        </p:cTn>
+                                        <p:tgtEl>
+                                          <p:spTgt spid="13"/>
+                                        </p:tgtEl>
+                                        <p:attrNameLst>
+                                          <p:attrName>style.visibility</p:attrName>
+                                        </p:attrNameLst>
+                                      </p:cBhvr>
+                                      <p:to>
+                                        <p:strVal val="visible"/>
+                                      </p:to>
+                                    </p:set>
+                                    <p:animEffect transition="in" filter="fade">
+                                      <p:cBhvr>
+                                        <p:cTn id="23" dur="500"/>
+                                        <p:tgtEl>
+                                          <p:spTgt spid="13"/>
+                                        </p:tgtEl>
+                                      </p:cBhvr>
+                                    </p:animEffect>
+                                  </p:childTnLst>
+                                </p:cTn>
+                              </p:par>
+                            </p:childTnLst>
+                          </p:cTn>
+                        </p:par>
+                      </p:childTnLst>
+                    </p:cTn>
+                  </p:par>
+                  <p:par>
+                    <p:cTn id="24" fill="hold">
+                      <p:stCondLst>
+                        <p:cond delay="indefinite"/>
+                      </p:stCondLst>
+                      <p:childTnLst>
+                        <p:par>
+                          <p:cTn id="25" fill="hold">
+                            <p:stCondLst>
+                              <p:cond delay="0"/>
+                            </p:stCondLst>
+                            <p:childTnLst>
+                              <p:par>
+                                <p:cTn id="26" presetID="10" presetClass="entr" fill="hold" nodeType="clickEffect">
+                                  <p:stCondLst>
+                                    <p:cond delay="0"/>
+                                  </p:stCondLst>
+                                  <p:childTnLst>
+                                    <p:set>
+                                      <p:cBhvr>
+                                        <p:cTn id="27" dur="1" fill="hold">
+                                          <p:stCondLst>
+                                            <p:cond delay="0"/>
+                                          </p:stCondLst>
+                                        </p:cTn>
+                                        <p:tgtEl>
+                                          <p:spTgt spid="174"/>
+                                        </p:tgtEl>
+                                        <p:attrNameLst>
+                                          <p:attrName>style.visibility</p:attrName>
+                                        </p:attrNameLst>
+                                      </p:cBhvr>
+                                      <p:to>
+                                        <p:strVal val="visible"/>
+                                      </p:to>
+                                    </p:set>
+                                    <p:animEffect transition="in" filter="fade">
+                                      <p:cBhvr additive="repl">
+                                        <p:cTn id="28" dur="500"/>
+                                        <p:tgtEl>
+                                          <p:spTgt spid="174"/>
+                                        </p:tgtEl>
+                                      </p:cBhvr>
+                                    </p:animEffect>
+                                  </p:childTnLst>
+                                </p:cTn>
+                              </p:par>
+                              <p:par>
+                                <p:cTn id="29" presetID="10" presetClass="entr" presetSubtype="0" fill="hold" nodeType="withEffect">
+                                  <p:stCondLst>
+                                    <p:cond delay="0"/>
+                                  </p:stCondLst>
+                                  <p:childTnLst>
+                                    <p:set>
+                                      <p:cBhvr>
+                                        <p:cTn id="30" dur="1" fill="hold">
+                                          <p:stCondLst>
+                                            <p:cond delay="0"/>
+                                          </p:stCondLst>
+                                        </p:cTn>
+                                        <p:tgtEl>
+                                          <p:spTgt spid="15"/>
+                                        </p:tgtEl>
+                                        <p:attrNameLst>
+                                          <p:attrName>style.visibility</p:attrName>
+                                        </p:attrNameLst>
+                                      </p:cBhvr>
+                                      <p:to>
+                                        <p:strVal val="visible"/>
+                                      </p:to>
+                                    </p:set>
+                                    <p:animEffect transition="in" filter="fade">
+                                      <p:cBhvr>
+                                        <p:cTn id="31" dur="500"/>
+                                        <p:tgtEl>
+                                          <p:spTgt spid="15"/>
+                                        </p:tgtEl>
+                                      </p:cBhvr>
+                                    </p:animEffect>
+                                  </p:childTnLst>
+                                </p:cTn>
+                              </p:par>
+                            </p:childTnLst>
+                          </p:cTn>
+                        </p:par>
+                      </p:childTnLst>
+                    </p:cTn>
+                  </p:par>
+                </p:childTnLst>
+              </p:cTn>
+              <p:prevCondLst>
+                <p:cond evt="onPrev" delay="0">
+                  <p:tgtEl>
+                    <p:sldTgt/>
+                  </p:tgtEl>
+                </p:cond>
+              </p:prevCondLst>
+              <p:nextCondLst>
+                <p:cond evt="onNext" delay="0">
+                  <p:tgtEl>
+                    <p:sldTgt/>
+                  </p:tgtEl>
+                </p:cond>
+              </p:nextCondLst>
+            </p:seq>
+          </p:childTnLst>
+        </p:cTn>
+      </p:par>
+    </p:tnLst>
+    <p:bldLst>
+      <p:bldP spid="172" grpId="0"/>
+    </p:bldLst>
+  </p:timing>
+</p:sld>
+</file>
+
 <file path=ppt/slides/slide4.xml><?xml version="1.0" encoding="utf-8"?>
 <p:sld xmlns:a="http://schemas.openxmlformats.org/drawingml/2006/main" xmlns:r="http://schemas.openxmlformats.org/officeDocument/2006/relationships" xmlns:p="http://schemas.openxmlformats.org/presentationml/2006/main">
   <p:cSld>
@@ -15092,7 +17364,7 @@
               <a:buChar char="•"/>
             </a:pPr>
             <a:r>
-              <a:rPr lang="en-US" sz="2000"/>
+              <a:rPr lang="en-US" sz="2000" dirty="0"/>
               <a:t>Node has a small core API</a:t>
             </a:r>
           </a:p>
@@ -15109,7 +17381,7 @@
               <a:buChar char="•"/>
             </a:pPr>
             <a:r>
-              <a:rPr lang="en-US" sz="2000"/>
+              <a:rPr lang="en-US" sz="2000" dirty="0"/>
               <a:t>Most applications depend on third party modules</a:t>
             </a:r>
           </a:p>
@@ -15126,7 +17398,7 @@
               <a:buChar char="•"/>
             </a:pPr>
             <a:r>
-              <a:rPr lang="en-US" sz="2000"/>
+              <a:rPr lang="en-US" sz="2000" dirty="0"/>
               <a:t>Curated in online registry called the Node Package Manager system (NPM)</a:t>
             </a:r>
           </a:p>
@@ -15143,15 +17415,15 @@
               <a:buChar char="•"/>
             </a:pPr>
             <a:r>
-              <a:rPr lang="en-US" sz="2000"/>
+              <a:rPr lang="en-US" sz="2000" dirty="0"/>
               <a:t>NPM downloads and installs modules, placing them into a </a:t>
             </a:r>
             <a:r>
-              <a:rPr lang="en-US" sz="2000" b="1"/>
+              <a:rPr lang="en-US" sz="2000" b="1" dirty="0" err="1"/>
               <a:t>node_modules</a:t>
             </a:r>
             <a:r>
-              <a:rPr lang="en-US" sz="2000"/>
+              <a:rPr lang="en-US" sz="2000" dirty="0"/>
               <a:t> folder in your current folder.</a:t>
             </a:r>
           </a:p>
@@ -15519,8 +17791,8 @@
             <a:chExt cx="4312080" cy="5390640"/>
           </a:xfrm>
         </p:grpSpPr>
-        <mc:AlternateContent xmlns:mc="http://schemas.openxmlformats.org/markup-compatibility/2006">
-          <mc:Choice xmlns:p14="http://schemas.microsoft.com/office/powerpoint/2010/main" Requires="p14">
+        <mc:AlternateContent xmlns:mc="http://schemas.openxmlformats.org/markup-compatibility/2006" xmlns:p14="http://schemas.microsoft.com/office/powerpoint/2010/main">
+          <mc:Choice Requires="p14">
             <p:contentPart p14:bwMode="auto" r:id="rId6">
               <p14:nvContentPartPr>
                 <p14:cNvPr id="8" name="Ink 7">
@@ -15539,7 +17811,7 @@
               </p14:xfrm>
             </p:contentPart>
           </mc:Choice>
-          <mc:Fallback>
+          <mc:Fallback xmlns="">
             <p:pic>
               <p:nvPicPr>
                 <p:cNvPr id="8" name="Ink 7">
@@ -15570,8 +17842,8 @@
             </p:pic>
           </mc:Fallback>
         </mc:AlternateContent>
-        <mc:AlternateContent xmlns:mc="http://schemas.openxmlformats.org/markup-compatibility/2006">
-          <mc:Choice xmlns:p14="http://schemas.microsoft.com/office/powerpoint/2010/main" Requires="p14">
+        <mc:AlternateContent xmlns:mc="http://schemas.openxmlformats.org/markup-compatibility/2006" xmlns:p14="http://schemas.microsoft.com/office/powerpoint/2010/main">
+          <mc:Choice Requires="p14">
             <p:contentPart p14:bwMode="auto" r:id="rId8">
               <p14:nvContentPartPr>
                 <p14:cNvPr id="9" name="Ink 8">
@@ -15590,7 +17862,7 @@
               </p14:xfrm>
             </p:contentPart>
           </mc:Choice>
-          <mc:Fallback>
+          <mc:Fallback xmlns="">
             <p:pic>
               <p:nvPicPr>
                 <p:cNvPr id="9" name="Ink 8">
@@ -16055,10 +18327,10 @@
               <a:buChar char="•"/>
             </a:pPr>
             <a:r>
-              <a:rPr lang="en-IE" sz="2900"/>
+              <a:rPr lang="en-IE" sz="2900" dirty="0"/>
               <a:t>You can use NPM to manage your node projects</a:t>
             </a:r>
-            <a:endParaRPr lang="en-US" sz="2900"/>
+            <a:endParaRPr lang="en-US" sz="2900" dirty="0"/>
           </a:p>
           <a:p>
             <a:pPr marL="342902" indent="-342902">
@@ -16069,10 +18341,10 @@
               <a:buChar char="•"/>
             </a:pPr>
             <a:r>
-              <a:rPr lang="en-IE" sz="2900"/>
+              <a:rPr lang="en-IE" sz="2900" dirty="0"/>
               <a:t>Run the following in the root folder of your app/project:</a:t>
             </a:r>
-            <a:endParaRPr lang="en-IE" sz="2900">
+            <a:endParaRPr lang="en-IE" sz="2900" dirty="0">
               <a:cs typeface="Arial"/>
             </a:endParaRPr>
           </a:p>
@@ -16083,14 +18355,22 @@
               </a:spcAft>
             </a:pPr>
             <a:r>
-              <a:rPr lang="en-IE" sz="2900"/>
+              <a:rPr lang="en-IE" sz="2900" dirty="0"/>
               <a:t>		</a:t>
             </a:r>
             <a:r>
-              <a:rPr lang="en-IE" sz="2900" b="1"/>
-              <a:t>npm init</a:t>
-            </a:r>
-            <a:endParaRPr lang="en-IE" sz="2900" b="1">
+              <a:rPr lang="en-IE" sz="2900" b="1" dirty="0" err="1"/>
+              <a:t>npm</a:t>
+            </a:r>
+            <a:r>
+              <a:rPr lang="en-IE" sz="2900" b="1" dirty="0"/>
+              <a:t> </a:t>
+            </a:r>
+            <a:r>
+              <a:rPr lang="en-IE" sz="2900" b="1" dirty="0" err="1"/>
+              <a:t>init</a:t>
+            </a:r>
+            <a:endParaRPr lang="en-IE" sz="2900" b="1" dirty="0">
               <a:cs typeface="Arial"/>
             </a:endParaRPr>
           </a:p>
@@ -16103,18 +18383,22 @@
               <a:buChar char="•"/>
             </a:pPr>
             <a:r>
-              <a:rPr lang="en-IE" sz="2900"/>
+              <a:rPr lang="en-IE" sz="2900" dirty="0"/>
               <a:t>This will ask you a bunch of questions, and then create a </a:t>
             </a:r>
             <a:r>
-              <a:rPr lang="en-IE" sz="2900" b="1"/>
-              <a:t>package.json </a:t>
-            </a:r>
-            <a:r>
-              <a:rPr lang="en-IE" sz="2900"/>
+              <a:rPr lang="en-IE" sz="2900" b="1" dirty="0" err="1"/>
+              <a:t>package.json</a:t>
+            </a:r>
+            <a:r>
+              <a:rPr lang="en-IE" sz="2900" b="1" dirty="0"/>
+              <a:t> </a:t>
+            </a:r>
+            <a:r>
+              <a:rPr lang="en-IE" sz="2900" dirty="0"/>
               <a:t>for you.</a:t>
             </a:r>
-            <a:endParaRPr lang="en-IE" sz="2900">
+            <a:endParaRPr lang="en-IE" sz="2900" dirty="0">
               <a:cs typeface="Arial"/>
             </a:endParaRPr>
           </a:p>
@@ -16127,10 +18411,18 @@
               <a:buChar char="•"/>
             </a:pPr>
             <a:r>
-              <a:rPr lang="en-IE" sz="2900"/>
-              <a:t>It attempts to make reasonable guesses about what you want things to be set to, and then writes a package.json file with the options you've selected.</a:t>
-            </a:r>
-            <a:endParaRPr lang="en-IE" sz="2900">
+              <a:rPr lang="en-IE" sz="2900" dirty="0"/>
+              <a:t>It attempts to make reasonable guesses about what you want things to be set to, and then writes a </a:t>
+            </a:r>
+            <a:r>
+              <a:rPr lang="en-IE" sz="2900" dirty="0" err="1"/>
+              <a:t>package.json</a:t>
+            </a:r>
+            <a:r>
+              <a:rPr lang="en-IE" sz="2900" dirty="0"/>
+              <a:t> file with the options you've selected.</a:t>
+            </a:r>
+            <a:endParaRPr lang="en-IE" sz="2900" dirty="0">
               <a:cs typeface="Arial"/>
             </a:endParaRPr>
           </a:p>
@@ -16140,7 +18432,7 @@
                 <a:spcPts val="600"/>
               </a:spcAft>
             </a:pPr>
-            <a:endParaRPr lang="en-IE" sz="2900"/>
+            <a:endParaRPr lang="en-IE" sz="2900" dirty="0"/>
           </a:p>
           <a:p>
             <a:pPr>
@@ -16148,7 +18440,7 @@
                 <a:spcPts val="600"/>
               </a:spcAft>
             </a:pPr>
-            <a:endParaRPr lang="en-IE" sz="2900"/>
+            <a:endParaRPr lang="en-IE" sz="2900" dirty="0"/>
           </a:p>
         </p:txBody>
       </p:sp>
@@ -16166,6 +18458,409 @@
 </file>
 
 <file path=ppt/slides/slide6.xml><?xml version="1.0" encoding="utf-8"?>
+<p:sld xmlns:a="http://schemas.openxmlformats.org/drawingml/2006/main" xmlns:r="http://schemas.openxmlformats.org/officeDocument/2006/relationships" xmlns:p="http://schemas.openxmlformats.org/presentationml/2006/main">
+  <p:cSld>
+    <p:bg>
+      <p:bgPr>
+        <a:solidFill>
+          <a:schemeClr val="bg1"/>
+        </a:solidFill>
+        <a:effectLst/>
+      </p:bgPr>
+    </p:bg>
+    <p:spTree>
+      <p:nvGrpSpPr>
+        <p:cNvPr id="1" name=""/>
+        <p:cNvGrpSpPr/>
+        <p:nvPr/>
+      </p:nvGrpSpPr>
+      <p:grpSpPr>
+        <a:xfrm>
+          <a:off x="0" y="0"/>
+          <a:ext cx="0" cy="0"/>
+          <a:chOff x="0" y="0"/>
+          <a:chExt cx="0" cy="0"/>
+        </a:xfrm>
+      </p:grpSpPr>
+      <p:sp>
+        <p:nvSpPr>
+          <p:cNvPr id="2" name="Title 1"/>
+          <p:cNvSpPr>
+            <a:spLocks noGrp="1"/>
+          </p:cNvSpPr>
+          <p:nvPr>
+            <p:ph type="title"/>
+          </p:nvPr>
+        </p:nvSpPr>
+        <p:spPr>
+          <a:xfrm>
+            <a:off x="1252734" y="691773"/>
+            <a:ext cx="8239107" cy="1461187"/>
+          </a:xfrm>
+        </p:spPr>
+        <p:txBody>
+          <a:bodyPr>
+            <a:normAutofit/>
+          </a:bodyPr>
+          <a:lstStyle/>
+          <a:p>
+            <a:r>
+              <a:rPr lang="en-IE"/>
+              <a:t>NPM Common Commands</a:t>
+            </a:r>
+          </a:p>
+        </p:txBody>
+      </p:sp>
+      <p:sp>
+        <p:nvSpPr>
+          <p:cNvPr id="3" name="Text Placeholder 2"/>
+          <p:cNvSpPr>
+            <a:spLocks noGrp="1"/>
+          </p:cNvSpPr>
+          <p:nvPr>
+            <p:ph type="body"/>
+          </p:nvPr>
+        </p:nvSpPr>
+        <p:spPr>
+          <a:xfrm>
+            <a:off x="1252735" y="2511263"/>
+            <a:ext cx="7129813" cy="3803662"/>
+          </a:xfrm>
+        </p:spPr>
+        <p:txBody>
+          <a:bodyPr anchor="ctr">
+            <a:normAutofit/>
+          </a:bodyPr>
+          <a:lstStyle/>
+          <a:p>
+            <a:pPr marL="342900" indent="-342900">
+              <a:spcAft>
+                <a:spcPts val="600"/>
+              </a:spcAft>
+              <a:buFont typeface="Arial" panose="020B0604020202020204" pitchFamily="34" charset="0"/>
+              <a:buChar char="•"/>
+            </a:pPr>
+            <a:r>
+              <a:rPr lang="en-IE" sz="1800" b="1"/>
+              <a:t>npm init </a:t>
+            </a:r>
+            <a:br>
+              <a:rPr lang="en-IE" sz="1800" b="1"/>
+            </a:br>
+            <a:r>
+              <a:rPr lang="en-IE" sz="1800" b="1"/>
+              <a:t>	</a:t>
+            </a:r>
+            <a:r>
+              <a:rPr lang="en-IE" sz="1800" i="1"/>
+              <a:t>initialize a package.json file</a:t>
+            </a:r>
+          </a:p>
+          <a:p>
+            <a:pPr marL="342900" indent="-342900">
+              <a:spcAft>
+                <a:spcPts val="600"/>
+              </a:spcAft>
+              <a:buFont typeface="Arial" panose="020B0604020202020204" pitchFamily="34" charset="0"/>
+              <a:buChar char="•"/>
+            </a:pPr>
+            <a:r>
+              <a:rPr lang="en-IE" sz="1800" b="1"/>
+              <a:t>npm install &lt;package name&gt; -g </a:t>
+            </a:r>
+            <a:br>
+              <a:rPr lang="en-IE" sz="1800" b="1"/>
+            </a:br>
+            <a:r>
+              <a:rPr lang="en-IE" sz="1800" b="1"/>
+              <a:t>	</a:t>
+            </a:r>
+            <a:r>
+              <a:rPr lang="en-IE" sz="1800" i="1"/>
+              <a:t>install a package, if –g option is given package will be installed globally,</a:t>
+            </a:r>
+          </a:p>
+          <a:p>
+            <a:pPr marL="342900" indent="-342900">
+              <a:spcAft>
+                <a:spcPts val="600"/>
+              </a:spcAft>
+              <a:buFont typeface="Arial" panose="020B0604020202020204" pitchFamily="34" charset="0"/>
+              <a:buChar char="•"/>
+            </a:pPr>
+            <a:r>
+              <a:rPr lang="en-IE" sz="1800" b="1" i="1"/>
+              <a:t>--save </a:t>
+            </a:r>
+            <a:r>
+              <a:rPr lang="en-IE" sz="1800" i="1"/>
+              <a:t>and </a:t>
+            </a:r>
+            <a:r>
+              <a:rPr lang="en-IE" sz="1800" b="1" i="1"/>
+              <a:t>--save-dev </a:t>
+            </a:r>
+          </a:p>
+          <a:p>
+            <a:pPr>
+              <a:spcAft>
+                <a:spcPts val="600"/>
+              </a:spcAft>
+            </a:pPr>
+            <a:r>
+              <a:rPr lang="en-IE" sz="1800" i="1"/>
+              <a:t>	add package to your dependencies</a:t>
+            </a:r>
+          </a:p>
+          <a:p>
+            <a:pPr marL="342900" indent="-342900">
+              <a:spcAft>
+                <a:spcPts val="600"/>
+              </a:spcAft>
+              <a:buFont typeface="Arial" panose="020B0604020202020204" pitchFamily="34" charset="0"/>
+              <a:buChar char="•"/>
+            </a:pPr>
+            <a:r>
+              <a:rPr lang="en-IE" sz="1800" b="1"/>
+              <a:t>npm install </a:t>
+            </a:r>
+            <a:br>
+              <a:rPr lang="en-IE" sz="1800" b="1"/>
+            </a:br>
+            <a:r>
+              <a:rPr lang="en-IE" sz="1800" b="1"/>
+              <a:t>	</a:t>
+            </a:r>
+            <a:r>
+              <a:rPr lang="en-IE" sz="1800" i="1"/>
+              <a:t>install packages listed in package.json</a:t>
+            </a:r>
+          </a:p>
+          <a:p>
+            <a:pPr marL="342900" indent="-342900">
+              <a:spcAft>
+                <a:spcPts val="600"/>
+              </a:spcAft>
+              <a:buFont typeface="Arial" panose="020B0604020202020204" pitchFamily="34" charset="0"/>
+              <a:buChar char="•"/>
+            </a:pPr>
+            <a:r>
+              <a:rPr lang="en-IE" sz="1800" b="1"/>
+              <a:t>npm ls –g </a:t>
+            </a:r>
+            <a:br>
+              <a:rPr lang="en-IE" sz="1800" b="1"/>
+            </a:br>
+            <a:r>
+              <a:rPr lang="en-IE" sz="1800" b="1"/>
+              <a:t>	</a:t>
+            </a:r>
+            <a:r>
+              <a:rPr lang="en-IE" sz="1800" i="1"/>
+              <a:t>list local packages (without –g) or global packages (with –g)</a:t>
+            </a:r>
+          </a:p>
+          <a:p>
+            <a:pPr marL="342900" indent="-342900">
+              <a:spcAft>
+                <a:spcPts val="600"/>
+              </a:spcAft>
+              <a:buFont typeface="Arial" panose="020B0604020202020204" pitchFamily="34" charset="0"/>
+              <a:buChar char="•"/>
+            </a:pPr>
+            <a:r>
+              <a:rPr lang="en-IE" sz="1800" b="1"/>
+              <a:t>npm update &lt;package name&gt; </a:t>
+            </a:r>
+            <a:r>
+              <a:rPr lang="en-IE" sz="1800" i="1"/>
+              <a:t>update a package</a:t>
+            </a:r>
+            <a:endParaRPr lang="en-IE" sz="1800"/>
+          </a:p>
+        </p:txBody>
+      </p:sp>
+      <p:sp>
+        <p:nvSpPr>
+          <p:cNvPr id="10" name="Rectangle 9">
+            <a:extLst>
+              <a:ext uri="{FF2B5EF4-FFF2-40B4-BE49-F238E27FC236}">
+                <a16:creationId xmlns:a16="http://schemas.microsoft.com/office/drawing/2014/main" id="{59A309A7-1751-4ABE-A3C1-EEC40366AD89}"/>
+              </a:ext>
+              <a:ext uri="{C183D7F6-B498-43B3-948B-1728B52AA6E4}">
+                <adec:decorative xmlns:adec="http://schemas.microsoft.com/office/drawing/2017/decorative" val="1"/>
+              </a:ext>
+            </a:extLst>
+          </p:cNvPr>
+          <p:cNvSpPr>
+            <a:spLocks noGrp="1" noRot="1" noChangeAspect="1" noMove="1" noResize="1" noEditPoints="1" noAdjustHandles="1" noChangeArrowheads="1" noChangeShapeType="1" noTextEdit="1"/>
+          </p:cNvSpPr>
+          <p:nvPr>
+            <p:extLst>
+              <p:ext uri="{386F3935-93C4-4BCD-93E2-E3B085C9AB24}">
+                <p16:designElem xmlns:p16="http://schemas.microsoft.com/office/powerpoint/2015/main" val="1"/>
+              </p:ext>
+            </p:extLst>
+          </p:nvPr>
+        </p:nvSpPr>
+        <p:spPr>
+          <a:xfrm>
+            <a:off x="11121413" y="0"/>
+            <a:ext cx="2318362" cy="7559675"/>
+          </a:xfrm>
+          <a:prstGeom prst="rect">
+            <a:avLst/>
+          </a:prstGeom>
+          <a:solidFill>
+            <a:schemeClr val="accent1"/>
+          </a:solidFill>
+          <a:ln>
+            <a:noFill/>
+          </a:ln>
+        </p:spPr>
+        <p:style>
+          <a:lnRef idx="2">
+            <a:schemeClr val="accent1">
+              <a:shade val="50000"/>
+            </a:schemeClr>
+          </a:lnRef>
+          <a:fillRef idx="1">
+            <a:schemeClr val="accent1"/>
+          </a:fillRef>
+          <a:effectRef idx="0">
+            <a:schemeClr val="accent1"/>
+          </a:effectRef>
+          <a:fontRef idx="minor">
+            <a:schemeClr val="lt1"/>
+          </a:fontRef>
+        </p:style>
+        <p:txBody>
+          <a:bodyPr rtlCol="0" anchor="ctr"/>
+          <a:lstStyle/>
+          <a:p>
+            <a:pPr algn="ctr"/>
+            <a:endParaRPr lang="en-US"/>
+          </a:p>
+        </p:txBody>
+      </p:sp>
+      <p:sp>
+        <p:nvSpPr>
+          <p:cNvPr id="12" name="Oval 11">
+            <a:extLst>
+              <a:ext uri="{FF2B5EF4-FFF2-40B4-BE49-F238E27FC236}">
+                <a16:creationId xmlns:a16="http://schemas.microsoft.com/office/drawing/2014/main" id="{967D8EB6-EAE1-4F9C-B398-83321E287204}"/>
+              </a:ext>
+              <a:ext uri="{C183D7F6-B498-43B3-948B-1728B52AA6E4}">
+                <adec:decorative xmlns:adec="http://schemas.microsoft.com/office/drawing/2017/decorative" val="1"/>
+              </a:ext>
+            </a:extLst>
+          </p:cNvPr>
+          <p:cNvSpPr>
+            <a:spLocks noGrp="1" noRot="1" noChangeAspect="1" noMove="1" noResize="1" noEditPoints="1" noAdjustHandles="1" noChangeArrowheads="1" noChangeShapeType="1" noTextEdit="1"/>
+          </p:cNvSpPr>
+          <p:nvPr>
+            <p:extLst>
+              <p:ext uri="{386F3935-93C4-4BCD-93E2-E3B085C9AB24}">
+                <p16:designElem xmlns:p16="http://schemas.microsoft.com/office/powerpoint/2015/main" val="1"/>
+              </p:ext>
+            </p:extLst>
+          </p:nvPr>
+        </p:nvSpPr>
+        <p:spPr>
+          <a:xfrm>
+            <a:off x="9827835" y="2600264"/>
+            <a:ext cx="2359205" cy="2359144"/>
+          </a:xfrm>
+          <a:prstGeom prst="ellipse">
+            <a:avLst/>
+          </a:prstGeom>
+          <a:solidFill>
+            <a:srgbClr val="FFFFFF"/>
+          </a:solidFill>
+          <a:ln w="22225">
+            <a:solidFill>
+              <a:schemeClr val="accent1"/>
+            </a:solidFill>
+          </a:ln>
+        </p:spPr>
+        <p:style>
+          <a:lnRef idx="2">
+            <a:schemeClr val="accent1">
+              <a:shade val="50000"/>
+            </a:schemeClr>
+          </a:lnRef>
+          <a:fillRef idx="1">
+            <a:schemeClr val="accent1"/>
+          </a:fillRef>
+          <a:effectRef idx="0">
+            <a:schemeClr val="accent1"/>
+          </a:effectRef>
+          <a:fontRef idx="minor">
+            <a:schemeClr val="lt1"/>
+          </a:fontRef>
+        </p:style>
+        <p:txBody>
+          <a:bodyPr rtlCol="0" anchor="ctr"/>
+          <a:lstStyle/>
+          <a:p>
+            <a:pPr algn="ctr"/>
+            <a:endParaRPr lang="en-US"/>
+          </a:p>
+        </p:txBody>
+      </p:sp>
+      <p:pic>
+        <p:nvPicPr>
+          <p:cNvPr id="7" name="Graphic 6" descr="Download">
+            <a:extLst>
+              <a:ext uri="{FF2B5EF4-FFF2-40B4-BE49-F238E27FC236}">
+                <a16:creationId xmlns:a16="http://schemas.microsoft.com/office/drawing/2014/main" id="{CDD05221-8BED-AB37-6CFC-94602BAAD7B0}"/>
+              </a:ext>
+            </a:extLst>
+          </p:cNvPr>
+          <p:cNvPicPr>
+            <a:picLocks noChangeAspect="1"/>
+          </p:cNvPicPr>
+          <p:nvPr/>
+        </p:nvPicPr>
+        <p:blipFill>
+          <a:blip r:embed="rId2">
+            <a:extLst>
+              <a:ext uri="{28A0092B-C50C-407E-A947-70E740481C1C}">
+                <a14:useLocalDpi xmlns:a14="http://schemas.microsoft.com/office/drawing/2010/main" val="0"/>
+              </a:ext>
+              <a:ext uri="{96DAC541-7B7A-43D3-8B79-37D633B846F1}">
+                <asvg:svgBlip xmlns:asvg="http://schemas.microsoft.com/office/drawing/2016/SVG/main" r:embed="rId3"/>
+              </a:ext>
+            </a:extLst>
+          </a:blip>
+          <a:stretch>
+            <a:fillRect/>
+          </a:stretch>
+        </p:blipFill>
+        <p:spPr>
+          <a:xfrm>
+            <a:off x="10377465" y="3149865"/>
+            <a:ext cx="1259944" cy="1259944"/>
+          </a:xfrm>
+          <a:prstGeom prst="rect">
+            <a:avLst/>
+          </a:prstGeom>
+        </p:spPr>
+      </p:pic>
+    </p:spTree>
+    <p:extLst>
+      <p:ext uri="{BB962C8B-B14F-4D97-AF65-F5344CB8AC3E}">
+        <p14:creationId xmlns:p14="http://schemas.microsoft.com/office/powerpoint/2010/main" val="3728842937"/>
+      </p:ext>
+    </p:extLst>
+  </p:cSld>
+  <p:clrMapOvr>
+    <a:masterClrMapping/>
+  </p:clrMapOvr>
+</p:sld>
+</file>
+
+<file path=ppt/slides/slide7.xml><?xml version="1.0" encoding="utf-8"?>
 <p:sld xmlns:a="http://schemas.openxmlformats.org/drawingml/2006/main" xmlns:r="http://schemas.openxmlformats.org/officeDocument/2006/relationships" xmlns:p="http://schemas.openxmlformats.org/presentationml/2006/main">
   <p:cSld>
     <p:bg>
@@ -16376,7 +19071,7 @@
               <a:rPr lang="en-GB" sz="2900" dirty="0">
                 <a:latin typeface="Lato"/>
               </a:rPr>
-              <a:t>Very good for one-off commands/tests</a:t>
+              <a:t>Very good for one-off commands/tests (like in-class demos!)</a:t>
             </a:r>
           </a:p>
           <a:p>
@@ -16482,7 +19177,7 @@
 </p:sld>
 </file>
 
-<file path=ppt/slides/slide7.xml><?xml version="1.0" encoding="utf-8"?>
+<file path=ppt/slides/slide8.xml><?xml version="1.0" encoding="utf-8"?>
 <p:sld xmlns:a="http://schemas.openxmlformats.org/drawingml/2006/main" xmlns:r="http://schemas.openxmlformats.org/officeDocument/2006/relationships" xmlns:p="http://schemas.openxmlformats.org/presentationml/2006/main">
   <p:cSld>
     <p:bg>
@@ -16891,7 +19586,7 @@
 </p:sld>
 </file>
 
-<file path=ppt/slides/slide8.xml><?xml version="1.0" encoding="utf-8"?>
+<file path=ppt/slides/slide9.xml><?xml version="1.0" encoding="utf-8"?>
 <p:sld xmlns:a="http://schemas.openxmlformats.org/drawingml/2006/main" xmlns:r="http://schemas.openxmlformats.org/officeDocument/2006/relationships" xmlns:p="http://schemas.openxmlformats.org/presentationml/2006/main">
   <p:cSld>
     <p:bg>
@@ -17692,243 +20387,6 @@
     <p:extLst>
       <p:ext uri="{BB962C8B-B14F-4D97-AF65-F5344CB8AC3E}">
         <p14:creationId xmlns:p14="http://schemas.microsoft.com/office/powerpoint/2010/main" val="317016094"/>
-      </p:ext>
-    </p:extLst>
-  </p:cSld>
-  <p:clrMapOvr>
-    <a:masterClrMapping/>
-  </p:clrMapOvr>
-</p:sld>
-</file>
-
-<file path=ppt/slides/slide9.xml><?xml version="1.0" encoding="utf-8"?>
-<p:sld xmlns:a="http://schemas.openxmlformats.org/drawingml/2006/main" xmlns:r="http://schemas.openxmlformats.org/officeDocument/2006/relationships" xmlns:p="http://schemas.openxmlformats.org/presentationml/2006/main">
-  <p:cSld>
-    <p:bg>
-      <p:bgPr>
-        <a:solidFill>
-          <a:schemeClr val="bg1"/>
-        </a:solidFill>
-        <a:effectLst/>
-      </p:bgPr>
-    </p:bg>
-    <p:spTree>
-      <p:nvGrpSpPr>
-        <p:cNvPr id="1" name=""/>
-        <p:cNvGrpSpPr/>
-        <p:nvPr/>
-      </p:nvGrpSpPr>
-      <p:grpSpPr>
-        <a:xfrm>
-          <a:off x="0" y="0"/>
-          <a:ext cx="0" cy="0"/>
-          <a:chOff x="0" y="0"/>
-          <a:chExt cx="0" cy="0"/>
-        </a:xfrm>
-      </p:grpSpPr>
-      <p:sp>
-        <p:nvSpPr>
-          <p:cNvPr id="10" name="Rectangle 9">
-            <a:extLst>
-              <a:ext uri="{FF2B5EF4-FFF2-40B4-BE49-F238E27FC236}">
-                <a16:creationId xmlns:a16="http://schemas.microsoft.com/office/drawing/2014/main" id="{1045B59B-615E-4718-A150-42DE5D03E1C8}"/>
-              </a:ext>
-              <a:ext uri="{C183D7F6-B498-43B3-948B-1728B52AA6E4}">
-                <adec:decorative xmlns:adec="http://schemas.microsoft.com/office/drawing/2017/decorative" val="1"/>
-              </a:ext>
-            </a:extLst>
-          </p:cNvPr>
-          <p:cNvSpPr>
-            <a:spLocks noGrp="1" noRot="1" noChangeAspect="1" noMove="1" noResize="1" noEditPoints="1" noAdjustHandles="1" noChangeArrowheads="1" noChangeShapeType="1" noTextEdit="1"/>
-          </p:cNvSpPr>
-          <p:nvPr>
-            <p:extLst>
-              <p:ext uri="{386F3935-93C4-4BCD-93E2-E3B085C9AB24}">
-                <p16:designElem xmlns:p16="http://schemas.microsoft.com/office/powerpoint/2015/main" val="1"/>
-              </p:ext>
-            </p:extLst>
-          </p:nvPr>
-        </p:nvSpPr>
-        <p:spPr>
-          <a:xfrm>
-            <a:off x="0" y="0"/>
-            <a:ext cx="13439775" cy="7559675"/>
-          </a:xfrm>
-          <a:prstGeom prst="rect">
-            <a:avLst/>
-          </a:prstGeom>
-          <a:solidFill>
-            <a:srgbClr val="FFFFFF"/>
-          </a:solidFill>
-          <a:ln>
-            <a:noFill/>
-          </a:ln>
-        </p:spPr>
-        <p:style>
-          <a:lnRef idx="2">
-            <a:schemeClr val="accent1">
-              <a:shade val="50000"/>
-            </a:schemeClr>
-          </a:lnRef>
-          <a:fillRef idx="1">
-            <a:schemeClr val="accent1"/>
-          </a:fillRef>
-          <a:effectRef idx="0">
-            <a:schemeClr val="accent1"/>
-          </a:effectRef>
-          <a:fontRef idx="minor">
-            <a:schemeClr val="lt1"/>
-          </a:fontRef>
-        </p:style>
-        <p:txBody>
-          <a:bodyPr rtlCol="0" anchor="ctr"/>
-          <a:lstStyle/>
-          <a:p>
-            <a:pPr algn="ctr"/>
-            <a:endParaRPr lang="en-US"/>
-          </a:p>
-        </p:txBody>
-      </p:sp>
-      <p:sp>
-        <p:nvSpPr>
-          <p:cNvPr id="12" name="Rectangle 11">
-            <a:extLst>
-              <a:ext uri="{FF2B5EF4-FFF2-40B4-BE49-F238E27FC236}">
-                <a16:creationId xmlns:a16="http://schemas.microsoft.com/office/drawing/2014/main" id="{D6CF29CD-38B8-4924-BA11-6D60517487EF}"/>
-              </a:ext>
-              <a:ext uri="{C183D7F6-B498-43B3-948B-1728B52AA6E4}">
-                <adec:decorative xmlns:adec="http://schemas.microsoft.com/office/drawing/2017/decorative" val="1"/>
-              </a:ext>
-            </a:extLst>
-          </p:cNvPr>
-          <p:cNvSpPr>
-            <a:spLocks noGrp="1" noRot="1" noChangeAspect="1" noMove="1" noResize="1" noEditPoints="1" noAdjustHandles="1" noChangeArrowheads="1" noChangeShapeType="1" noTextEdit="1"/>
-          </p:cNvSpPr>
-          <p:nvPr>
-            <p:extLst>
-              <p:ext uri="{386F3935-93C4-4BCD-93E2-E3B085C9AB24}">
-                <p16:designElem xmlns:p16="http://schemas.microsoft.com/office/powerpoint/2015/main" val="1"/>
-              </p:ext>
-            </p:extLst>
-          </p:nvPr>
-        </p:nvSpPr>
-        <p:spPr>
-          <a:xfrm>
-            <a:off x="0" y="0"/>
-            <a:ext cx="13439775" cy="2882756"/>
-          </a:xfrm>
-          <a:prstGeom prst="rect">
-            <a:avLst/>
-          </a:prstGeom>
-          <a:solidFill>
-            <a:srgbClr val="404040"/>
-          </a:solidFill>
-          <a:ln>
-            <a:noFill/>
-          </a:ln>
-        </p:spPr>
-        <p:style>
-          <a:lnRef idx="2">
-            <a:schemeClr val="accent1">
-              <a:shade val="50000"/>
-            </a:schemeClr>
-          </a:lnRef>
-          <a:fillRef idx="1">
-            <a:schemeClr val="accent1"/>
-          </a:fillRef>
-          <a:effectRef idx="0">
-            <a:schemeClr val="accent1"/>
-          </a:effectRef>
-          <a:fontRef idx="minor">
-            <a:schemeClr val="lt1"/>
-          </a:fontRef>
-        </p:style>
-        <p:txBody>
-          <a:bodyPr rtlCol="0" anchor="ctr"/>
-          <a:lstStyle/>
-          <a:p>
-            <a:pPr algn="ctr"/>
-            <a:endParaRPr lang="en-US"/>
-          </a:p>
-        </p:txBody>
-      </p:sp>
-      <p:sp>
-        <p:nvSpPr>
-          <p:cNvPr id="2" name="Title 1">
-            <a:extLst>
-              <a:ext uri="{FF2B5EF4-FFF2-40B4-BE49-F238E27FC236}">
-                <a16:creationId xmlns:a16="http://schemas.microsoft.com/office/drawing/2014/main" id="{7B0942A2-BE3A-4A7F-A315-78944869D4A8}"/>
-              </a:ext>
-            </a:extLst>
-          </p:cNvPr>
-          <p:cNvSpPr>
-            <a:spLocks noGrp="1"/>
-          </p:cNvSpPr>
-          <p:nvPr>
-            <p:ph type="title"/>
-          </p:nvPr>
-        </p:nvSpPr>
-        <p:spPr>
-          <a:xfrm>
-            <a:off x="779369" y="403182"/>
-            <a:ext cx="11867182" cy="1330791"/>
-          </a:xfrm>
-        </p:spPr>
-        <p:txBody>
-          <a:bodyPr vert="horz" lIns="91440" tIns="45720" rIns="91440" bIns="45720" rtlCol="0" anchor="b">
-            <a:normAutofit/>
-          </a:bodyPr>
-          <a:lstStyle/>
-          <a:p>
-            <a:pPr algn="ctr"/>
-            <a:r>
-              <a:rPr lang="en-US" sz="6000" kern="1200">
-                <a:solidFill>
-                  <a:srgbClr val="FFFFFF"/>
-                </a:solidFill>
-                <a:latin typeface="+mj-lt"/>
-                <a:ea typeface="+mj-ea"/>
-                <a:cs typeface="+mj-cs"/>
-              </a:rPr>
-              <a:t>Babel</a:t>
-            </a:r>
-          </a:p>
-        </p:txBody>
-      </p:sp>
-      <p:pic>
-        <p:nvPicPr>
-          <p:cNvPr id="5" name="Picture 4">
-            <a:extLst>
-              <a:ext uri="{FF2B5EF4-FFF2-40B4-BE49-F238E27FC236}">
-                <a16:creationId xmlns:a16="http://schemas.microsoft.com/office/drawing/2014/main" id="{2AB52773-7BDD-4DED-859F-80C0B1B3A484}"/>
-              </a:ext>
-            </a:extLst>
-          </p:cNvPr>
-          <p:cNvPicPr>
-            <a:picLocks noChangeAspect="1"/>
-          </p:cNvPicPr>
-          <p:nvPr/>
-        </p:nvPicPr>
-        <p:blipFill>
-          <a:blip r:embed="rId2"/>
-          <a:stretch>
-            <a:fillRect/>
-          </a:stretch>
-        </p:blipFill>
-        <p:spPr>
-          <a:xfrm>
-            <a:off x="2757295" y="3245046"/>
-            <a:ext cx="7936613" cy="3611159"/>
-          </a:xfrm>
-          <a:prstGeom prst="rect">
-            <a:avLst/>
-          </a:prstGeom>
-        </p:spPr>
-      </p:pic>
-    </p:spTree>
-    <p:extLst>
-      <p:ext uri="{BB962C8B-B14F-4D97-AF65-F5344CB8AC3E}">
-        <p14:creationId xmlns:p14="http://schemas.microsoft.com/office/powerpoint/2010/main" val="3075116893"/>
       </p:ext>
     </p:extLst>
   </p:cSld>

--- a/topic08/talk02/node-2020.pptx
+++ b/topic08/talk02/node-2020.pptx
@@ -1056,6 +1056,72 @@
               <a:rPr lang="en-IE" dirty="0"/>
               <a:t>DEMO THIS BEFORE EXAMOPLES</a:t>
             </a:r>
+            <a:br>
+              <a:rPr lang="en-IE" dirty="0"/>
+            </a:br>
+            <a:r>
+              <a:rPr lang="en-GB" dirty="0"/>
+              <a:t>babel/</a:t>
+            </a:r>
+            <a:r>
+              <a:rPr lang="en-GB" dirty="0" err="1"/>
+              <a:t>preset</a:t>
+            </a:r>
+            <a:r>
+              <a:rPr lang="en-GB" dirty="0"/>
+              <a:t>-env</a:t>
+            </a:r>
+            <a:r>
+              <a:rPr lang="en-GB" b="0" i="0" dirty="0">
+                <a:solidFill>
+                  <a:srgbClr val="24292E"/>
+                </a:solidFill>
+                <a:effectLst/>
+                <a:latin typeface="-apple-system"/>
+              </a:rPr>
+              <a:t> is a smart </a:t>
+            </a:r>
+            <a:r>
+              <a:rPr lang="en-GB" b="0" i="0" dirty="0" err="1">
+                <a:solidFill>
+                  <a:srgbClr val="24292E"/>
+                </a:solidFill>
+                <a:effectLst/>
+                <a:latin typeface="-apple-system"/>
+              </a:rPr>
+              <a:t>preset</a:t>
+            </a:r>
+            <a:r>
+              <a:rPr lang="en-GB" b="0" i="0" dirty="0">
+                <a:solidFill>
+                  <a:srgbClr val="24292E"/>
+                </a:solidFill>
+                <a:effectLst/>
+                <a:latin typeface="-apple-system"/>
+              </a:rPr>
+              <a:t> that allows you to use the latest JavaScript without needing to micromanage which syntax transforms (and optionally, browser </a:t>
+            </a:r>
+            <a:r>
+              <a:rPr lang="en-GB" b="0" i="0" dirty="0" err="1">
+                <a:solidFill>
+                  <a:srgbClr val="24292E"/>
+                </a:solidFill>
+                <a:effectLst/>
+                <a:latin typeface="-apple-system"/>
+              </a:rPr>
+              <a:t>polyfills</a:t>
+            </a:r>
+            <a:r>
+              <a:rPr lang="en-GB" b="0" i="0" dirty="0">
+                <a:solidFill>
+                  <a:srgbClr val="24292E"/>
+                </a:solidFill>
+                <a:effectLst/>
+                <a:latin typeface="-apple-system"/>
+              </a:rPr>
+              <a:t>) are needed by your target environment(s). This both makes your life easier and JavaScript bundles smaller!</a:t>
+            </a:r>
+            <a:endParaRPr lang="en-IE" dirty="0"/>
           </a:p>
         </p:txBody>
       </p:sp>
